--- a/public/dokumen/panduan.pptx
+++ b/public/dokumen/panduan.pptx
@@ -180,10 +180,9 @@
           </a:lstStyle>
           <a:p>
             <a:r>
-              <a:rPr lang="en-US" smtClean="0"/>
+              <a:rPr lang="en-US"/>
               <a:t>Click to edit Master title style</a:t>
             </a:r>
-            <a:endParaRPr lang="en-US"/>
           </a:p>
         </p:txBody>
       </p:sp>
@@ -245,10 +244,9 @@
           </a:lstStyle>
           <a:p>
             <a:r>
-              <a:rPr lang="en-US" smtClean="0"/>
+              <a:rPr lang="en-US"/>
               <a:t>Click to edit Master subtitle style</a:t>
             </a:r>
-            <a:endParaRPr lang="en-US"/>
           </a:p>
         </p:txBody>
       </p:sp>
@@ -269,7 +267,7 @@
           <a:p>
             <a:fld id="{4ACF2603-0167-44C8-B0D0-3351C3ADC499}" type="datetimeFigureOut">
               <a:rPr lang="en-US" smtClean="0"/>
-              <a:t>12/31/2021</a:t>
+              <a:t>1/2/2022</a:t>
             </a:fld>
             <a:endParaRPr lang="en-US"/>
           </a:p>
@@ -363,10 +361,9 @@
           <a:lstStyle/>
           <a:p>
             <a:r>
-              <a:rPr lang="en-US" smtClean="0"/>
+              <a:rPr lang="en-US"/>
               <a:t>Click to edit Master title style</a:t>
             </a:r>
-            <a:endParaRPr lang="en-US"/>
           </a:p>
         </p:txBody>
       </p:sp>
@@ -387,38 +384,37 @@
           <a:p>
             <a:pPr lvl="0"/>
             <a:r>
-              <a:rPr lang="en-US" smtClean="0"/>
+              <a:rPr lang="en-US"/>
               <a:t>Click to edit Master text styles</a:t>
             </a:r>
           </a:p>
           <a:p>
             <a:pPr lvl="1"/>
             <a:r>
-              <a:rPr lang="en-US" smtClean="0"/>
+              <a:rPr lang="en-US"/>
               <a:t>Second level</a:t>
             </a:r>
           </a:p>
           <a:p>
             <a:pPr lvl="2"/>
             <a:r>
-              <a:rPr lang="en-US" smtClean="0"/>
+              <a:rPr lang="en-US"/>
               <a:t>Third level</a:t>
             </a:r>
           </a:p>
           <a:p>
             <a:pPr lvl="3"/>
             <a:r>
-              <a:rPr lang="en-US" smtClean="0"/>
+              <a:rPr lang="en-US"/>
               <a:t>Fourth level</a:t>
             </a:r>
           </a:p>
           <a:p>
             <a:pPr lvl="4"/>
             <a:r>
-              <a:rPr lang="en-US" smtClean="0"/>
+              <a:rPr lang="en-US"/>
               <a:t>Fifth level</a:t>
             </a:r>
-            <a:endParaRPr lang="en-US"/>
           </a:p>
         </p:txBody>
       </p:sp>
@@ -439,7 +435,7 @@
           <a:p>
             <a:fld id="{4ACF2603-0167-44C8-B0D0-3351C3ADC499}" type="datetimeFigureOut">
               <a:rPr lang="en-US" smtClean="0"/>
-              <a:t>12/31/2021</a:t>
+              <a:t>1/2/2022</a:t>
             </a:fld>
             <a:endParaRPr lang="en-US"/>
           </a:p>
@@ -538,10 +534,9 @@
           <a:lstStyle/>
           <a:p>
             <a:r>
-              <a:rPr lang="en-US" smtClean="0"/>
+              <a:rPr lang="en-US"/>
               <a:t>Click to edit Master title style</a:t>
             </a:r>
-            <a:endParaRPr lang="en-US"/>
           </a:p>
         </p:txBody>
       </p:sp>
@@ -567,38 +562,37 @@
           <a:p>
             <a:pPr lvl="0"/>
             <a:r>
-              <a:rPr lang="en-US" smtClean="0"/>
+              <a:rPr lang="en-US"/>
               <a:t>Click to edit Master text styles</a:t>
             </a:r>
           </a:p>
           <a:p>
             <a:pPr lvl="1"/>
             <a:r>
-              <a:rPr lang="en-US" smtClean="0"/>
+              <a:rPr lang="en-US"/>
               <a:t>Second level</a:t>
             </a:r>
           </a:p>
           <a:p>
             <a:pPr lvl="2"/>
             <a:r>
-              <a:rPr lang="en-US" smtClean="0"/>
+              <a:rPr lang="en-US"/>
               <a:t>Third level</a:t>
             </a:r>
           </a:p>
           <a:p>
             <a:pPr lvl="3"/>
             <a:r>
-              <a:rPr lang="en-US" smtClean="0"/>
+              <a:rPr lang="en-US"/>
               <a:t>Fourth level</a:t>
             </a:r>
           </a:p>
           <a:p>
             <a:pPr lvl="4"/>
             <a:r>
-              <a:rPr lang="en-US" smtClean="0"/>
+              <a:rPr lang="en-US"/>
               <a:t>Fifth level</a:t>
             </a:r>
-            <a:endParaRPr lang="en-US"/>
           </a:p>
         </p:txBody>
       </p:sp>
@@ -619,7 +613,7 @@
           <a:p>
             <a:fld id="{4ACF2603-0167-44C8-B0D0-3351C3ADC499}" type="datetimeFigureOut">
               <a:rPr lang="en-US" smtClean="0"/>
-              <a:t>12/31/2021</a:t>
+              <a:t>1/2/2022</a:t>
             </a:fld>
             <a:endParaRPr lang="en-US"/>
           </a:p>
@@ -713,10 +707,9 @@
           <a:lstStyle/>
           <a:p>
             <a:r>
-              <a:rPr lang="en-US" smtClean="0"/>
+              <a:rPr lang="en-US"/>
               <a:t>Click to edit Master title style</a:t>
             </a:r>
-            <a:endParaRPr lang="en-US"/>
           </a:p>
         </p:txBody>
       </p:sp>
@@ -737,38 +730,37 @@
           <a:p>
             <a:pPr lvl="0"/>
             <a:r>
-              <a:rPr lang="en-US" smtClean="0"/>
+              <a:rPr lang="en-US"/>
               <a:t>Click to edit Master text styles</a:t>
             </a:r>
           </a:p>
           <a:p>
             <a:pPr lvl="1"/>
             <a:r>
-              <a:rPr lang="en-US" smtClean="0"/>
+              <a:rPr lang="en-US"/>
               <a:t>Second level</a:t>
             </a:r>
           </a:p>
           <a:p>
             <a:pPr lvl="2"/>
             <a:r>
-              <a:rPr lang="en-US" smtClean="0"/>
+              <a:rPr lang="en-US"/>
               <a:t>Third level</a:t>
             </a:r>
           </a:p>
           <a:p>
             <a:pPr lvl="3"/>
             <a:r>
-              <a:rPr lang="en-US" smtClean="0"/>
+              <a:rPr lang="en-US"/>
               <a:t>Fourth level</a:t>
             </a:r>
           </a:p>
           <a:p>
             <a:pPr lvl="4"/>
             <a:r>
-              <a:rPr lang="en-US" smtClean="0"/>
+              <a:rPr lang="en-US"/>
               <a:t>Fifth level</a:t>
             </a:r>
-            <a:endParaRPr lang="en-US"/>
           </a:p>
         </p:txBody>
       </p:sp>
@@ -789,7 +781,7 @@
           <a:p>
             <a:fld id="{4ACF2603-0167-44C8-B0D0-3351C3ADC499}" type="datetimeFigureOut">
               <a:rPr lang="en-US" smtClean="0"/>
-              <a:t>12/31/2021</a:t>
+              <a:t>1/2/2022</a:t>
             </a:fld>
             <a:endParaRPr lang="en-US"/>
           </a:p>
@@ -892,10 +884,9 @@
           </a:lstStyle>
           <a:p>
             <a:r>
-              <a:rPr lang="en-US" smtClean="0"/>
+              <a:rPr lang="en-US"/>
               <a:t>Click to edit Master title style</a:t>
             </a:r>
-            <a:endParaRPr lang="en-US"/>
           </a:p>
         </p:txBody>
       </p:sp>
@@ -1012,7 +1003,7 @@
           <a:p>
             <a:pPr lvl="0"/>
             <a:r>
-              <a:rPr lang="en-US" smtClean="0"/>
+              <a:rPr lang="en-US"/>
               <a:t>Click to edit Master text styles</a:t>
             </a:r>
           </a:p>
@@ -1035,7 +1026,7 @@
           <a:p>
             <a:fld id="{4ACF2603-0167-44C8-B0D0-3351C3ADC499}" type="datetimeFigureOut">
               <a:rPr lang="en-US" smtClean="0"/>
-              <a:t>12/31/2021</a:t>
+              <a:t>1/2/2022</a:t>
             </a:fld>
             <a:endParaRPr lang="en-US"/>
           </a:p>
@@ -1129,10 +1120,9 @@
           <a:lstStyle/>
           <a:p>
             <a:r>
-              <a:rPr lang="en-US" smtClean="0"/>
+              <a:rPr lang="en-US"/>
               <a:t>Click to edit Master title style</a:t>
             </a:r>
-            <a:endParaRPr lang="en-US"/>
           </a:p>
         </p:txBody>
       </p:sp>
@@ -1158,38 +1148,37 @@
           <a:p>
             <a:pPr lvl="0"/>
             <a:r>
-              <a:rPr lang="en-US" smtClean="0"/>
+              <a:rPr lang="en-US"/>
               <a:t>Click to edit Master text styles</a:t>
             </a:r>
           </a:p>
           <a:p>
             <a:pPr lvl="1"/>
             <a:r>
-              <a:rPr lang="en-US" smtClean="0"/>
+              <a:rPr lang="en-US"/>
               <a:t>Second level</a:t>
             </a:r>
           </a:p>
           <a:p>
             <a:pPr lvl="2"/>
             <a:r>
-              <a:rPr lang="en-US" smtClean="0"/>
+              <a:rPr lang="en-US"/>
               <a:t>Third level</a:t>
             </a:r>
           </a:p>
           <a:p>
             <a:pPr lvl="3"/>
             <a:r>
-              <a:rPr lang="en-US" smtClean="0"/>
+              <a:rPr lang="en-US"/>
               <a:t>Fourth level</a:t>
             </a:r>
           </a:p>
           <a:p>
             <a:pPr lvl="4"/>
             <a:r>
-              <a:rPr lang="en-US" smtClean="0"/>
+              <a:rPr lang="en-US"/>
               <a:t>Fifth level</a:t>
             </a:r>
-            <a:endParaRPr lang="en-US"/>
           </a:p>
         </p:txBody>
       </p:sp>
@@ -1215,38 +1204,37 @@
           <a:p>
             <a:pPr lvl="0"/>
             <a:r>
-              <a:rPr lang="en-US" smtClean="0"/>
+              <a:rPr lang="en-US"/>
               <a:t>Click to edit Master text styles</a:t>
             </a:r>
           </a:p>
           <a:p>
             <a:pPr lvl="1"/>
             <a:r>
-              <a:rPr lang="en-US" smtClean="0"/>
+              <a:rPr lang="en-US"/>
               <a:t>Second level</a:t>
             </a:r>
           </a:p>
           <a:p>
             <a:pPr lvl="2"/>
             <a:r>
-              <a:rPr lang="en-US" smtClean="0"/>
+              <a:rPr lang="en-US"/>
               <a:t>Third level</a:t>
             </a:r>
           </a:p>
           <a:p>
             <a:pPr lvl="3"/>
             <a:r>
-              <a:rPr lang="en-US" smtClean="0"/>
+              <a:rPr lang="en-US"/>
               <a:t>Fourth level</a:t>
             </a:r>
           </a:p>
           <a:p>
             <a:pPr lvl="4"/>
             <a:r>
-              <a:rPr lang="en-US" smtClean="0"/>
+              <a:rPr lang="en-US"/>
               <a:t>Fifth level</a:t>
             </a:r>
-            <a:endParaRPr lang="en-US"/>
           </a:p>
         </p:txBody>
       </p:sp>
@@ -1267,7 +1255,7 @@
           <a:p>
             <a:fld id="{4ACF2603-0167-44C8-B0D0-3351C3ADC499}" type="datetimeFigureOut">
               <a:rPr lang="en-US" smtClean="0"/>
-              <a:t>12/31/2021</a:t>
+              <a:t>1/2/2022</a:t>
             </a:fld>
             <a:endParaRPr lang="en-US"/>
           </a:p>
@@ -1366,10 +1354,9 @@
           <a:lstStyle/>
           <a:p>
             <a:r>
-              <a:rPr lang="en-US" smtClean="0"/>
+              <a:rPr lang="en-US"/>
               <a:t>Click to edit Master title style</a:t>
             </a:r>
-            <a:endParaRPr lang="en-US"/>
           </a:p>
         </p:txBody>
       </p:sp>
@@ -1432,7 +1419,7 @@
           <a:p>
             <a:pPr lvl="0"/>
             <a:r>
-              <a:rPr lang="en-US" smtClean="0"/>
+              <a:rPr lang="en-US"/>
               <a:t>Click to edit Master text styles</a:t>
             </a:r>
           </a:p>
@@ -1460,38 +1447,37 @@
           <a:p>
             <a:pPr lvl="0"/>
             <a:r>
-              <a:rPr lang="en-US" smtClean="0"/>
+              <a:rPr lang="en-US"/>
               <a:t>Click to edit Master text styles</a:t>
             </a:r>
           </a:p>
           <a:p>
             <a:pPr lvl="1"/>
             <a:r>
-              <a:rPr lang="en-US" smtClean="0"/>
+              <a:rPr lang="en-US"/>
               <a:t>Second level</a:t>
             </a:r>
           </a:p>
           <a:p>
             <a:pPr lvl="2"/>
             <a:r>
-              <a:rPr lang="en-US" smtClean="0"/>
+              <a:rPr lang="en-US"/>
               <a:t>Third level</a:t>
             </a:r>
           </a:p>
           <a:p>
             <a:pPr lvl="3"/>
             <a:r>
-              <a:rPr lang="en-US" smtClean="0"/>
+              <a:rPr lang="en-US"/>
               <a:t>Fourth level</a:t>
             </a:r>
           </a:p>
           <a:p>
             <a:pPr lvl="4"/>
             <a:r>
-              <a:rPr lang="en-US" smtClean="0"/>
+              <a:rPr lang="en-US"/>
               <a:t>Fifth level</a:t>
             </a:r>
-            <a:endParaRPr lang="en-US"/>
           </a:p>
         </p:txBody>
       </p:sp>
@@ -1554,7 +1540,7 @@
           <a:p>
             <a:pPr lvl="0"/>
             <a:r>
-              <a:rPr lang="en-US" smtClean="0"/>
+              <a:rPr lang="en-US"/>
               <a:t>Click to edit Master text styles</a:t>
             </a:r>
           </a:p>
@@ -1582,38 +1568,37 @@
           <a:p>
             <a:pPr lvl="0"/>
             <a:r>
-              <a:rPr lang="en-US" smtClean="0"/>
+              <a:rPr lang="en-US"/>
               <a:t>Click to edit Master text styles</a:t>
             </a:r>
           </a:p>
           <a:p>
             <a:pPr lvl="1"/>
             <a:r>
-              <a:rPr lang="en-US" smtClean="0"/>
+              <a:rPr lang="en-US"/>
               <a:t>Second level</a:t>
             </a:r>
           </a:p>
           <a:p>
             <a:pPr lvl="2"/>
             <a:r>
-              <a:rPr lang="en-US" smtClean="0"/>
+              <a:rPr lang="en-US"/>
               <a:t>Third level</a:t>
             </a:r>
           </a:p>
           <a:p>
             <a:pPr lvl="3"/>
             <a:r>
-              <a:rPr lang="en-US" smtClean="0"/>
+              <a:rPr lang="en-US"/>
               <a:t>Fourth level</a:t>
             </a:r>
           </a:p>
           <a:p>
             <a:pPr lvl="4"/>
             <a:r>
-              <a:rPr lang="en-US" smtClean="0"/>
+              <a:rPr lang="en-US"/>
               <a:t>Fifth level</a:t>
             </a:r>
-            <a:endParaRPr lang="en-US"/>
           </a:p>
         </p:txBody>
       </p:sp>
@@ -1634,7 +1619,7 @@
           <a:p>
             <a:fld id="{4ACF2603-0167-44C8-B0D0-3351C3ADC499}" type="datetimeFigureOut">
               <a:rPr lang="en-US" smtClean="0"/>
-              <a:t>12/31/2021</a:t>
+              <a:t>1/2/2022</a:t>
             </a:fld>
             <a:endParaRPr lang="en-US"/>
           </a:p>
@@ -1728,10 +1713,9 @@
           <a:lstStyle/>
           <a:p>
             <a:r>
-              <a:rPr lang="en-US" smtClean="0"/>
+              <a:rPr lang="en-US"/>
               <a:t>Click to edit Master title style</a:t>
             </a:r>
-            <a:endParaRPr lang="en-US"/>
           </a:p>
         </p:txBody>
       </p:sp>
@@ -1752,7 +1736,7 @@
           <a:p>
             <a:fld id="{4ACF2603-0167-44C8-B0D0-3351C3ADC499}" type="datetimeFigureOut">
               <a:rPr lang="en-US" smtClean="0"/>
-              <a:t>12/31/2021</a:t>
+              <a:t>1/2/2022</a:t>
             </a:fld>
             <a:endParaRPr lang="en-US"/>
           </a:p>
@@ -1847,7 +1831,7 @@
           <a:p>
             <a:fld id="{4ACF2603-0167-44C8-B0D0-3351C3ADC499}" type="datetimeFigureOut">
               <a:rPr lang="en-US" smtClean="0"/>
-              <a:t>12/31/2021</a:t>
+              <a:t>1/2/2022</a:t>
             </a:fld>
             <a:endParaRPr lang="en-US"/>
           </a:p>
@@ -1950,10 +1934,9 @@
           </a:lstStyle>
           <a:p>
             <a:r>
-              <a:rPr lang="en-US" smtClean="0"/>
+              <a:rPr lang="en-US"/>
               <a:t>Click to edit Master title style</a:t>
             </a:r>
-            <a:endParaRPr lang="en-US"/>
           </a:p>
         </p:txBody>
       </p:sp>
@@ -2007,38 +1990,37 @@
           <a:p>
             <a:pPr lvl="0"/>
             <a:r>
-              <a:rPr lang="en-US" smtClean="0"/>
+              <a:rPr lang="en-US"/>
               <a:t>Click to edit Master text styles</a:t>
             </a:r>
           </a:p>
           <a:p>
             <a:pPr lvl="1"/>
             <a:r>
-              <a:rPr lang="en-US" smtClean="0"/>
+              <a:rPr lang="en-US"/>
               <a:t>Second level</a:t>
             </a:r>
           </a:p>
           <a:p>
             <a:pPr lvl="2"/>
             <a:r>
-              <a:rPr lang="en-US" smtClean="0"/>
+              <a:rPr lang="en-US"/>
               <a:t>Third level</a:t>
             </a:r>
           </a:p>
           <a:p>
             <a:pPr lvl="3"/>
             <a:r>
-              <a:rPr lang="en-US" smtClean="0"/>
+              <a:rPr lang="en-US"/>
               <a:t>Fourth level</a:t>
             </a:r>
           </a:p>
           <a:p>
             <a:pPr lvl="4"/>
             <a:r>
-              <a:rPr lang="en-US" smtClean="0"/>
+              <a:rPr lang="en-US"/>
               <a:t>Fifth level</a:t>
             </a:r>
-            <a:endParaRPr lang="en-US"/>
           </a:p>
         </p:txBody>
       </p:sp>
@@ -2101,7 +2083,7 @@
           <a:p>
             <a:pPr lvl="0"/>
             <a:r>
-              <a:rPr lang="en-US" smtClean="0"/>
+              <a:rPr lang="en-US"/>
               <a:t>Click to edit Master text styles</a:t>
             </a:r>
           </a:p>
@@ -2124,7 +2106,7 @@
           <a:p>
             <a:fld id="{4ACF2603-0167-44C8-B0D0-3351C3ADC499}" type="datetimeFigureOut">
               <a:rPr lang="en-US" smtClean="0"/>
-              <a:t>12/31/2021</a:t>
+              <a:t>1/2/2022</a:t>
             </a:fld>
             <a:endParaRPr lang="en-US"/>
           </a:p>
@@ -2227,10 +2209,9 @@
           </a:lstStyle>
           <a:p>
             <a:r>
-              <a:rPr lang="en-US" smtClean="0"/>
+              <a:rPr lang="en-US"/>
               <a:t>Click to edit Master title style</a:t>
             </a:r>
-            <a:endParaRPr lang="en-US"/>
           </a:p>
         </p:txBody>
       </p:sp>
@@ -2354,7 +2335,7 @@
           <a:p>
             <a:pPr lvl="0"/>
             <a:r>
-              <a:rPr lang="en-US" smtClean="0"/>
+              <a:rPr lang="en-US"/>
               <a:t>Click to edit Master text styles</a:t>
             </a:r>
           </a:p>
@@ -2377,7 +2358,7 @@
           <a:p>
             <a:fld id="{4ACF2603-0167-44C8-B0D0-3351C3ADC499}" type="datetimeFigureOut">
               <a:rPr lang="en-US" smtClean="0"/>
-              <a:t>12/31/2021</a:t>
+              <a:t>1/2/2022</a:t>
             </a:fld>
             <a:endParaRPr lang="en-US"/>
           </a:p>
@@ -2486,10 +2467,9 @@
           <a:lstStyle/>
           <a:p>
             <a:r>
-              <a:rPr lang="en-US" smtClean="0"/>
+              <a:rPr lang="en-US"/>
               <a:t>Click to edit Master title style</a:t>
             </a:r>
-            <a:endParaRPr lang="en-US"/>
           </a:p>
         </p:txBody>
       </p:sp>
@@ -2520,38 +2500,37 @@
           <a:p>
             <a:pPr lvl="0"/>
             <a:r>
-              <a:rPr lang="en-US" smtClean="0"/>
+              <a:rPr lang="en-US"/>
               <a:t>Click to edit Master text styles</a:t>
             </a:r>
           </a:p>
           <a:p>
             <a:pPr lvl="1"/>
             <a:r>
-              <a:rPr lang="en-US" smtClean="0"/>
+              <a:rPr lang="en-US"/>
               <a:t>Second level</a:t>
             </a:r>
           </a:p>
           <a:p>
             <a:pPr lvl="2"/>
             <a:r>
-              <a:rPr lang="en-US" smtClean="0"/>
+              <a:rPr lang="en-US"/>
               <a:t>Third level</a:t>
             </a:r>
           </a:p>
           <a:p>
             <a:pPr lvl="3"/>
             <a:r>
-              <a:rPr lang="en-US" smtClean="0"/>
+              <a:rPr lang="en-US"/>
               <a:t>Fourth level</a:t>
             </a:r>
           </a:p>
           <a:p>
             <a:pPr lvl="4"/>
             <a:r>
-              <a:rPr lang="en-US" smtClean="0"/>
+              <a:rPr lang="en-US"/>
               <a:t>Fifth level</a:t>
             </a:r>
-            <a:endParaRPr lang="en-US"/>
           </a:p>
         </p:txBody>
       </p:sp>
@@ -2590,7 +2569,7 @@
           <a:p>
             <a:fld id="{4ACF2603-0167-44C8-B0D0-3351C3ADC499}" type="datetimeFigureOut">
               <a:rPr lang="en-US" smtClean="0"/>
-              <a:t>12/31/2021</a:t>
+              <a:t>1/2/2022</a:t>
             </a:fld>
             <a:endParaRPr lang="en-US"/>
           </a:p>
@@ -3011,10 +2990,9 @@
           <a:lstStyle/>
           <a:p>
             <a:r>
-              <a:rPr lang="en-US" dirty="0" smtClean="0"/>
+              <a:rPr lang="en-US" dirty="0"/>
               <a:t>PANDUAN PENGGUNAAN WEBSITE FIT</a:t>
             </a:r>
-            <a:endParaRPr lang="en-US" dirty="0"/>
           </a:p>
         </p:txBody>
       </p:sp>
@@ -3034,55 +3012,55 @@
           <a:lstStyle/>
           <a:p>
             <a:r>
-              <a:rPr lang="en-US" dirty="0" err="1" smtClean="0"/>
+              <a:rPr lang="en-US" dirty="0" err="1"/>
               <a:t>Dibuat</a:t>
             </a:r>
             <a:r>
-              <a:rPr lang="en-US" dirty="0" smtClean="0"/>
-              <a:t> </a:t>
-            </a:r>
-            <a:r>
-              <a:rPr lang="en-US" dirty="0" err="1" smtClean="0"/>
+              <a:rPr lang="en-US" dirty="0"/>
+              <a:t> </a:t>
+            </a:r>
+            <a:r>
+              <a:rPr lang="en-US" dirty="0" err="1"/>
               <a:t>Oleh</a:t>
             </a:r>
             <a:r>
-              <a:rPr lang="en-US" dirty="0" smtClean="0"/>
+              <a:rPr lang="en-US" dirty="0"/>
               <a:t> Tim </a:t>
             </a:r>
             <a:r>
-              <a:rPr lang="en-US" dirty="0" err="1" smtClean="0"/>
+              <a:rPr lang="en-US" dirty="0" err="1"/>
               <a:t>Kerja</a:t>
             </a:r>
             <a:r>
-              <a:rPr lang="en-US" dirty="0" smtClean="0"/>
-              <a:t> </a:t>
-            </a:r>
-            <a:r>
-              <a:rPr lang="en-US" dirty="0" err="1" smtClean="0"/>
+              <a:rPr lang="en-US" dirty="0"/>
+              <a:t> </a:t>
+            </a:r>
+            <a:r>
+              <a:rPr lang="en-US" dirty="0" err="1"/>
               <a:t>Praktek</a:t>
             </a:r>
             <a:r>
-              <a:rPr lang="en-US" dirty="0" smtClean="0"/>
+              <a:rPr lang="en-US" dirty="0"/>
               <a:t> 3 </a:t>
             </a:r>
             <a:r>
-              <a:rPr lang="en-US" dirty="0" err="1" smtClean="0"/>
+              <a:rPr lang="en-US" dirty="0" err="1"/>
               <a:t>Departemen</a:t>
             </a:r>
             <a:r>
-              <a:rPr lang="en-US" dirty="0" smtClean="0"/>
-              <a:t> </a:t>
-            </a:r>
-            <a:r>
-              <a:rPr lang="en-US" dirty="0" err="1" smtClean="0"/>
+              <a:rPr lang="en-US" dirty="0"/>
+              <a:t> </a:t>
+            </a:r>
+            <a:r>
+              <a:rPr lang="en-US" dirty="0" err="1"/>
               <a:t>Teknologi</a:t>
             </a:r>
             <a:r>
-              <a:rPr lang="en-US" dirty="0" smtClean="0"/>
-              <a:t> </a:t>
-            </a:r>
-            <a:r>
-              <a:rPr lang="en-US" dirty="0" err="1" smtClean="0"/>
+              <a:rPr lang="en-US" dirty="0"/>
+              <a:t> </a:t>
+            </a:r>
+            <a:r>
+              <a:rPr lang="en-US" dirty="0" err="1"/>
               <a:t>Informasi</a:t>
             </a:r>
             <a:endParaRPr lang="en-US" dirty="0"/>
@@ -3135,14 +3113,9 @@
           <a:lstStyle/>
           <a:p>
             <a:r>
-              <a:rPr lang="en-US" dirty="0" smtClean="0"/>
-              <a:t>PANDUAN WEBSITE FIT UNTUK </a:t>
-            </a:r>
-            <a:r>
-              <a:rPr lang="en-US" dirty="0" smtClean="0"/>
-              <a:t>DOSEN</a:t>
-            </a:r>
-            <a:endParaRPr lang="en-US" dirty="0"/>
+              <a:rPr lang="en-US" dirty="0"/>
+              <a:t>PANDUAN WEBSITE FIT UNTUK DOSEN</a:t>
+            </a:r>
           </a:p>
         </p:txBody>
       </p:sp>
@@ -3162,55 +3135,55 @@
           <a:lstStyle/>
           <a:p>
             <a:r>
-              <a:rPr lang="en-US" dirty="0" err="1" smtClean="0"/>
+              <a:rPr lang="en-US" dirty="0" err="1"/>
               <a:t>Dibuat</a:t>
             </a:r>
             <a:r>
-              <a:rPr lang="en-US" dirty="0" smtClean="0"/>
-              <a:t> </a:t>
-            </a:r>
-            <a:r>
-              <a:rPr lang="en-US" dirty="0" err="1" smtClean="0"/>
+              <a:rPr lang="en-US" dirty="0"/>
+              <a:t> </a:t>
+            </a:r>
+            <a:r>
+              <a:rPr lang="en-US" dirty="0" err="1"/>
               <a:t>Oleh</a:t>
             </a:r>
             <a:r>
-              <a:rPr lang="en-US" dirty="0" smtClean="0"/>
+              <a:rPr lang="en-US" dirty="0"/>
               <a:t> Tim </a:t>
             </a:r>
             <a:r>
-              <a:rPr lang="en-US" dirty="0" err="1" smtClean="0"/>
+              <a:rPr lang="en-US" dirty="0" err="1"/>
               <a:t>Kerja</a:t>
             </a:r>
             <a:r>
-              <a:rPr lang="en-US" dirty="0" smtClean="0"/>
-              <a:t> </a:t>
-            </a:r>
-            <a:r>
-              <a:rPr lang="en-US" dirty="0" err="1" smtClean="0"/>
+              <a:rPr lang="en-US" dirty="0"/>
+              <a:t> </a:t>
+            </a:r>
+            <a:r>
+              <a:rPr lang="en-US" dirty="0" err="1"/>
               <a:t>Praktek</a:t>
             </a:r>
             <a:r>
-              <a:rPr lang="en-US" dirty="0" smtClean="0"/>
+              <a:rPr lang="en-US" dirty="0"/>
               <a:t> 3 </a:t>
             </a:r>
             <a:r>
-              <a:rPr lang="en-US" dirty="0" err="1" smtClean="0"/>
+              <a:rPr lang="en-US" dirty="0" err="1"/>
               <a:t>Departemen</a:t>
             </a:r>
             <a:r>
-              <a:rPr lang="en-US" dirty="0" smtClean="0"/>
-              <a:t> </a:t>
-            </a:r>
-            <a:r>
-              <a:rPr lang="en-US" dirty="0" err="1" smtClean="0"/>
+              <a:rPr lang="en-US" dirty="0"/>
+              <a:t> </a:t>
+            </a:r>
+            <a:r>
+              <a:rPr lang="en-US" dirty="0" err="1"/>
               <a:t>Teknologi</a:t>
             </a:r>
             <a:r>
-              <a:rPr lang="en-US" dirty="0" smtClean="0"/>
-              <a:t> </a:t>
-            </a:r>
-            <a:r>
-              <a:rPr lang="en-US" dirty="0" err="1" smtClean="0"/>
+              <a:rPr lang="en-US" dirty="0"/>
+              <a:t> </a:t>
+            </a:r>
+            <a:r>
+              <a:rPr lang="en-US" dirty="0" err="1"/>
               <a:t>Informasi</a:t>
             </a:r>
             <a:endParaRPr lang="en-US" dirty="0"/>
@@ -3338,19 +3311,19 @@
           <a:lstStyle/>
           <a:p>
             <a:r>
-              <a:rPr lang="en-US" dirty="0" smtClean="0"/>
+              <a:rPr lang="en-US" dirty="0"/>
               <a:t>Navigation Bar </a:t>
             </a:r>
             <a:r>
-              <a:rPr lang="en-US" dirty="0" err="1" smtClean="0"/>
+              <a:rPr lang="en-US" dirty="0" err="1"/>
               <a:t>untuk</a:t>
             </a:r>
             <a:r>
-              <a:rPr lang="en-US" dirty="0" smtClean="0"/>
-              <a:t> </a:t>
-            </a:r>
-            <a:r>
-              <a:rPr lang="en-US" dirty="0" err="1" smtClean="0"/>
+              <a:rPr lang="en-US" dirty="0"/>
+              <a:t> </a:t>
+            </a:r>
+            <a:r>
+              <a:rPr lang="en-US" dirty="0" err="1"/>
               <a:t>Dosen</a:t>
             </a:r>
             <a:endParaRPr lang="en-US" dirty="0"/>
@@ -3380,309 +3353,299 @@
           <a:lstStyle/>
           <a:p>
             <a:r>
-              <a:rPr lang="en-US" sz="2600" dirty="0" smtClean="0"/>
+              <a:rPr lang="en-US" sz="2600" dirty="0"/>
               <a:t>Dashboard, </a:t>
             </a:r>
             <a:r>
-              <a:rPr lang="en-US" sz="2600" dirty="0" err="1" smtClean="0"/>
+              <a:rPr lang="en-US" sz="2600" dirty="0" err="1"/>
               <a:t>halaman</a:t>
             </a:r>
             <a:r>
-              <a:rPr lang="en-US" sz="2600" dirty="0" smtClean="0"/>
+              <a:rPr lang="en-US" sz="2600" dirty="0"/>
               <a:t> yang </a:t>
             </a:r>
             <a:r>
-              <a:rPr lang="en-US" sz="2600" dirty="0" err="1" smtClean="0"/>
+              <a:rPr lang="en-US" sz="2600" dirty="0" err="1"/>
               <a:t>akan</a:t>
             </a:r>
             <a:r>
-              <a:rPr lang="en-US" sz="2600" dirty="0" smtClean="0"/>
-              <a:t> </a:t>
-            </a:r>
-            <a:r>
-              <a:rPr lang="en-US" sz="2600" dirty="0" err="1" smtClean="0"/>
+              <a:rPr lang="en-US" sz="2600" dirty="0"/>
+              <a:t> </a:t>
+            </a:r>
+            <a:r>
+              <a:rPr lang="en-US" sz="2600" dirty="0" err="1"/>
               <a:t>menunjukan</a:t>
             </a:r>
             <a:r>
-              <a:rPr lang="en-US" sz="2600" dirty="0" smtClean="0"/>
+              <a:rPr lang="en-US" sz="2600" dirty="0"/>
               <a:t> list </a:t>
             </a:r>
             <a:r>
-              <a:rPr lang="en-US" sz="2600" dirty="0" err="1" smtClean="0"/>
+              <a:rPr lang="en-US" sz="2600" dirty="0" err="1"/>
               <a:t>tawaran</a:t>
             </a:r>
             <a:r>
-              <a:rPr lang="en-US" sz="2600" dirty="0" smtClean="0"/>
-              <a:t> </a:t>
-            </a:r>
-            <a:r>
-              <a:rPr lang="en-US" sz="2600" dirty="0" err="1" smtClean="0"/>
+              <a:rPr lang="en-US" sz="2600" dirty="0"/>
+              <a:t> </a:t>
+            </a:r>
+            <a:r>
+              <a:rPr lang="en-US" sz="2600" dirty="0" err="1"/>
               <a:t>judul</a:t>
             </a:r>
             <a:r>
-              <a:rPr lang="en-US" sz="2600" dirty="0" smtClean="0"/>
-              <a:t> </a:t>
-            </a:r>
-            <a:r>
-              <a:rPr lang="en-US" sz="2600" dirty="0" err="1" smtClean="0"/>
+              <a:rPr lang="en-US" sz="2600" dirty="0"/>
+              <a:t> </a:t>
+            </a:r>
+            <a:r>
+              <a:rPr lang="en-US" sz="2600" dirty="0" err="1"/>
               <a:t>dari</a:t>
             </a:r>
             <a:r>
-              <a:rPr lang="en-US" sz="2600" dirty="0" smtClean="0"/>
-              <a:t> </a:t>
-            </a:r>
-            <a:r>
-              <a:rPr lang="en-US" sz="2600" dirty="0" err="1" smtClean="0"/>
+              <a:rPr lang="en-US" sz="2600" dirty="0"/>
+              <a:t> </a:t>
+            </a:r>
+            <a:r>
+              <a:rPr lang="en-US" sz="2600" dirty="0" err="1"/>
               <a:t>dosen</a:t>
             </a:r>
             <a:r>
-              <a:rPr lang="en-US" sz="2600" dirty="0" smtClean="0"/>
-              <a:t> </a:t>
-            </a:r>
-            <a:r>
-              <a:rPr lang="en-US" sz="2600" dirty="0" err="1" smtClean="0"/>
+              <a:rPr lang="en-US" sz="2600" dirty="0"/>
+              <a:t> </a:t>
+            </a:r>
+            <a:r>
+              <a:rPr lang="en-US" sz="2600" dirty="0" err="1"/>
               <a:t>serta</a:t>
             </a:r>
             <a:r>
-              <a:rPr lang="en-US" sz="2600" dirty="0" smtClean="0"/>
-              <a:t> </a:t>
-            </a:r>
-            <a:r>
-              <a:rPr lang="en-US" sz="2600" dirty="0" smtClean="0"/>
-              <a:t>profile </a:t>
-            </a:r>
-            <a:r>
-              <a:rPr lang="en-US" sz="2600" dirty="0" err="1" smtClean="0"/>
+              <a:rPr lang="en-US" sz="2600" dirty="0"/>
+              <a:t> profile </a:t>
+            </a:r>
+            <a:r>
+              <a:rPr lang="en-US" sz="2600" dirty="0" err="1"/>
               <a:t>dari</a:t>
             </a:r>
             <a:r>
-              <a:rPr lang="en-US" sz="2600" dirty="0" smtClean="0"/>
-              <a:t> </a:t>
-            </a:r>
-            <a:r>
-              <a:rPr lang="en-US" sz="2600" dirty="0" err="1" smtClean="0"/>
+              <a:rPr lang="en-US" sz="2600" dirty="0"/>
+              <a:t> </a:t>
+            </a:r>
+            <a:r>
+              <a:rPr lang="en-US" sz="2600" dirty="0" err="1"/>
               <a:t>pengguna</a:t>
             </a:r>
             <a:r>
-              <a:rPr lang="en-US" sz="2600" dirty="0" smtClean="0"/>
+              <a:rPr lang="en-US" sz="2600" dirty="0"/>
               <a:t>.</a:t>
             </a:r>
           </a:p>
           <a:p>
             <a:r>
-              <a:rPr lang="en-US" sz="2600" dirty="0" err="1" smtClean="0"/>
+              <a:rPr lang="en-US" sz="2600" dirty="0" err="1"/>
               <a:t>Lobi</a:t>
             </a:r>
             <a:r>
-              <a:rPr lang="en-US" sz="2600" dirty="0" smtClean="0"/>
+              <a:rPr lang="en-US" sz="2600" dirty="0"/>
               <a:t>, </a:t>
             </a:r>
             <a:r>
-              <a:rPr lang="en-US" sz="2600" dirty="0" err="1" smtClean="0"/>
+              <a:rPr lang="en-US" sz="2600" dirty="0" err="1"/>
               <a:t>halaman</a:t>
             </a:r>
             <a:r>
-              <a:rPr lang="en-US" sz="2600" dirty="0" smtClean="0"/>
-              <a:t> </a:t>
-            </a:r>
-            <a:r>
-              <a:rPr lang="en-US" sz="2600" dirty="0" err="1" smtClean="0"/>
+              <a:rPr lang="en-US" sz="2600" dirty="0"/>
+              <a:t> </a:t>
+            </a:r>
+            <a:r>
+              <a:rPr lang="en-US" sz="2600" dirty="0" err="1"/>
               <a:t>revisi</a:t>
             </a:r>
             <a:r>
-              <a:rPr lang="en-US" sz="2600" dirty="0" smtClean="0"/>
+              <a:rPr lang="en-US" sz="2600" dirty="0"/>
               <a:t>/</a:t>
             </a:r>
             <a:r>
-              <a:rPr lang="en-US" sz="2600" dirty="0" err="1" smtClean="0"/>
+              <a:rPr lang="en-US" sz="2600" dirty="0" err="1"/>
               <a:t>setujui</a:t>
             </a:r>
             <a:r>
-              <a:rPr lang="en-US" sz="2600" dirty="0" smtClean="0"/>
-              <a:t> </a:t>
-            </a:r>
-            <a:r>
-              <a:rPr lang="en-US" sz="2600" dirty="0" smtClean="0"/>
-              <a:t>logbook </a:t>
-            </a:r>
-            <a:r>
-              <a:rPr lang="en-US" sz="2600" dirty="0" err="1" smtClean="0"/>
+              <a:rPr lang="en-US" sz="2600" dirty="0"/>
+              <a:t> logbook </a:t>
+            </a:r>
+            <a:r>
+              <a:rPr lang="en-US" sz="2600" dirty="0" err="1"/>
               <a:t>bimbingan</a:t>
             </a:r>
             <a:r>
-              <a:rPr lang="en-US" sz="2600" dirty="0" smtClean="0"/>
-              <a:t> </a:t>
-            </a:r>
-            <a:r>
-              <a:rPr lang="en-US" sz="2600" dirty="0" err="1" smtClean="0"/>
+              <a:rPr lang="en-US" sz="2600" dirty="0"/>
+              <a:t> </a:t>
+            </a:r>
+            <a:r>
+              <a:rPr lang="en-US" sz="2600" dirty="0" err="1"/>
               <a:t>mahasiswa</a:t>
             </a:r>
             <a:r>
-              <a:rPr lang="en-US" sz="2600" dirty="0" smtClean="0"/>
+              <a:rPr lang="en-US" sz="2600" dirty="0"/>
               <a:t>.</a:t>
             </a:r>
-            <a:endParaRPr lang="en-US" sz="2600" dirty="0" smtClean="0"/>
-          </a:p>
-          <a:p>
-            <a:r>
-              <a:rPr lang="en-US" sz="2600" dirty="0" err="1" smtClean="0"/>
+          </a:p>
+          <a:p>
+            <a:r>
+              <a:rPr lang="en-US" sz="2600" dirty="0" err="1"/>
               <a:t>Penilaian</a:t>
             </a:r>
             <a:r>
-              <a:rPr lang="en-US" sz="2600" dirty="0" smtClean="0"/>
+              <a:rPr lang="en-US" sz="2600" dirty="0"/>
               <a:t>, </a:t>
             </a:r>
             <a:r>
-              <a:rPr lang="en-US" sz="2600" dirty="0" err="1" smtClean="0"/>
+              <a:rPr lang="en-US" sz="2600" dirty="0" err="1"/>
               <a:t>halaman</a:t>
             </a:r>
             <a:r>
-              <a:rPr lang="en-US" sz="2600" dirty="0" smtClean="0"/>
-              <a:t> </a:t>
-            </a:r>
-            <a:r>
-              <a:rPr lang="en-US" sz="2600" dirty="0" err="1" smtClean="0"/>
+              <a:rPr lang="en-US" sz="2600" dirty="0"/>
+              <a:t> </a:t>
+            </a:r>
+            <a:r>
+              <a:rPr lang="en-US" sz="2600" dirty="0" err="1"/>
               <a:t>untuk</a:t>
             </a:r>
             <a:r>
-              <a:rPr lang="en-US" sz="2600" dirty="0" smtClean="0"/>
-              <a:t> </a:t>
-            </a:r>
-            <a:r>
-              <a:rPr lang="en-US" sz="2600" dirty="0" err="1" smtClean="0"/>
+              <a:rPr lang="en-US" sz="2600" dirty="0"/>
+              <a:t> </a:t>
+            </a:r>
+            <a:r>
+              <a:rPr lang="en-US" sz="2600" dirty="0" err="1"/>
               <a:t>bisa</a:t>
             </a:r>
             <a:r>
-              <a:rPr lang="en-US" sz="2600" dirty="0" smtClean="0"/>
-              <a:t> </a:t>
-            </a:r>
-            <a:r>
-              <a:rPr lang="en-US" sz="2600" dirty="0" err="1" smtClean="0"/>
+              <a:rPr lang="en-US" sz="2600" dirty="0"/>
+              <a:t> </a:t>
+            </a:r>
+            <a:r>
+              <a:rPr lang="en-US" sz="2600" dirty="0" err="1"/>
               <a:t>menilai</a:t>
             </a:r>
             <a:r>
-              <a:rPr lang="en-US" sz="2600" dirty="0" smtClean="0"/>
-              <a:t> </a:t>
-            </a:r>
-            <a:r>
-              <a:rPr lang="en-US" sz="2600" dirty="0" err="1" smtClean="0"/>
+              <a:rPr lang="en-US" sz="2600" dirty="0"/>
+              <a:t> </a:t>
+            </a:r>
+            <a:r>
+              <a:rPr lang="en-US" sz="2600" dirty="0" err="1"/>
               <a:t>sebagai</a:t>
             </a:r>
             <a:r>
-              <a:rPr lang="en-US" sz="2600" dirty="0" smtClean="0"/>
-              <a:t> </a:t>
-            </a:r>
-            <a:r>
-              <a:rPr lang="en-US" sz="2600" dirty="0" err="1" smtClean="0"/>
+              <a:rPr lang="en-US" sz="2600" dirty="0"/>
+              <a:t> </a:t>
+            </a:r>
+            <a:r>
+              <a:rPr lang="en-US" sz="2600" dirty="0" err="1"/>
               <a:t>Pembimbing</a:t>
             </a:r>
             <a:r>
-              <a:rPr lang="en-US" sz="2600" dirty="0" smtClean="0"/>
+              <a:rPr lang="en-US" sz="2600" dirty="0"/>
               <a:t>/</a:t>
             </a:r>
             <a:r>
-              <a:rPr lang="en-US" sz="2600" dirty="0" err="1" smtClean="0"/>
+              <a:rPr lang="en-US" sz="2600" dirty="0" err="1"/>
               <a:t>penguji</a:t>
             </a:r>
             <a:r>
-              <a:rPr lang="en-US" sz="2600" dirty="0" smtClean="0"/>
-              <a:t> </a:t>
-            </a:r>
-            <a:r>
-              <a:rPr lang="en-US" sz="2600" dirty="0" err="1" smtClean="0"/>
+              <a:rPr lang="en-US" sz="2600" dirty="0"/>
+              <a:t> </a:t>
+            </a:r>
+            <a:r>
+              <a:rPr lang="en-US" sz="2600" dirty="0" err="1"/>
               <a:t>saat</a:t>
             </a:r>
             <a:r>
-              <a:rPr lang="en-US" sz="2600" dirty="0" smtClean="0"/>
-              <a:t> </a:t>
-            </a:r>
-            <a:r>
-              <a:rPr lang="en-US" sz="2600" dirty="0" err="1" smtClean="0"/>
+              <a:rPr lang="en-US" sz="2600" dirty="0"/>
+              <a:t> </a:t>
+            </a:r>
+            <a:r>
+              <a:rPr lang="en-US" sz="2600" dirty="0" err="1"/>
               <a:t>sidang</a:t>
             </a:r>
             <a:r>
-              <a:rPr lang="en-US" sz="2600" dirty="0" smtClean="0"/>
+              <a:rPr lang="en-US" sz="2600" dirty="0"/>
               <a:t>.</a:t>
             </a:r>
           </a:p>
           <a:p>
             <a:r>
-              <a:rPr lang="en-US" sz="2600" dirty="0" smtClean="0"/>
+              <a:rPr lang="en-US" sz="2600" dirty="0"/>
               <a:t>Repository, </a:t>
             </a:r>
             <a:r>
-              <a:rPr lang="en-US" sz="2600" dirty="0" err="1" smtClean="0"/>
+              <a:rPr lang="en-US" sz="2600" dirty="0" err="1"/>
               <a:t>halaman</a:t>
             </a:r>
             <a:r>
-              <a:rPr lang="en-US" sz="2600" dirty="0" smtClean="0"/>
-              <a:t> </a:t>
-            </a:r>
-            <a:r>
-              <a:rPr lang="en-US" sz="2600" dirty="0" err="1" smtClean="0"/>
+              <a:rPr lang="en-US" sz="2600" dirty="0"/>
+              <a:t> </a:t>
+            </a:r>
+            <a:r>
+              <a:rPr lang="en-US" sz="2600" dirty="0" err="1"/>
               <a:t>terkumpulnya</a:t>
             </a:r>
             <a:r>
-              <a:rPr lang="en-US" sz="2600" dirty="0" smtClean="0"/>
-              <a:t> </a:t>
-            </a:r>
-            <a:r>
-              <a:rPr lang="en-US" sz="2600" dirty="0" err="1" smtClean="0"/>
+              <a:rPr lang="en-US" sz="2600" dirty="0"/>
+              <a:t> </a:t>
+            </a:r>
+            <a:r>
+              <a:rPr lang="en-US" sz="2600" dirty="0" err="1"/>
               <a:t>seluruh</a:t>
             </a:r>
             <a:r>
-              <a:rPr lang="en-US" sz="2600" dirty="0" smtClean="0"/>
-              <a:t> </a:t>
-            </a:r>
-            <a:r>
-              <a:rPr lang="en-US" sz="2600" dirty="0" err="1" smtClean="0"/>
+              <a:rPr lang="en-US" sz="2600" dirty="0"/>
+              <a:t> </a:t>
+            </a:r>
+            <a:r>
+              <a:rPr lang="en-US" sz="2600" dirty="0" err="1"/>
               <a:t>tugas</a:t>
             </a:r>
             <a:r>
-              <a:rPr lang="en-US" sz="2600" dirty="0" smtClean="0"/>
-              <a:t> </a:t>
-            </a:r>
-            <a:r>
-              <a:rPr lang="en-US" sz="2600" dirty="0" err="1" smtClean="0"/>
+              <a:rPr lang="en-US" sz="2600" dirty="0"/>
+              <a:t> </a:t>
+            </a:r>
+            <a:r>
+              <a:rPr lang="en-US" sz="2600" dirty="0" err="1"/>
               <a:t>akhir</a:t>
             </a:r>
             <a:r>
-              <a:rPr lang="en-US" sz="2600" dirty="0" smtClean="0"/>
+              <a:rPr lang="en-US" sz="2600" dirty="0"/>
               <a:t> yang </a:t>
             </a:r>
             <a:r>
-              <a:rPr lang="en-US" sz="2600" dirty="0" err="1" smtClean="0"/>
+              <a:rPr lang="en-US" sz="2600" dirty="0" err="1"/>
               <a:t>sudah</a:t>
             </a:r>
             <a:r>
-              <a:rPr lang="en-US" sz="2600" dirty="0" smtClean="0"/>
-              <a:t> </a:t>
-            </a:r>
-            <a:r>
-              <a:rPr lang="en-US" sz="2600" dirty="0" err="1" smtClean="0"/>
+              <a:rPr lang="en-US" sz="2600" dirty="0"/>
+              <a:t> </a:t>
+            </a:r>
+            <a:r>
+              <a:rPr lang="en-US" sz="2600" dirty="0" err="1"/>
               <a:t>dilakuan</a:t>
             </a:r>
             <a:r>
-              <a:rPr lang="en-US" sz="2600" dirty="0" smtClean="0"/>
-              <a:t> </a:t>
-            </a:r>
-            <a:r>
-              <a:rPr lang="en-US" sz="2600" dirty="0" err="1" smtClean="0"/>
+              <a:rPr lang="en-US" sz="2600" dirty="0"/>
+              <a:t> </a:t>
+            </a:r>
+            <a:r>
+              <a:rPr lang="en-US" sz="2600" dirty="0" err="1"/>
               <a:t>oleh</a:t>
             </a:r>
             <a:r>
-              <a:rPr lang="en-US" sz="2600" dirty="0" smtClean="0"/>
-              <a:t> </a:t>
-            </a:r>
-            <a:r>
-              <a:rPr lang="en-US" sz="2600" dirty="0" err="1" smtClean="0"/>
+              <a:rPr lang="en-US" sz="2600" dirty="0"/>
+              <a:t> </a:t>
+            </a:r>
+            <a:r>
+              <a:rPr lang="en-US" sz="2600" dirty="0" err="1"/>
               <a:t>departemen</a:t>
             </a:r>
             <a:r>
-              <a:rPr lang="en-US" sz="2600" dirty="0" smtClean="0"/>
+              <a:rPr lang="en-US" sz="2600" dirty="0"/>
               <a:t> IT ITS.</a:t>
             </a:r>
-            <a:endParaRPr lang="en-US" sz="2600" dirty="0"/>
           </a:p>
         </p:txBody>
       </p:sp>
@@ -3795,13 +3758,6 @@
   <p:clrMapOvr>
     <a:masterClrMapping/>
   </p:clrMapOvr>
-  <p:timing>
-    <p:tnLst>
-      <p:par>
-        <p:cTn id="1" dur="indefinite" restart="never" nodeType="tmRoot"/>
-      </p:par>
-    </p:tnLst>
-  </p:timing>
 </p:sld>
 </file>
 
@@ -3872,15 +3828,15 @@
           <a:lstStyle/>
           <a:p>
             <a:r>
-              <a:rPr lang="en-US" dirty="0" err="1" smtClean="0"/>
+              <a:rPr lang="en-US" dirty="0" err="1"/>
               <a:t>Tampilan</a:t>
             </a:r>
             <a:r>
-              <a:rPr lang="en-US" dirty="0" smtClean="0"/>
+              <a:rPr lang="en-US" dirty="0"/>
               <a:t> Dashboard </a:t>
             </a:r>
             <a:r>
-              <a:rPr lang="en-US" dirty="0" err="1" smtClean="0"/>
+              <a:rPr lang="en-US" dirty="0" err="1"/>
               <a:t>Dosen</a:t>
             </a:r>
             <a:endParaRPr lang="en-US" dirty="0"/>
@@ -3936,67 +3892,67 @@
               <a:buChar char="•"/>
             </a:pPr>
             <a:r>
-              <a:rPr lang="en-US" sz="2400" dirty="0" err="1" smtClean="0"/>
+              <a:rPr lang="en-US" sz="2400" dirty="0" err="1"/>
               <a:t>Dosen</a:t>
             </a:r>
             <a:r>
-              <a:rPr lang="en-US" sz="2400" dirty="0" smtClean="0"/>
-              <a:t> </a:t>
-            </a:r>
-            <a:r>
-              <a:rPr lang="en-US" sz="2400" dirty="0" err="1" smtClean="0"/>
+              <a:rPr lang="en-US" sz="2400" dirty="0"/>
+              <a:t> </a:t>
+            </a:r>
+            <a:r>
+              <a:rPr lang="en-US" sz="2400" dirty="0" err="1"/>
               <a:t>dapat</a:t>
             </a:r>
             <a:r>
-              <a:rPr lang="en-US" sz="2400" dirty="0" smtClean="0"/>
+              <a:rPr lang="en-US" sz="2400" dirty="0"/>
               <a:t> input </a:t>
             </a:r>
             <a:r>
-              <a:rPr lang="en-US" sz="2400" dirty="0" err="1" smtClean="0"/>
+              <a:rPr lang="en-US" sz="2400" dirty="0" err="1"/>
               <a:t>tawaran</a:t>
             </a:r>
             <a:r>
-              <a:rPr lang="en-US" sz="2400" dirty="0" smtClean="0"/>
-              <a:t> </a:t>
-            </a:r>
-            <a:r>
-              <a:rPr lang="en-US" sz="2400" dirty="0" err="1" smtClean="0"/>
+              <a:rPr lang="en-US" sz="2400" dirty="0"/>
+              <a:t> </a:t>
+            </a:r>
+            <a:r>
+              <a:rPr lang="en-US" sz="2400" dirty="0" err="1"/>
               <a:t>judul</a:t>
             </a:r>
             <a:r>
-              <a:rPr lang="en-US" sz="2400" dirty="0" smtClean="0"/>
-              <a:t> </a:t>
-            </a:r>
-            <a:r>
-              <a:rPr lang="en-US" sz="2400" dirty="0" err="1" smtClean="0"/>
+              <a:rPr lang="en-US" sz="2400" dirty="0"/>
+              <a:t> </a:t>
+            </a:r>
+            <a:r>
+              <a:rPr lang="en-US" sz="2400" dirty="0" err="1"/>
               <a:t>dan</a:t>
             </a:r>
             <a:r>
-              <a:rPr lang="en-US" sz="2400" dirty="0" smtClean="0"/>
-              <a:t> </a:t>
-            </a:r>
-            <a:r>
-              <a:rPr lang="en-US" sz="2400" dirty="0" err="1" smtClean="0"/>
+              <a:rPr lang="en-US" sz="2400" dirty="0"/>
+              <a:t> </a:t>
+            </a:r>
+            <a:r>
+              <a:rPr lang="en-US" sz="2400" dirty="0" err="1"/>
               <a:t>melihat</a:t>
             </a:r>
             <a:r>
-              <a:rPr lang="en-US" sz="2400" dirty="0" smtClean="0"/>
+              <a:rPr lang="en-US" sz="2400" dirty="0"/>
               <a:t> list </a:t>
             </a:r>
             <a:r>
-              <a:rPr lang="en-US" sz="2400" dirty="0" err="1" smtClean="0"/>
+              <a:rPr lang="en-US" sz="2400" dirty="0" err="1"/>
               <a:t>tawaran</a:t>
             </a:r>
             <a:r>
-              <a:rPr lang="en-US" sz="2400" dirty="0" smtClean="0"/>
+              <a:rPr lang="en-US" sz="2400" dirty="0"/>
               <a:t> yang </a:t>
             </a:r>
             <a:r>
-              <a:rPr lang="en-US" sz="2400" dirty="0" err="1" smtClean="0"/>
+              <a:rPr lang="en-US" sz="2400" dirty="0" err="1"/>
               <a:t>ada</a:t>
             </a:r>
             <a:r>
-              <a:rPr lang="en-US" sz="2400" dirty="0" smtClean="0"/>
+              <a:rPr lang="en-US" sz="2400" dirty="0"/>
               <a:t>.</a:t>
             </a:r>
           </a:p>
@@ -4009,86 +3965,85 @@
               <a:buChar char="•"/>
             </a:pPr>
             <a:r>
-              <a:rPr lang="en-US" sz="2400" dirty="0" err="1" smtClean="0"/>
+              <a:rPr lang="en-US" sz="2400" dirty="0" err="1"/>
               <a:t>Dosen</a:t>
             </a:r>
             <a:r>
-              <a:rPr lang="en-US" sz="2400" dirty="0" smtClean="0"/>
-              <a:t> </a:t>
-            </a:r>
-            <a:r>
-              <a:rPr lang="en-US" sz="2400" dirty="0" err="1" smtClean="0"/>
+              <a:rPr lang="en-US" sz="2400" dirty="0"/>
+              <a:t> </a:t>
+            </a:r>
+            <a:r>
+              <a:rPr lang="en-US" sz="2400" dirty="0" err="1"/>
               <a:t>dapat</a:t>
             </a:r>
             <a:r>
-              <a:rPr lang="en-US" sz="2400" dirty="0" smtClean="0"/>
-              <a:t> </a:t>
-            </a:r>
-            <a:r>
-              <a:rPr lang="en-US" sz="2400" dirty="0" err="1" smtClean="0"/>
+              <a:rPr lang="en-US" sz="2400" dirty="0"/>
+              <a:t> </a:t>
+            </a:r>
+            <a:r>
+              <a:rPr lang="en-US" sz="2400" dirty="0" err="1"/>
               <a:t>melihat</a:t>
             </a:r>
             <a:r>
-              <a:rPr lang="en-US" sz="2400" dirty="0" smtClean="0"/>
+              <a:rPr lang="en-US" sz="2400" dirty="0"/>
               <a:t> profile </a:t>
             </a:r>
             <a:r>
-              <a:rPr lang="en-US" sz="2400" dirty="0" err="1" smtClean="0"/>
+              <a:rPr lang="en-US" sz="2400" dirty="0" err="1"/>
               <a:t>diri</a:t>
             </a:r>
             <a:r>
-              <a:rPr lang="en-US" sz="2400" dirty="0" smtClean="0"/>
-              <a:t> </a:t>
-            </a:r>
-            <a:r>
-              <a:rPr lang="en-US" sz="2400" dirty="0" err="1" smtClean="0"/>
+              <a:rPr lang="en-US" sz="2400" dirty="0"/>
+              <a:t> </a:t>
+            </a:r>
+            <a:r>
+              <a:rPr lang="en-US" sz="2400" dirty="0" err="1"/>
               <a:t>dan</a:t>
             </a:r>
             <a:r>
-              <a:rPr lang="en-US" sz="2400" dirty="0" smtClean="0"/>
-              <a:t> </a:t>
-            </a:r>
-            <a:r>
-              <a:rPr lang="en-US" sz="2400" dirty="0" err="1" smtClean="0"/>
+              <a:rPr lang="en-US" sz="2400" dirty="0"/>
+              <a:t> </a:t>
+            </a:r>
+            <a:r>
+              <a:rPr lang="en-US" sz="2400" dirty="0" err="1"/>
               <a:t>Nama</a:t>
             </a:r>
             <a:r>
-              <a:rPr lang="en-US" sz="2400" dirty="0" smtClean="0"/>
-              <a:t> </a:t>
-            </a:r>
-            <a:r>
-              <a:rPr lang="en-US" sz="2400" dirty="0" err="1" smtClean="0"/>
+              <a:rPr lang="en-US" sz="2400" dirty="0"/>
+              <a:t> </a:t>
+            </a:r>
+            <a:r>
+              <a:rPr lang="en-US" sz="2400" dirty="0" err="1"/>
               <a:t>Mahasiswa</a:t>
             </a:r>
             <a:r>
-              <a:rPr lang="en-US" sz="2400" dirty="0" smtClean="0"/>
-              <a:t> </a:t>
-            </a:r>
-            <a:r>
-              <a:rPr lang="en-US" sz="2400" dirty="0" err="1" smtClean="0"/>
+              <a:rPr lang="en-US" sz="2400" dirty="0"/>
+              <a:t> </a:t>
+            </a:r>
+            <a:r>
+              <a:rPr lang="en-US" sz="2400" dirty="0" err="1"/>
               <a:t>bimbingan</a:t>
             </a:r>
             <a:r>
-              <a:rPr lang="en-US" sz="2400" dirty="0" smtClean="0"/>
+              <a:rPr lang="en-US" sz="2400" dirty="0"/>
               <a:t> di </a:t>
             </a:r>
             <a:r>
-              <a:rPr lang="en-US" sz="2400" dirty="0" err="1" smtClean="0"/>
+              <a:rPr lang="en-US" sz="2400" dirty="0" err="1"/>
               <a:t>sebelah</a:t>
             </a:r>
             <a:r>
-              <a:rPr lang="en-US" sz="2400" dirty="0" smtClean="0"/>
-              <a:t> </a:t>
-            </a:r>
-            <a:r>
-              <a:rPr lang="en-US" sz="2400" dirty="0" err="1" smtClean="0"/>
+              <a:rPr lang="en-US" sz="2400" dirty="0"/>
+              <a:t> </a:t>
+            </a:r>
+            <a:r>
+              <a:rPr lang="en-US" sz="2400" dirty="0" err="1"/>
               <a:t>kanan</a:t>
             </a:r>
             <a:r>
-              <a:rPr lang="en-US" sz="2400" dirty="0" smtClean="0"/>
+              <a:rPr lang="en-US" sz="2400" dirty="0"/>
               <a:t>.</a:t>
             </a:r>
-            <a:endParaRPr lang="en-US" sz="2400" dirty="0"/>
           </a:p>
         </p:txBody>
       </p:sp>
@@ -4115,94 +4070,93 @@
           <a:lstStyle/>
           <a:p>
             <a:r>
-              <a:rPr lang="en-US" b="1" dirty="0" err="1" smtClean="0"/>
+              <a:rPr lang="en-US" b="1" dirty="0" err="1"/>
               <a:t>Bila</a:t>
             </a:r>
             <a:r>
-              <a:rPr lang="en-US" b="1" dirty="0" smtClean="0"/>
-              <a:t> </a:t>
-            </a:r>
-            <a:r>
-              <a:rPr lang="en-US" b="1" dirty="0" err="1" smtClean="0"/>
+              <a:rPr lang="en-US" b="1" dirty="0"/>
+              <a:t> </a:t>
+            </a:r>
+            <a:r>
+              <a:rPr lang="en-US" b="1" dirty="0" err="1"/>
               <a:t>sudah</a:t>
             </a:r>
             <a:r>
-              <a:rPr lang="en-US" b="1" dirty="0" smtClean="0"/>
+              <a:rPr lang="en-US" b="1" dirty="0"/>
               <a:t> di </a:t>
             </a:r>
             <a:r>
-              <a:rPr lang="en-US" b="1" dirty="0" err="1" smtClean="0"/>
+              <a:rPr lang="en-US" b="1" dirty="0" err="1"/>
               <a:t>acc</a:t>
             </a:r>
             <a:r>
-              <a:rPr lang="en-US" b="1" dirty="0" smtClean="0"/>
-              <a:t> </a:t>
-            </a:r>
-            <a:r>
-              <a:rPr lang="en-US" b="1" dirty="0" err="1" smtClean="0"/>
+              <a:rPr lang="en-US" b="1" dirty="0"/>
+              <a:t> </a:t>
+            </a:r>
+            <a:r>
+              <a:rPr lang="en-US" b="1" dirty="0" err="1"/>
               <a:t>pengajuan</a:t>
             </a:r>
             <a:r>
-              <a:rPr lang="en-US" b="1" dirty="0" smtClean="0"/>
-              <a:t> </a:t>
-            </a:r>
-            <a:r>
-              <a:rPr lang="en-US" b="1" dirty="0" err="1" smtClean="0"/>
+              <a:rPr lang="en-US" b="1" dirty="0"/>
+              <a:t> </a:t>
+            </a:r>
+            <a:r>
+              <a:rPr lang="en-US" b="1" dirty="0" err="1"/>
               <a:t>proposalnya</a:t>
             </a:r>
             <a:r>
-              <a:rPr lang="en-US" b="1" dirty="0" smtClean="0"/>
-              <a:t> </a:t>
-            </a:r>
-            <a:r>
-              <a:rPr lang="en-US" b="1" dirty="0" err="1" smtClean="0"/>
+              <a:rPr lang="en-US" b="1" dirty="0"/>
+              <a:t> </a:t>
+            </a:r>
+            <a:r>
+              <a:rPr lang="en-US" b="1" dirty="0" err="1"/>
               <a:t>oleh</a:t>
             </a:r>
             <a:r>
-              <a:rPr lang="en-US" b="1" dirty="0" smtClean="0"/>
+              <a:rPr lang="en-US" b="1" dirty="0"/>
               <a:t> admin, </a:t>
             </a:r>
             <a:r>
-              <a:rPr lang="en-US" b="1" dirty="0" err="1" smtClean="0"/>
+              <a:rPr lang="en-US" b="1" dirty="0" err="1"/>
               <a:t>maka</a:t>
             </a:r>
             <a:r>
-              <a:rPr lang="en-US" b="1" dirty="0" smtClean="0"/>
-              <a:t> </a:t>
-            </a:r>
-            <a:r>
-              <a:rPr lang="en-US" b="1" dirty="0" err="1" smtClean="0"/>
+              <a:rPr lang="en-US" b="1" dirty="0"/>
+              <a:t> </a:t>
+            </a:r>
+            <a:r>
+              <a:rPr lang="en-US" b="1" dirty="0" err="1"/>
               <a:t>akan</a:t>
             </a:r>
             <a:r>
-              <a:rPr lang="en-US" b="1" dirty="0" smtClean="0"/>
-              <a:t> </a:t>
-            </a:r>
-            <a:r>
-              <a:rPr lang="en-US" b="1" dirty="0" err="1" smtClean="0"/>
+              <a:rPr lang="en-US" b="1" dirty="0"/>
+              <a:t> </a:t>
+            </a:r>
+            <a:r>
+              <a:rPr lang="en-US" b="1" dirty="0" err="1"/>
               <a:t>terlihat</a:t>
             </a:r>
             <a:r>
-              <a:rPr lang="en-US" b="1" dirty="0" smtClean="0"/>
-              <a:t> </a:t>
-            </a:r>
-            <a:r>
-              <a:rPr lang="en-US" b="1" dirty="0" err="1" smtClean="0"/>
+              <a:rPr lang="en-US" b="1" dirty="0"/>
+              <a:t> </a:t>
+            </a:r>
+            <a:r>
+              <a:rPr lang="en-US" b="1" dirty="0" err="1"/>
               <a:t>mahasiswa</a:t>
             </a:r>
             <a:r>
-              <a:rPr lang="en-US" b="1" dirty="0" smtClean="0"/>
-              <a:t> </a:t>
-            </a:r>
-            <a:r>
-              <a:rPr lang="en-US" b="1" dirty="0" err="1" smtClean="0"/>
+              <a:rPr lang="en-US" b="1" dirty="0"/>
+              <a:t> </a:t>
+            </a:r>
+            <a:r>
+              <a:rPr lang="en-US" b="1" dirty="0" err="1"/>
               <a:t>bimbingannya</a:t>
             </a:r>
             <a:r>
-              <a:rPr lang="en-US" b="1" dirty="0" smtClean="0"/>
+              <a:rPr lang="en-US" b="1" dirty="0"/>
               <a:t>.</a:t>
             </a:r>
-            <a:endParaRPr lang="en-US" b="1" dirty="0"/>
           </a:p>
         </p:txBody>
       </p:sp>
@@ -4216,13 +4170,6 @@
   <p:clrMapOvr>
     <a:masterClrMapping/>
   </p:clrMapOvr>
-  <p:timing>
-    <p:tnLst>
-      <p:par>
-        <p:cTn id="1" dur="indefinite" restart="never" nodeType="tmRoot"/>
-      </p:par>
-    </p:tnLst>
-  </p:timing>
 </p:sld>
 </file>
 
@@ -4395,58 +4342,58 @@
               <a:buChar char="•"/>
             </a:pPr>
             <a:r>
-              <a:rPr lang="en-US" sz="2400" dirty="0" err="1" smtClean="0"/>
+              <a:rPr lang="en-US" sz="2400" dirty="0" err="1"/>
               <a:t>Dosen</a:t>
             </a:r>
             <a:r>
-              <a:rPr lang="en-US" sz="2400" dirty="0" smtClean="0"/>
-              <a:t> </a:t>
-            </a:r>
-            <a:r>
-              <a:rPr lang="en-US" sz="2400" dirty="0" err="1" smtClean="0"/>
+              <a:rPr lang="en-US" sz="2400" dirty="0"/>
+              <a:t> </a:t>
+            </a:r>
+            <a:r>
+              <a:rPr lang="en-US" sz="2400" dirty="0" err="1"/>
               <a:t>dapat</a:t>
             </a:r>
             <a:r>
-              <a:rPr lang="en-US" sz="2400" dirty="0" smtClean="0"/>
-              <a:t> </a:t>
-            </a:r>
-            <a:r>
-              <a:rPr lang="en-US" sz="2400" dirty="0" err="1" smtClean="0"/>
+              <a:rPr lang="en-US" sz="2400" dirty="0"/>
+              <a:t> </a:t>
+            </a:r>
+            <a:r>
+              <a:rPr lang="en-US" sz="2400" dirty="0" err="1"/>
               <a:t>melihat</a:t>
             </a:r>
             <a:r>
-              <a:rPr lang="en-US" sz="2400" dirty="0" smtClean="0"/>
+              <a:rPr lang="en-US" sz="2400" dirty="0"/>
               <a:t>, </a:t>
             </a:r>
             <a:r>
-              <a:rPr lang="en-US" sz="2400" dirty="0" err="1" smtClean="0"/>
+              <a:rPr lang="en-US" sz="2400" dirty="0" err="1"/>
               <a:t>merevisi</a:t>
             </a:r>
             <a:r>
-              <a:rPr lang="en-US" sz="2400" dirty="0" smtClean="0"/>
+              <a:rPr lang="en-US" sz="2400" dirty="0"/>
               <a:t>, </a:t>
             </a:r>
             <a:r>
-              <a:rPr lang="en-US" sz="2400" dirty="0" err="1" smtClean="0"/>
+              <a:rPr lang="en-US" sz="2400" dirty="0" err="1"/>
               <a:t>dan</a:t>
             </a:r>
             <a:r>
-              <a:rPr lang="en-US" sz="2400" dirty="0" smtClean="0"/>
-              <a:t> </a:t>
-            </a:r>
-            <a:r>
-              <a:rPr lang="en-US" sz="2400" dirty="0" err="1" smtClean="0"/>
+              <a:rPr lang="en-US" sz="2400" dirty="0"/>
+              <a:t> </a:t>
+            </a:r>
+            <a:r>
+              <a:rPr lang="en-US" sz="2400" dirty="0" err="1"/>
               <a:t>menyetujui</a:t>
             </a:r>
             <a:r>
-              <a:rPr lang="en-US" sz="2400" dirty="0" smtClean="0"/>
+              <a:rPr lang="en-US" sz="2400" dirty="0"/>
               <a:t> Log book </a:t>
             </a:r>
             <a:r>
-              <a:rPr lang="en-US" sz="2400" dirty="0" err="1" smtClean="0"/>
+              <a:rPr lang="en-US" sz="2400" dirty="0" err="1"/>
               <a:t>mahasiswa</a:t>
             </a:r>
-            <a:endParaRPr lang="en-US" sz="2400" dirty="0" smtClean="0"/>
+            <a:endParaRPr lang="en-US" sz="2400" dirty="0"/>
           </a:p>
         </p:txBody>
       </p:sp>
@@ -4491,36 +4438,36 @@
             </a:lvl1pPr>
           </a:lstStyle>
           <a:p>
-            <a:pPr>
+            <a:pPr algn="ctr">
               <a:lnSpc>
                 <a:spcPct val="150000"/>
               </a:lnSpc>
             </a:pPr>
             <a:r>
-              <a:rPr lang="en-US" sz="4000" dirty="0" err="1" smtClean="0"/>
+              <a:rPr lang="en-US" sz="4000" dirty="0" err="1"/>
               <a:t>Tampilan</a:t>
             </a:r>
             <a:r>
-              <a:rPr lang="en-US" sz="4000" dirty="0" smtClean="0"/>
-              <a:t> </a:t>
-            </a:r>
-            <a:r>
-              <a:rPr lang="en-US" sz="4000" dirty="0" err="1" smtClean="0"/>
+              <a:rPr lang="en-US" sz="4000" dirty="0"/>
+              <a:t> </a:t>
+            </a:r>
+            <a:r>
+              <a:rPr lang="en-US" sz="4000" dirty="0" err="1"/>
               <a:t>Lobi</a:t>
             </a:r>
             <a:r>
-              <a:rPr lang="en-US" sz="4000" dirty="0" smtClean="0"/>
-              <a:t> </a:t>
-            </a:r>
-          </a:p>
-          <a:p>
-            <a:pPr>
+              <a:rPr lang="en-US" sz="4000" dirty="0"/>
+              <a:t> </a:t>
+            </a:r>
+          </a:p>
+          <a:p>
+            <a:pPr algn="ctr">
               <a:lnSpc>
                 <a:spcPct val="150000"/>
               </a:lnSpc>
             </a:pPr>
             <a:r>
-              <a:rPr lang="en-US" sz="4000" dirty="0" err="1" smtClean="0"/>
+              <a:rPr lang="en-US" sz="4000" dirty="0" err="1"/>
               <a:t>Dosen</a:t>
             </a:r>
             <a:endParaRPr lang="en-US" sz="4000" dirty="0"/>
@@ -4550,63 +4497,63 @@
           <a:lstStyle/>
           <a:p>
             <a:r>
-              <a:rPr lang="en-US" b="1" dirty="0" err="1" smtClean="0"/>
+              <a:rPr lang="en-US" b="1" dirty="0" err="1"/>
               <a:t>Bila</a:t>
             </a:r>
             <a:r>
-              <a:rPr lang="en-US" b="1" dirty="0" smtClean="0"/>
-              <a:t> </a:t>
-            </a:r>
-            <a:r>
-              <a:rPr lang="en-US" b="1" dirty="0" err="1" smtClean="0"/>
+              <a:rPr lang="en-US" b="1" dirty="0"/>
+              <a:t> </a:t>
+            </a:r>
+            <a:r>
+              <a:rPr lang="en-US" b="1" dirty="0" err="1"/>
               <a:t>Belum</a:t>
             </a:r>
             <a:r>
-              <a:rPr lang="en-US" b="1" dirty="0" smtClean="0"/>
-              <a:t> </a:t>
-            </a:r>
-            <a:r>
-              <a:rPr lang="en-US" b="1" dirty="0" err="1" smtClean="0"/>
+              <a:rPr lang="en-US" b="1" dirty="0"/>
+              <a:t> </a:t>
+            </a:r>
+            <a:r>
+              <a:rPr lang="en-US" b="1" dirty="0" err="1"/>
               <a:t>ada</a:t>
             </a:r>
             <a:r>
-              <a:rPr lang="en-US" b="1" dirty="0" smtClean="0"/>
-              <a:t> </a:t>
-            </a:r>
-            <a:r>
-              <a:rPr lang="en-US" b="1" dirty="0" err="1" smtClean="0"/>
+              <a:rPr lang="en-US" b="1" dirty="0"/>
+              <a:t> </a:t>
+            </a:r>
+            <a:r>
+              <a:rPr lang="en-US" b="1" dirty="0" err="1"/>
               <a:t>mahasiswa</a:t>
             </a:r>
             <a:r>
-              <a:rPr lang="en-US" b="1" dirty="0" smtClean="0"/>
+              <a:rPr lang="en-US" b="1" dirty="0"/>
               <a:t> yang </a:t>
             </a:r>
             <a:r>
-              <a:rPr lang="en-US" b="1" dirty="0" err="1" smtClean="0"/>
+              <a:rPr lang="en-US" b="1" dirty="0" err="1"/>
               <a:t>mengisi</a:t>
             </a:r>
             <a:r>
-              <a:rPr lang="en-US" b="1" dirty="0" smtClean="0"/>
+              <a:rPr lang="en-US" b="1" dirty="0"/>
               <a:t>, </a:t>
             </a:r>
             <a:r>
-              <a:rPr lang="en-US" b="1" dirty="0" err="1" smtClean="0"/>
+              <a:rPr lang="en-US" b="1" dirty="0" err="1"/>
               <a:t>maka</a:t>
             </a:r>
             <a:r>
-              <a:rPr lang="en-US" b="1" dirty="0" smtClean="0"/>
-              <a:t> </a:t>
-            </a:r>
-            <a:r>
-              <a:rPr lang="en-US" b="1" dirty="0" err="1" smtClean="0"/>
+              <a:rPr lang="en-US" b="1" dirty="0"/>
+              <a:t> </a:t>
+            </a:r>
+            <a:r>
+              <a:rPr lang="en-US" b="1" dirty="0" err="1"/>
               <a:t>akan</a:t>
             </a:r>
             <a:r>
-              <a:rPr lang="en-US" b="1" dirty="0" smtClean="0"/>
-              <a:t> </a:t>
-            </a:r>
-            <a:r>
-              <a:rPr lang="en-US" b="1" dirty="0" err="1" smtClean="0"/>
+              <a:rPr lang="en-US" b="1" dirty="0"/>
+              <a:t> </a:t>
+            </a:r>
+            <a:r>
+              <a:rPr lang="en-US" b="1" dirty="0" err="1"/>
               <a:t>kosong</a:t>
             </a:r>
             <a:endParaRPr lang="en-US" b="1" dirty="0"/>
@@ -4636,55 +4583,55 @@
           <a:lstStyle/>
           <a:p>
             <a:r>
-              <a:rPr lang="en-US" b="1" dirty="0" err="1" smtClean="0"/>
+              <a:rPr lang="en-US" b="1" dirty="0" err="1"/>
               <a:t>Bila</a:t>
             </a:r>
             <a:r>
-              <a:rPr lang="en-US" b="1" dirty="0" smtClean="0"/>
-              <a:t> </a:t>
-            </a:r>
-            <a:r>
-              <a:rPr lang="en-US" b="1" dirty="0" err="1" smtClean="0"/>
+              <a:rPr lang="en-US" b="1" dirty="0"/>
+              <a:t> </a:t>
+            </a:r>
+            <a:r>
+              <a:rPr lang="en-US" b="1" dirty="0" err="1"/>
               <a:t>ada</a:t>
             </a:r>
             <a:r>
-              <a:rPr lang="en-US" b="1" dirty="0" smtClean="0"/>
-              <a:t> </a:t>
-            </a:r>
-            <a:r>
-              <a:rPr lang="en-US" b="1" dirty="0" err="1" smtClean="0"/>
+              <a:rPr lang="en-US" b="1" dirty="0"/>
+              <a:t> </a:t>
+            </a:r>
+            <a:r>
+              <a:rPr lang="en-US" b="1" dirty="0" err="1"/>
               <a:t>mahasiswa</a:t>
             </a:r>
             <a:r>
-              <a:rPr lang="en-US" b="1" dirty="0" smtClean="0"/>
+              <a:rPr lang="en-US" b="1" dirty="0"/>
               <a:t> yang </a:t>
             </a:r>
             <a:r>
-              <a:rPr lang="en-US" b="1" dirty="0" err="1" smtClean="0"/>
+              <a:rPr lang="en-US" b="1" dirty="0" err="1"/>
               <a:t>mengisi</a:t>
             </a:r>
             <a:r>
-              <a:rPr lang="en-US" b="1" dirty="0" smtClean="0"/>
+              <a:rPr lang="en-US" b="1" dirty="0"/>
               <a:t>, </a:t>
             </a:r>
             <a:r>
-              <a:rPr lang="en-US" b="1" dirty="0" err="1" smtClean="0"/>
+              <a:rPr lang="en-US" b="1" dirty="0" err="1"/>
               <a:t>maka</a:t>
             </a:r>
             <a:r>
-              <a:rPr lang="en-US" b="1" dirty="0" smtClean="0"/>
-              <a:t> </a:t>
-            </a:r>
-            <a:r>
-              <a:rPr lang="en-US" b="1" dirty="0" err="1" smtClean="0"/>
+              <a:rPr lang="en-US" b="1" dirty="0"/>
+              <a:t> </a:t>
+            </a:r>
+            <a:r>
+              <a:rPr lang="en-US" b="1" dirty="0" err="1"/>
               <a:t>akan</a:t>
             </a:r>
             <a:r>
-              <a:rPr lang="en-US" b="1" dirty="0" smtClean="0"/>
-              <a:t> </a:t>
-            </a:r>
-            <a:r>
-              <a:rPr lang="en-US" b="1" dirty="0" err="1" smtClean="0"/>
+              <a:rPr lang="en-US" b="1" dirty="0"/>
+              <a:t> </a:t>
+            </a:r>
+            <a:r>
+              <a:rPr lang="en-US" b="1" dirty="0" err="1"/>
               <a:t>terisi</a:t>
             </a:r>
             <a:endParaRPr lang="en-US" b="1" dirty="0"/>
@@ -4701,13 +4648,6 @@
   <p:clrMapOvr>
     <a:masterClrMapping/>
   </p:clrMapOvr>
-  <p:timing>
-    <p:tnLst>
-      <p:par>
-        <p:cTn id="1" dur="indefinite" restart="never" nodeType="tmRoot"/>
-      </p:par>
-    </p:tnLst>
-  </p:timing>
 </p:sld>
 </file>
 
@@ -4806,55 +4746,55 @@
               <a:buChar char="•"/>
             </a:pPr>
             <a:r>
-              <a:rPr lang="en-US" sz="2400" dirty="0" err="1" smtClean="0"/>
+              <a:rPr lang="en-US" sz="2400" dirty="0" err="1"/>
               <a:t>Dosen</a:t>
             </a:r>
             <a:r>
-              <a:rPr lang="en-US" sz="2400" dirty="0" smtClean="0"/>
-              <a:t> </a:t>
-            </a:r>
-            <a:r>
-              <a:rPr lang="en-US" sz="2400" dirty="0" err="1" smtClean="0"/>
+              <a:rPr lang="en-US" sz="2400" dirty="0"/>
+              <a:t> </a:t>
+            </a:r>
+            <a:r>
+              <a:rPr lang="en-US" sz="2400" dirty="0" err="1"/>
               <a:t>masukan</a:t>
             </a:r>
             <a:r>
-              <a:rPr lang="en-US" sz="2400" dirty="0" smtClean="0"/>
-              <a:t> </a:t>
-            </a:r>
-            <a:r>
-              <a:rPr lang="en-US" sz="2400" dirty="0" err="1" smtClean="0"/>
+              <a:rPr lang="en-US" sz="2400" dirty="0"/>
+              <a:t> </a:t>
+            </a:r>
+            <a:r>
+              <a:rPr lang="en-US" sz="2400" dirty="0" err="1"/>
               <a:t>nilai</a:t>
             </a:r>
             <a:r>
-              <a:rPr lang="en-US" sz="2400" dirty="0" smtClean="0"/>
-              <a:t> </a:t>
-            </a:r>
-            <a:r>
-              <a:rPr lang="en-US" sz="2400" dirty="0" err="1" smtClean="0"/>
+              <a:rPr lang="en-US" sz="2400" dirty="0"/>
+              <a:t> </a:t>
+            </a:r>
+            <a:r>
+              <a:rPr lang="en-US" sz="2400" dirty="0" err="1"/>
               <a:t>sidang</a:t>
             </a:r>
             <a:r>
-              <a:rPr lang="en-US" sz="2400" dirty="0" smtClean="0"/>
-              <a:t> </a:t>
-            </a:r>
-            <a:r>
-              <a:rPr lang="en-US" sz="2400" dirty="0" err="1" smtClean="0"/>
+              <a:rPr lang="en-US" sz="2400" dirty="0"/>
+              <a:t> </a:t>
+            </a:r>
+            <a:r>
+              <a:rPr lang="en-US" sz="2400" dirty="0" err="1"/>
               <a:t>mahasiswa</a:t>
             </a:r>
             <a:r>
-              <a:rPr lang="en-US" sz="2400" dirty="0" smtClean="0"/>
-              <a:t> </a:t>
-            </a:r>
-            <a:r>
-              <a:rPr lang="en-US" sz="2400" dirty="0" err="1" smtClean="0"/>
+              <a:rPr lang="en-US" sz="2400" dirty="0"/>
+              <a:t> </a:t>
+            </a:r>
+            <a:r>
+              <a:rPr lang="en-US" sz="2400" dirty="0" err="1"/>
               <a:t>dalam</a:t>
             </a:r>
             <a:r>
-              <a:rPr lang="en-US" sz="2400" dirty="0" smtClean="0"/>
+              <a:rPr lang="en-US" sz="2400" dirty="0"/>
               <a:t> form </a:t>
             </a:r>
             <a:r>
-              <a:rPr lang="en-US" sz="2400" dirty="0" err="1" smtClean="0"/>
+              <a:rPr lang="en-US" sz="2400" dirty="0" err="1"/>
               <a:t>penilaian</a:t>
             </a:r>
             <a:endParaRPr lang="en-US" sz="2400" dirty="0"/>
@@ -4868,67 +4808,67 @@
               <a:buChar char="•"/>
             </a:pPr>
             <a:r>
-              <a:rPr lang="en-US" sz="2400" dirty="0" err="1" smtClean="0"/>
+              <a:rPr lang="en-US" sz="2400" dirty="0" err="1"/>
               <a:t>Dosen</a:t>
             </a:r>
             <a:r>
-              <a:rPr lang="en-US" sz="2400" dirty="0" smtClean="0"/>
-              <a:t> </a:t>
-            </a:r>
-            <a:r>
-              <a:rPr lang="en-US" sz="2400" dirty="0" err="1" smtClean="0"/>
+              <a:rPr lang="en-US" sz="2400" dirty="0"/>
+              <a:t> </a:t>
+            </a:r>
+            <a:r>
+              <a:rPr lang="en-US" sz="2400" dirty="0" err="1"/>
               <a:t>dapat</a:t>
             </a:r>
             <a:r>
-              <a:rPr lang="en-US" sz="2400" dirty="0" smtClean="0"/>
-              <a:t> </a:t>
-            </a:r>
-            <a:r>
-              <a:rPr lang="en-US" sz="2400" dirty="0" err="1" smtClean="0"/>
+              <a:rPr lang="en-US" sz="2400" dirty="0"/>
+              <a:t> </a:t>
+            </a:r>
+            <a:r>
+              <a:rPr lang="en-US" sz="2400" dirty="0" err="1"/>
               <a:t>melihat</a:t>
             </a:r>
             <a:r>
-              <a:rPr lang="en-US" sz="2400" dirty="0" smtClean="0"/>
-              <a:t> </a:t>
-            </a:r>
-            <a:r>
-              <a:rPr lang="en-US" sz="2400" dirty="0" err="1" smtClean="0"/>
+              <a:rPr lang="en-US" sz="2400" dirty="0"/>
+              <a:t> </a:t>
+            </a:r>
+            <a:r>
+              <a:rPr lang="en-US" sz="2400" dirty="0" err="1"/>
               <a:t>riwayat</a:t>
             </a:r>
             <a:r>
-              <a:rPr lang="en-US" sz="2400" dirty="0" smtClean="0"/>
-              <a:t> </a:t>
-            </a:r>
-            <a:r>
-              <a:rPr lang="en-US" sz="2400" dirty="0" err="1" smtClean="0"/>
+              <a:rPr lang="en-US" sz="2400" dirty="0"/>
+              <a:t> </a:t>
+            </a:r>
+            <a:r>
+              <a:rPr lang="en-US" sz="2400" dirty="0" err="1"/>
               <a:t>penilaian</a:t>
             </a:r>
             <a:r>
-              <a:rPr lang="en-US" sz="2400" dirty="0" smtClean="0"/>
+              <a:rPr lang="en-US" sz="2400" dirty="0"/>
               <a:t> (</a:t>
             </a:r>
             <a:r>
-              <a:rPr lang="en-US" sz="2400" dirty="0" err="1" smtClean="0"/>
+              <a:rPr lang="en-US" sz="2400" dirty="0" err="1"/>
               <a:t>tidak</a:t>
             </a:r>
             <a:r>
-              <a:rPr lang="en-US" sz="2400" dirty="0" smtClean="0"/>
-              <a:t> </a:t>
-            </a:r>
-            <a:r>
-              <a:rPr lang="en-US" sz="2400" dirty="0" err="1" smtClean="0"/>
+              <a:rPr lang="en-US" sz="2400" dirty="0"/>
+              <a:t> </a:t>
+            </a:r>
+            <a:r>
+              <a:rPr lang="en-US" sz="2400" dirty="0" err="1"/>
               <a:t>dapat</a:t>
             </a:r>
             <a:r>
-              <a:rPr lang="en-US" sz="2400" dirty="0" smtClean="0"/>
-              <a:t> </a:t>
-            </a:r>
-            <a:r>
-              <a:rPr lang="en-US" sz="2400" dirty="0" err="1" smtClean="0"/>
+              <a:rPr lang="en-US" sz="2400" dirty="0"/>
+              <a:t> </a:t>
+            </a:r>
+            <a:r>
+              <a:rPr lang="en-US" sz="2400" dirty="0" err="1"/>
               <a:t>diubah</a:t>
             </a:r>
             <a:r>
-              <a:rPr lang="en-US" sz="2400" dirty="0" smtClean="0"/>
+              <a:rPr lang="en-US" sz="2400" dirty="0"/>
               <a:t>)</a:t>
             </a:r>
           </a:p>
@@ -4975,33 +4915,33 @@
             </a:lvl1pPr>
           </a:lstStyle>
           <a:p>
-            <a:pPr>
+            <a:pPr algn="ctr">
               <a:lnSpc>
                 <a:spcPct val="150000"/>
               </a:lnSpc>
             </a:pPr>
             <a:r>
-              <a:rPr lang="en-US" sz="4000" dirty="0" err="1" smtClean="0"/>
+              <a:rPr lang="en-US" sz="4000" dirty="0" err="1"/>
               <a:t>Tampilan</a:t>
             </a:r>
             <a:r>
-              <a:rPr lang="en-US" sz="4000" dirty="0" smtClean="0"/>
-              <a:t> </a:t>
-            </a:r>
-            <a:r>
-              <a:rPr lang="en-US" sz="4000" dirty="0" err="1" smtClean="0"/>
+              <a:rPr lang="en-US" sz="4000" dirty="0"/>
+              <a:t> </a:t>
+            </a:r>
+            <a:r>
+              <a:rPr lang="en-US" sz="4000" dirty="0" err="1"/>
               <a:t>Penilaian</a:t>
             </a:r>
-            <a:endParaRPr lang="en-US" sz="4000" dirty="0" smtClean="0"/>
-          </a:p>
-          <a:p>
-            <a:pPr>
+            <a:endParaRPr lang="en-US" sz="4000" dirty="0"/>
+          </a:p>
+          <a:p>
+            <a:pPr algn="ctr">
               <a:lnSpc>
                 <a:spcPct val="150000"/>
               </a:lnSpc>
             </a:pPr>
             <a:r>
-              <a:rPr lang="en-US" sz="4000" dirty="0" err="1" smtClean="0"/>
+              <a:rPr lang="en-US" sz="4000" dirty="0" err="1"/>
               <a:t>Dosen</a:t>
             </a:r>
             <a:endParaRPr lang="en-US" sz="4000" dirty="0"/>
@@ -5047,13 +4987,6 @@
   <p:clrMapOvr>
     <a:masterClrMapping/>
   </p:clrMapOvr>
-  <p:timing>
-    <p:tnLst>
-      <p:par>
-        <p:cTn id="1" dur="indefinite" restart="never" nodeType="tmRoot"/>
-      </p:par>
-    </p:tnLst>
-  </p:timing>
 </p:sld>
 </file>
 
@@ -5124,18 +5057,13 @@
           <a:lstStyle/>
           <a:p>
             <a:r>
-              <a:rPr lang="en-US" dirty="0" err="1" smtClean="0"/>
+              <a:rPr lang="en-US" dirty="0" err="1"/>
               <a:t>Tampilan</a:t>
             </a:r>
             <a:r>
-              <a:rPr lang="en-US" dirty="0" smtClean="0"/>
-              <a:t> </a:t>
-            </a:r>
-            <a:r>
-              <a:rPr lang="en-US" dirty="0" smtClean="0"/>
-              <a:t>Repository</a:t>
-            </a:r>
-            <a:endParaRPr lang="en-US" dirty="0"/>
+              <a:rPr lang="en-US" dirty="0"/>
+              <a:t> Repository</a:t>
+            </a:r>
           </a:p>
         </p:txBody>
       </p:sp>
@@ -5188,70 +5116,69 @@
               <a:buChar char="•"/>
             </a:pPr>
             <a:r>
-              <a:rPr lang="en-US" sz="2400" dirty="0" err="1" smtClean="0"/>
+              <a:rPr lang="en-US" sz="2400" dirty="0" err="1"/>
               <a:t>Dosen</a:t>
             </a:r>
             <a:r>
-              <a:rPr lang="en-US" sz="2400" dirty="0" smtClean="0"/>
-              <a:t> </a:t>
-            </a:r>
-            <a:r>
-              <a:rPr lang="en-US" sz="2400" dirty="0" err="1" smtClean="0"/>
+              <a:rPr lang="en-US" sz="2400" dirty="0"/>
+              <a:t> </a:t>
+            </a:r>
+            <a:r>
+              <a:rPr lang="en-US" sz="2400" dirty="0" err="1"/>
               <a:t>dapat</a:t>
             </a:r>
             <a:r>
-              <a:rPr lang="en-US" sz="2400" dirty="0" smtClean="0"/>
-              <a:t> </a:t>
-            </a:r>
-            <a:r>
-              <a:rPr lang="en-US" sz="2400" dirty="0" err="1" smtClean="0"/>
+              <a:rPr lang="en-US" sz="2400" dirty="0"/>
+              <a:t> </a:t>
+            </a:r>
+            <a:r>
+              <a:rPr lang="en-US" sz="2400" dirty="0" err="1"/>
               <a:t>melihat</a:t>
             </a:r>
             <a:r>
-              <a:rPr lang="en-US" sz="2400" dirty="0" smtClean="0"/>
-              <a:t> </a:t>
-            </a:r>
-            <a:r>
-              <a:rPr lang="en-US" sz="2400" dirty="0" err="1" smtClean="0"/>
+              <a:rPr lang="en-US" sz="2400" dirty="0"/>
+              <a:t> </a:t>
+            </a:r>
+            <a:r>
+              <a:rPr lang="en-US" sz="2400" dirty="0" err="1"/>
               <a:t>Tugas</a:t>
             </a:r>
             <a:r>
-              <a:rPr lang="en-US" sz="2400" dirty="0" smtClean="0"/>
-              <a:t> </a:t>
-            </a:r>
-            <a:r>
-              <a:rPr lang="en-US" sz="2400" dirty="0" err="1" smtClean="0"/>
+              <a:rPr lang="en-US" sz="2400" dirty="0"/>
+              <a:t> </a:t>
+            </a:r>
+            <a:r>
+              <a:rPr lang="en-US" sz="2400" dirty="0" err="1"/>
               <a:t>Akhir</a:t>
             </a:r>
             <a:r>
-              <a:rPr lang="en-US" sz="2400" dirty="0" smtClean="0"/>
+              <a:rPr lang="en-US" sz="2400" dirty="0"/>
               <a:t> yang </a:t>
             </a:r>
             <a:r>
-              <a:rPr lang="en-US" sz="2400" dirty="0" err="1" smtClean="0"/>
+              <a:rPr lang="en-US" sz="2400" dirty="0" err="1"/>
               <a:t>pernah</a:t>
             </a:r>
             <a:r>
-              <a:rPr lang="en-US" sz="2400" dirty="0" smtClean="0"/>
-              <a:t> </a:t>
-            </a:r>
-            <a:r>
-              <a:rPr lang="en-US" sz="2400" dirty="0" err="1" smtClean="0"/>
+              <a:rPr lang="en-US" sz="2400" dirty="0"/>
+              <a:t> </a:t>
+            </a:r>
+            <a:r>
+              <a:rPr lang="en-US" sz="2400" dirty="0" err="1"/>
               <a:t>diambil</a:t>
             </a:r>
             <a:r>
-              <a:rPr lang="en-US" sz="2400" dirty="0" smtClean="0"/>
-              <a:t> </a:t>
-            </a:r>
-            <a:r>
-              <a:rPr lang="en-US" sz="2400" dirty="0" err="1" smtClean="0"/>
+              <a:rPr lang="en-US" sz="2400" dirty="0"/>
+              <a:t> </a:t>
+            </a:r>
+            <a:r>
+              <a:rPr lang="en-US" sz="2400" dirty="0" err="1"/>
               <a:t>sebelumnya</a:t>
             </a:r>
             <a:r>
-              <a:rPr lang="en-US" sz="2400" dirty="0" smtClean="0"/>
+              <a:rPr lang="en-US" sz="2400" dirty="0"/>
               <a:t>.</a:t>
             </a:r>
-            <a:endParaRPr lang="en-US" sz="2400" dirty="0"/>
           </a:p>
         </p:txBody>
       </p:sp>
@@ -5265,13 +5192,6 @@
   <p:clrMapOvr>
     <a:masterClrMapping/>
   </p:clrMapOvr>
-  <p:timing>
-    <p:tnLst>
-      <p:par>
-        <p:cTn id="1" dur="indefinite" restart="never" nodeType="tmRoot"/>
-      </p:par>
-    </p:tnLst>
-  </p:timing>
 </p:sld>
 </file>
 
@@ -5308,14 +5228,9 @@
           <a:lstStyle/>
           <a:p>
             <a:r>
-              <a:rPr lang="en-US" dirty="0" smtClean="0"/>
-              <a:t>PANDUAN WEBSITE FIT UNTUK </a:t>
-            </a:r>
-            <a:r>
-              <a:rPr lang="en-US" dirty="0" smtClean="0"/>
-              <a:t>ADMIN</a:t>
-            </a:r>
-            <a:endParaRPr lang="en-US" dirty="0"/>
+              <a:rPr lang="en-US" dirty="0"/>
+              <a:t>PANDUAN WEBSITE FIT UNTUK ADMIN</a:t>
+            </a:r>
           </a:p>
         </p:txBody>
       </p:sp>
@@ -5335,55 +5250,55 @@
           <a:lstStyle/>
           <a:p>
             <a:r>
-              <a:rPr lang="en-US" dirty="0" err="1" smtClean="0"/>
+              <a:rPr lang="en-US" dirty="0" err="1"/>
               <a:t>Dibuat</a:t>
             </a:r>
             <a:r>
-              <a:rPr lang="en-US" dirty="0" smtClean="0"/>
-              <a:t> </a:t>
-            </a:r>
-            <a:r>
-              <a:rPr lang="en-US" dirty="0" err="1" smtClean="0"/>
+              <a:rPr lang="en-US" dirty="0"/>
+              <a:t> </a:t>
+            </a:r>
+            <a:r>
+              <a:rPr lang="en-US" dirty="0" err="1"/>
               <a:t>Oleh</a:t>
             </a:r>
             <a:r>
-              <a:rPr lang="en-US" dirty="0" smtClean="0"/>
+              <a:rPr lang="en-US" dirty="0"/>
               <a:t> Tim </a:t>
             </a:r>
             <a:r>
-              <a:rPr lang="en-US" dirty="0" err="1" smtClean="0"/>
+              <a:rPr lang="en-US" dirty="0" err="1"/>
               <a:t>Kerja</a:t>
             </a:r>
             <a:r>
-              <a:rPr lang="en-US" dirty="0" smtClean="0"/>
-              <a:t> </a:t>
-            </a:r>
-            <a:r>
-              <a:rPr lang="en-US" dirty="0" err="1" smtClean="0"/>
+              <a:rPr lang="en-US" dirty="0"/>
+              <a:t> </a:t>
+            </a:r>
+            <a:r>
+              <a:rPr lang="en-US" dirty="0" err="1"/>
               <a:t>Praktek</a:t>
             </a:r>
             <a:r>
-              <a:rPr lang="en-US" dirty="0" smtClean="0"/>
+              <a:rPr lang="en-US" dirty="0"/>
               <a:t> 3 </a:t>
             </a:r>
             <a:r>
-              <a:rPr lang="en-US" dirty="0" err="1" smtClean="0"/>
+              <a:rPr lang="en-US" dirty="0" err="1"/>
               <a:t>Departemen</a:t>
             </a:r>
             <a:r>
-              <a:rPr lang="en-US" dirty="0" smtClean="0"/>
-              <a:t> </a:t>
-            </a:r>
-            <a:r>
-              <a:rPr lang="en-US" dirty="0" err="1" smtClean="0"/>
+              <a:rPr lang="en-US" dirty="0"/>
+              <a:t> </a:t>
+            </a:r>
+            <a:r>
+              <a:rPr lang="en-US" dirty="0" err="1"/>
               <a:t>Teknologi</a:t>
             </a:r>
             <a:r>
-              <a:rPr lang="en-US" dirty="0" smtClean="0"/>
-              <a:t> </a:t>
-            </a:r>
-            <a:r>
-              <a:rPr lang="en-US" dirty="0" err="1" smtClean="0"/>
+              <a:rPr lang="en-US" dirty="0"/>
+              <a:t> </a:t>
+            </a:r>
+            <a:r>
+              <a:rPr lang="en-US" dirty="0" err="1"/>
               <a:t>Informasi</a:t>
             </a:r>
             <a:endParaRPr lang="en-US" dirty="0"/>
@@ -5546,22 +5461,17 @@
           <a:lstStyle/>
           <a:p>
             <a:r>
-              <a:rPr lang="en-US" dirty="0" smtClean="0"/>
+              <a:rPr lang="en-US" dirty="0"/>
               <a:t>Navigation Bar </a:t>
             </a:r>
             <a:r>
-              <a:rPr lang="en-US" dirty="0" err="1" smtClean="0"/>
+              <a:rPr lang="en-US" dirty="0" err="1"/>
               <a:t>untuk</a:t>
             </a:r>
             <a:r>
-              <a:rPr lang="en-US" dirty="0" smtClean="0"/>
-              <a:t> </a:t>
-            </a:r>
-            <a:r>
-              <a:rPr lang="en-US" dirty="0" smtClean="0"/>
-              <a:t>Admin</a:t>
-            </a:r>
-            <a:endParaRPr lang="en-US" dirty="0"/>
+              <a:rPr lang="en-US" dirty="0"/>
+              <a:t> Admin</a:t>
+            </a:r>
           </a:p>
         </p:txBody>
       </p:sp>
@@ -5588,273 +5498,271 @@
           <a:lstStyle/>
           <a:p>
             <a:r>
-              <a:rPr lang="en-US" sz="2600" dirty="0" smtClean="0"/>
+              <a:rPr lang="en-US" sz="2600" dirty="0"/>
               <a:t>Dashboard, </a:t>
             </a:r>
             <a:r>
-              <a:rPr lang="en-US" sz="2600" dirty="0" err="1" smtClean="0"/>
+              <a:rPr lang="en-US" sz="2600" dirty="0" err="1"/>
               <a:t>halaman</a:t>
             </a:r>
             <a:r>
-              <a:rPr lang="en-US" sz="2600" dirty="0" smtClean="0"/>
+              <a:rPr lang="en-US" sz="2600" dirty="0"/>
               <a:t> yang </a:t>
             </a:r>
             <a:r>
-              <a:rPr lang="en-US" sz="2600" dirty="0" err="1" smtClean="0"/>
+              <a:rPr lang="en-US" sz="2600" dirty="0" err="1"/>
               <a:t>akan</a:t>
             </a:r>
             <a:r>
-              <a:rPr lang="en-US" sz="2600" dirty="0" smtClean="0"/>
-              <a:t> </a:t>
-            </a:r>
-            <a:r>
-              <a:rPr lang="en-US" sz="2600" dirty="0" err="1" smtClean="0"/>
+              <a:rPr lang="en-US" sz="2600" dirty="0"/>
+              <a:t> </a:t>
+            </a:r>
+            <a:r>
+              <a:rPr lang="en-US" sz="2600" dirty="0" err="1"/>
               <a:t>menunjukan</a:t>
             </a:r>
             <a:r>
-              <a:rPr lang="en-US" sz="2600" dirty="0" smtClean="0"/>
+              <a:rPr lang="en-US" sz="2600" dirty="0"/>
               <a:t> list </a:t>
             </a:r>
             <a:r>
-              <a:rPr lang="en-US" sz="2600" dirty="0" err="1" smtClean="0"/>
+              <a:rPr lang="en-US" sz="2600" dirty="0" err="1"/>
               <a:t>tawaran</a:t>
             </a:r>
             <a:r>
-              <a:rPr lang="en-US" sz="2600" dirty="0" smtClean="0"/>
-              <a:t> </a:t>
-            </a:r>
-            <a:r>
-              <a:rPr lang="en-US" sz="2600" dirty="0" err="1" smtClean="0"/>
+              <a:rPr lang="en-US" sz="2600" dirty="0"/>
+              <a:t> </a:t>
+            </a:r>
+            <a:r>
+              <a:rPr lang="en-US" sz="2600" dirty="0" err="1"/>
               <a:t>judul</a:t>
             </a:r>
             <a:r>
-              <a:rPr lang="en-US" sz="2600" dirty="0" smtClean="0"/>
-              <a:t> </a:t>
-            </a:r>
-            <a:r>
-              <a:rPr lang="en-US" sz="2600" dirty="0" err="1" smtClean="0"/>
+              <a:rPr lang="en-US" sz="2600" dirty="0"/>
+              <a:t> </a:t>
+            </a:r>
+            <a:r>
+              <a:rPr lang="en-US" sz="2600" dirty="0" err="1"/>
               <a:t>dari</a:t>
             </a:r>
             <a:r>
-              <a:rPr lang="en-US" sz="2600" dirty="0" smtClean="0"/>
-              <a:t> </a:t>
-            </a:r>
-            <a:r>
-              <a:rPr lang="en-US" sz="2600" dirty="0" err="1" smtClean="0"/>
+              <a:rPr lang="en-US" sz="2600" dirty="0"/>
+              <a:t> </a:t>
+            </a:r>
+            <a:r>
+              <a:rPr lang="en-US" sz="2600" dirty="0" err="1"/>
               <a:t>dosen</a:t>
             </a:r>
             <a:r>
-              <a:rPr lang="en-US" sz="2600" dirty="0" smtClean="0"/>
-              <a:t> </a:t>
-            </a:r>
-            <a:r>
-              <a:rPr lang="en-US" sz="2600" dirty="0" err="1" smtClean="0"/>
+              <a:rPr lang="en-US" sz="2600" dirty="0"/>
+              <a:t> </a:t>
+            </a:r>
+            <a:r>
+              <a:rPr lang="en-US" sz="2600" dirty="0" err="1"/>
               <a:t>serta</a:t>
             </a:r>
             <a:r>
-              <a:rPr lang="en-US" sz="2600" dirty="0" smtClean="0"/>
-              <a:t> </a:t>
-            </a:r>
-            <a:r>
-              <a:rPr lang="en-US" sz="2600" dirty="0" err="1" smtClean="0"/>
+              <a:rPr lang="en-US" sz="2600" dirty="0"/>
+              <a:t> </a:t>
+            </a:r>
+            <a:r>
+              <a:rPr lang="en-US" sz="2600" dirty="0" err="1"/>
               <a:t>jadwal</a:t>
             </a:r>
             <a:r>
-              <a:rPr lang="en-US" sz="2600" dirty="0" smtClean="0"/>
-              <a:t> </a:t>
-            </a:r>
-            <a:r>
-              <a:rPr lang="en-US" sz="2600" dirty="0" err="1" smtClean="0"/>
+              <a:rPr lang="en-US" sz="2600" dirty="0"/>
+              <a:t> </a:t>
+            </a:r>
+            <a:r>
+              <a:rPr lang="en-US" sz="2600" dirty="0" err="1"/>
               <a:t>sidang</a:t>
             </a:r>
             <a:r>
-              <a:rPr lang="en-US" sz="2600" dirty="0" smtClean="0"/>
+              <a:rPr lang="en-US" sz="2600" dirty="0"/>
               <a:t>.</a:t>
             </a:r>
-            <a:endParaRPr lang="en-US" sz="2600" dirty="0" smtClean="0"/>
-          </a:p>
-          <a:p>
-            <a:r>
-              <a:rPr lang="en-US" sz="2600" dirty="0" smtClean="0"/>
+          </a:p>
+          <a:p>
+            <a:r>
+              <a:rPr lang="en-US" sz="2600" dirty="0"/>
               <a:t>Proposal, </a:t>
             </a:r>
             <a:r>
-              <a:rPr lang="en-US" sz="2600" dirty="0" err="1" smtClean="0"/>
+              <a:rPr lang="en-US" sz="2600" dirty="0" err="1"/>
               <a:t>halaman</a:t>
             </a:r>
             <a:r>
-              <a:rPr lang="en-US" sz="2600" dirty="0" smtClean="0"/>
-              <a:t> </a:t>
-            </a:r>
-            <a:r>
-              <a:rPr lang="en-US" sz="2600" dirty="0" err="1" smtClean="0"/>
+              <a:rPr lang="en-US" sz="2600" dirty="0"/>
+              <a:t> </a:t>
+            </a:r>
+            <a:r>
+              <a:rPr lang="en-US" sz="2600" dirty="0" err="1"/>
               <a:t>revisi</a:t>
             </a:r>
             <a:r>
-              <a:rPr lang="en-US" sz="2600" dirty="0" smtClean="0"/>
+              <a:rPr lang="en-US" sz="2600" dirty="0"/>
               <a:t>/</a:t>
             </a:r>
             <a:r>
-              <a:rPr lang="en-US" sz="2600" dirty="0" err="1" smtClean="0"/>
+              <a:rPr lang="en-US" sz="2600" dirty="0" err="1"/>
               <a:t>setujui</a:t>
             </a:r>
             <a:r>
-              <a:rPr lang="en-US" sz="2600" dirty="0" smtClean="0"/>
-              <a:t> </a:t>
-            </a:r>
-            <a:r>
-              <a:rPr lang="en-US" sz="2600" dirty="0" err="1" smtClean="0"/>
+              <a:rPr lang="en-US" sz="2600" dirty="0"/>
+              <a:t> </a:t>
+            </a:r>
+            <a:r>
+              <a:rPr lang="en-US" sz="2600" dirty="0" err="1"/>
               <a:t>pengajuan</a:t>
             </a:r>
             <a:r>
-              <a:rPr lang="en-US" sz="2600" dirty="0" smtClean="0"/>
+              <a:rPr lang="en-US" sz="2600" dirty="0"/>
               <a:t> proposal</a:t>
             </a:r>
-            <a:endParaRPr lang="en-US" sz="2600" dirty="0" smtClean="0"/>
-          </a:p>
-          <a:p>
-            <a:r>
-              <a:rPr lang="en-US" sz="2600" dirty="0" err="1" smtClean="0"/>
+          </a:p>
+          <a:p>
+            <a:r>
+              <a:rPr lang="en-US" sz="2600" dirty="0" err="1"/>
               <a:t>Jadwal</a:t>
             </a:r>
             <a:r>
-              <a:rPr lang="en-US" sz="2600" dirty="0" smtClean="0"/>
-              <a:t> </a:t>
-            </a:r>
-            <a:r>
-              <a:rPr lang="en-US" sz="2600" dirty="0" err="1" smtClean="0"/>
+              <a:rPr lang="en-US" sz="2600" dirty="0"/>
+              <a:t> </a:t>
+            </a:r>
+            <a:r>
+              <a:rPr lang="en-US" sz="2600" dirty="0" err="1"/>
               <a:t>Sidang</a:t>
             </a:r>
             <a:r>
-              <a:rPr lang="en-US" sz="2600" dirty="0" smtClean="0"/>
+              <a:rPr lang="en-US" sz="2600" dirty="0"/>
               <a:t>, </a:t>
             </a:r>
             <a:r>
-              <a:rPr lang="en-US" sz="2600" dirty="0" err="1" smtClean="0"/>
+              <a:rPr lang="en-US" sz="2600" dirty="0" err="1"/>
               <a:t>halaman</a:t>
             </a:r>
             <a:r>
-              <a:rPr lang="en-US" sz="2600" dirty="0" smtClean="0"/>
+              <a:rPr lang="en-US" sz="2600" dirty="0"/>
               <a:t> input </a:t>
             </a:r>
             <a:r>
-              <a:rPr lang="en-US" sz="2600" dirty="0" err="1" smtClean="0"/>
+              <a:rPr lang="en-US" sz="2600" dirty="0" err="1"/>
               <a:t>jadwal</a:t>
             </a:r>
             <a:r>
-              <a:rPr lang="en-US" sz="2600" dirty="0" smtClean="0"/>
-              <a:t> </a:t>
-            </a:r>
-            <a:r>
-              <a:rPr lang="en-US" sz="2600" dirty="0" err="1" smtClean="0"/>
+              <a:rPr lang="en-US" sz="2600" dirty="0"/>
+              <a:t> </a:t>
+            </a:r>
+            <a:r>
+              <a:rPr lang="en-US" sz="2600" dirty="0" err="1"/>
               <a:t>sidang</a:t>
             </a:r>
             <a:r>
-              <a:rPr lang="en-US" sz="2600" dirty="0" smtClean="0"/>
-              <a:t> </a:t>
-            </a:r>
-            <a:r>
-              <a:rPr lang="en-US" sz="2600" dirty="0" err="1" smtClean="0"/>
+              <a:rPr lang="en-US" sz="2600" dirty="0"/>
+              <a:t> </a:t>
+            </a:r>
+            <a:r>
+              <a:rPr lang="en-US" sz="2600" dirty="0" err="1"/>
               <a:t>tugas</a:t>
             </a:r>
             <a:r>
-              <a:rPr lang="en-US" sz="2600" dirty="0" smtClean="0"/>
-              <a:t> </a:t>
-            </a:r>
-            <a:r>
-              <a:rPr lang="en-US" sz="2600" dirty="0" err="1" smtClean="0"/>
+              <a:rPr lang="en-US" sz="2600" dirty="0"/>
+              <a:t> </a:t>
+            </a:r>
+            <a:r>
+              <a:rPr lang="en-US" sz="2600" dirty="0" err="1"/>
               <a:t>akhir</a:t>
             </a:r>
             <a:r>
-              <a:rPr lang="en-US" sz="2600" dirty="0" smtClean="0"/>
-              <a:t> </a:t>
-            </a:r>
-            <a:r>
-              <a:rPr lang="en-US" sz="2600" dirty="0" err="1" smtClean="0"/>
+              <a:rPr lang="en-US" sz="2600" dirty="0"/>
+              <a:t> </a:t>
+            </a:r>
+            <a:r>
+              <a:rPr lang="en-US" sz="2600" dirty="0" err="1"/>
               <a:t>mahasiswa</a:t>
             </a:r>
             <a:r>
-              <a:rPr lang="en-US" sz="2600" dirty="0" smtClean="0"/>
+              <a:rPr lang="en-US" sz="2600" dirty="0"/>
               <a:t>.</a:t>
             </a:r>
           </a:p>
           <a:p>
             <a:r>
-              <a:rPr lang="en-US" sz="2600" dirty="0" err="1" smtClean="0"/>
+              <a:rPr lang="en-US" sz="2600" dirty="0" err="1"/>
               <a:t>Tambah</a:t>
             </a:r>
             <a:r>
-              <a:rPr lang="en-US" sz="2600" dirty="0" smtClean="0"/>
+              <a:rPr lang="en-US" sz="2600" dirty="0"/>
               <a:t> User, </a:t>
             </a:r>
             <a:r>
-              <a:rPr lang="en-US" sz="2600" dirty="0" err="1" smtClean="0"/>
+              <a:rPr lang="en-US" sz="2600" dirty="0" err="1"/>
               <a:t>halaman</a:t>
             </a:r>
             <a:r>
-              <a:rPr lang="en-US" sz="2600" dirty="0" smtClean="0"/>
-              <a:t> </a:t>
-            </a:r>
-            <a:r>
-              <a:rPr lang="en-US" sz="2600" dirty="0" err="1" smtClean="0"/>
+              <a:rPr lang="en-US" sz="2600" dirty="0"/>
+              <a:t> </a:t>
+            </a:r>
+            <a:r>
+              <a:rPr lang="en-US" sz="2600" dirty="0" err="1"/>
               <a:t>untuk</a:t>
             </a:r>
             <a:r>
-              <a:rPr lang="en-US" sz="2600" dirty="0" smtClean="0"/>
-              <a:t> </a:t>
-            </a:r>
-            <a:r>
-              <a:rPr lang="en-US" sz="2600" dirty="0" err="1" smtClean="0"/>
+              <a:rPr lang="en-US" sz="2600" dirty="0"/>
+              <a:t> </a:t>
+            </a:r>
+            <a:r>
+              <a:rPr lang="en-US" sz="2600" dirty="0" err="1"/>
               <a:t>menambah</a:t>
             </a:r>
             <a:r>
-              <a:rPr lang="en-US" sz="2600" dirty="0" smtClean="0"/>
+              <a:rPr lang="en-US" sz="2600" dirty="0"/>
               <a:t> user </a:t>
             </a:r>
             <a:r>
-              <a:rPr lang="en-US" sz="2600" dirty="0" err="1" smtClean="0"/>
+              <a:rPr lang="en-US" sz="2600" dirty="0" err="1"/>
               <a:t>baru</a:t>
             </a:r>
             <a:r>
-              <a:rPr lang="en-US" sz="2600" dirty="0" smtClean="0"/>
-              <a:t> </a:t>
-            </a:r>
-            <a:r>
-              <a:rPr lang="en-US" sz="2600" dirty="0" err="1" smtClean="0"/>
+              <a:rPr lang="en-US" sz="2600" dirty="0"/>
+              <a:t> </a:t>
+            </a:r>
+            <a:r>
+              <a:rPr lang="en-US" sz="2600" dirty="0" err="1"/>
               <a:t>dari</a:t>
             </a:r>
             <a:r>
-              <a:rPr lang="en-US" sz="2600" dirty="0" smtClean="0"/>
-              <a:t> </a:t>
-            </a:r>
-            <a:r>
-              <a:rPr lang="en-US" sz="2600" dirty="0" err="1" smtClean="0"/>
+              <a:rPr lang="en-US" sz="2600" dirty="0"/>
+              <a:t> </a:t>
+            </a:r>
+            <a:r>
+              <a:rPr lang="en-US" sz="2600" dirty="0" err="1"/>
               <a:t>dalam</a:t>
             </a:r>
             <a:r>
-              <a:rPr lang="en-US" sz="2600" dirty="0" smtClean="0"/>
-              <a:t> </a:t>
-            </a:r>
-            <a:r>
-              <a:rPr lang="en-US" sz="2600" dirty="0" err="1" smtClean="0"/>
+              <a:rPr lang="en-US" sz="2600" dirty="0"/>
+              <a:t> </a:t>
+            </a:r>
+            <a:r>
+              <a:rPr lang="en-US" sz="2600" dirty="0" err="1"/>
               <a:t>maupun</a:t>
             </a:r>
             <a:r>
-              <a:rPr lang="en-US" sz="2600" dirty="0" smtClean="0"/>
-              <a:t> </a:t>
-            </a:r>
-            <a:r>
-              <a:rPr lang="en-US" sz="2600" dirty="0" err="1" smtClean="0"/>
+              <a:rPr lang="en-US" sz="2600" dirty="0"/>
+              <a:t> </a:t>
+            </a:r>
+            <a:r>
+              <a:rPr lang="en-US" sz="2600" dirty="0" err="1"/>
               <a:t>luar</a:t>
             </a:r>
             <a:r>
-              <a:rPr lang="en-US" sz="2600" dirty="0" smtClean="0"/>
+              <a:rPr lang="en-US" sz="2600" dirty="0"/>
               <a:t> Dept. IT ITS.</a:t>
             </a:r>
           </a:p>
           <a:p>
             <a:r>
-              <a:rPr lang="en-US" sz="2600" dirty="0" err="1" smtClean="0"/>
+              <a:rPr lang="en-US" sz="2600" dirty="0" err="1"/>
               <a:t>Nilai</a:t>
             </a:r>
             <a:r>
@@ -6056,13 +5964,6 @@
   <p:clrMapOvr>
     <a:masterClrMapping/>
   </p:clrMapOvr>
-  <p:timing>
-    <p:tnLst>
-      <p:par>
-        <p:cTn id="1" dur="indefinite" restart="never" nodeType="tmRoot"/>
-      </p:par>
-    </p:tnLst>
-  </p:timing>
 </p:sld>
 </file>
 
@@ -6133,22 +6034,13 @@
           <a:lstStyle/>
           <a:p>
             <a:r>
-              <a:rPr lang="en-US" dirty="0" err="1" smtClean="0"/>
+              <a:rPr lang="en-US" dirty="0" err="1"/>
               <a:t>Tampilan</a:t>
             </a:r>
             <a:r>
-              <a:rPr lang="en-US" dirty="0" smtClean="0"/>
-              <a:t> </a:t>
-            </a:r>
-            <a:r>
-              <a:rPr lang="en-US" dirty="0" smtClean="0"/>
-              <a:t>Dashboard </a:t>
-            </a:r>
-            <a:r>
-              <a:rPr lang="en-US" dirty="0" smtClean="0"/>
-              <a:t>Admin</a:t>
-            </a:r>
-            <a:endParaRPr lang="en-US" dirty="0"/>
+              <a:rPr lang="en-US" dirty="0"/>
+              <a:t> Dashboard Admin</a:t>
+            </a:r>
           </a:p>
         </p:txBody>
       </p:sp>
@@ -6201,47 +6093,47 @@
               <a:buChar char="•"/>
             </a:pPr>
             <a:r>
-              <a:rPr lang="en-US" sz="2400" dirty="0" smtClean="0"/>
+              <a:rPr lang="en-US" sz="2400" dirty="0"/>
               <a:t>Admin </a:t>
             </a:r>
             <a:r>
-              <a:rPr lang="en-US" sz="2400" dirty="0" err="1" smtClean="0"/>
+              <a:rPr lang="en-US" sz="2400" dirty="0" err="1"/>
               <a:t>dapat</a:t>
             </a:r>
             <a:r>
-              <a:rPr lang="en-US" sz="2400" dirty="0" smtClean="0"/>
+              <a:rPr lang="en-US" sz="2400" dirty="0"/>
               <a:t> input </a:t>
             </a:r>
             <a:r>
-              <a:rPr lang="en-US" sz="2400" dirty="0" err="1" smtClean="0"/>
+              <a:rPr lang="en-US" sz="2400" dirty="0" err="1"/>
               <a:t>tawaran</a:t>
             </a:r>
             <a:r>
-              <a:rPr lang="en-US" sz="2400" dirty="0" smtClean="0"/>
-              <a:t> </a:t>
-            </a:r>
-            <a:r>
-              <a:rPr lang="en-US" sz="2400" dirty="0" err="1" smtClean="0"/>
+              <a:rPr lang="en-US" sz="2400" dirty="0"/>
+              <a:t> </a:t>
+            </a:r>
+            <a:r>
+              <a:rPr lang="en-US" sz="2400" dirty="0" err="1"/>
               <a:t>judul</a:t>
             </a:r>
             <a:r>
-              <a:rPr lang="en-US" sz="2400" dirty="0" smtClean="0"/>
-              <a:t> </a:t>
-            </a:r>
-            <a:r>
-              <a:rPr lang="en-US" sz="2400" dirty="0" err="1" smtClean="0"/>
+              <a:rPr lang="en-US" sz="2400" dirty="0"/>
+              <a:t> </a:t>
+            </a:r>
+            <a:r>
+              <a:rPr lang="en-US" sz="2400" dirty="0" err="1"/>
               <a:t>tugas</a:t>
             </a:r>
             <a:r>
-              <a:rPr lang="en-US" sz="2400" dirty="0" smtClean="0"/>
-              <a:t> </a:t>
-            </a:r>
-            <a:r>
-              <a:rPr lang="en-US" sz="2400" dirty="0" err="1" smtClean="0"/>
+              <a:rPr lang="en-US" sz="2400" dirty="0"/>
+              <a:t> </a:t>
+            </a:r>
+            <a:r>
+              <a:rPr lang="en-US" sz="2400" dirty="0" err="1"/>
               <a:t>akhir</a:t>
             </a:r>
             <a:r>
-              <a:rPr lang="en-US" sz="2400" dirty="0" smtClean="0"/>
+              <a:rPr lang="en-US" sz="2400" dirty="0"/>
               <a:t>.</a:t>
             </a:r>
           </a:p>
@@ -6254,42 +6146,41 @@
               <a:buChar char="•"/>
             </a:pPr>
             <a:r>
-              <a:rPr lang="en-US" sz="2400" dirty="0" smtClean="0"/>
+              <a:rPr lang="en-US" sz="2400" dirty="0"/>
               <a:t>Admin </a:t>
             </a:r>
             <a:r>
-              <a:rPr lang="en-US" sz="2400" dirty="0" err="1" smtClean="0"/>
+              <a:rPr lang="en-US" sz="2400" dirty="0" err="1"/>
               <a:t>dapat</a:t>
             </a:r>
             <a:r>
-              <a:rPr lang="en-US" sz="2400" dirty="0" smtClean="0"/>
-              <a:t> </a:t>
-            </a:r>
-            <a:r>
-              <a:rPr lang="en-US" sz="2400" dirty="0" err="1" smtClean="0"/>
+              <a:rPr lang="en-US" sz="2400" dirty="0"/>
+              <a:t> </a:t>
+            </a:r>
+            <a:r>
+              <a:rPr lang="en-US" sz="2400" dirty="0" err="1"/>
               <a:t>melihat</a:t>
             </a:r>
             <a:r>
-              <a:rPr lang="en-US" sz="2400" dirty="0" smtClean="0"/>
-              <a:t> </a:t>
-            </a:r>
-            <a:r>
-              <a:rPr lang="en-US" sz="2400" dirty="0" err="1" smtClean="0"/>
+              <a:rPr lang="en-US" sz="2400" dirty="0"/>
+              <a:t> </a:t>
+            </a:r>
+            <a:r>
+              <a:rPr lang="en-US" sz="2400" dirty="0" err="1"/>
               <a:t>jadwal</a:t>
             </a:r>
             <a:r>
-              <a:rPr lang="en-US" sz="2400" dirty="0" smtClean="0"/>
-              <a:t> </a:t>
-            </a:r>
-            <a:r>
-              <a:rPr lang="en-US" sz="2400" dirty="0" err="1" smtClean="0"/>
+              <a:rPr lang="en-US" sz="2400" dirty="0"/>
+              <a:t> </a:t>
+            </a:r>
+            <a:r>
+              <a:rPr lang="en-US" sz="2400" dirty="0" err="1"/>
               <a:t>sidang</a:t>
             </a:r>
             <a:r>
-              <a:rPr lang="en-US" sz="2400" dirty="0" smtClean="0"/>
+              <a:rPr lang="en-US" sz="2400" dirty="0"/>
               <a:t>.</a:t>
             </a:r>
-            <a:endParaRPr lang="en-US" sz="2400" dirty="0"/>
           </a:p>
         </p:txBody>
       </p:sp>
@@ -6303,13 +6194,6 @@
   <p:clrMapOvr>
     <a:masterClrMapping/>
   </p:clrMapOvr>
-  <p:timing>
-    <p:tnLst>
-      <p:par>
-        <p:cTn id="1" dur="indefinite" restart="never" nodeType="tmRoot"/>
-      </p:par>
-    </p:tnLst>
-  </p:timing>
 </p:sld>
 </file>
 
@@ -6351,18 +6235,13 @@
           <a:lstStyle/>
           <a:p>
             <a:r>
-              <a:rPr lang="en-US" dirty="0" err="1" smtClean="0"/>
+              <a:rPr lang="en-US" dirty="0" err="1"/>
               <a:t>Tampilan</a:t>
             </a:r>
             <a:r>
-              <a:rPr lang="en-US" dirty="0" smtClean="0"/>
-              <a:t> </a:t>
-            </a:r>
-            <a:r>
-              <a:rPr lang="en-US" dirty="0" smtClean="0"/>
-              <a:t>Proposal Admin</a:t>
-            </a:r>
-            <a:endParaRPr lang="en-US" dirty="0"/>
+              <a:rPr lang="en-US" dirty="0"/>
+              <a:t> Proposal Admin</a:t>
+            </a:r>
           </a:p>
         </p:txBody>
       </p:sp>
@@ -6418,74 +6297,73 @@
           <a:lstStyle/>
           <a:p>
             <a:r>
-              <a:rPr lang="en-US" dirty="0" smtClean="0"/>
+              <a:rPr lang="en-US" dirty="0"/>
               <a:t>Edit </a:t>
             </a:r>
             <a:r>
-              <a:rPr lang="en-US" dirty="0" err="1" smtClean="0"/>
+              <a:rPr lang="en-US" dirty="0" err="1"/>
               <a:t>bisa</a:t>
             </a:r>
             <a:r>
-              <a:rPr lang="en-US" dirty="0" smtClean="0"/>
-              <a:t> </a:t>
-            </a:r>
-            <a:r>
-              <a:rPr lang="en-US" dirty="0" err="1" smtClean="0"/>
+              <a:rPr lang="en-US" dirty="0"/>
+              <a:t> </a:t>
+            </a:r>
+            <a:r>
+              <a:rPr lang="en-US" dirty="0" err="1"/>
               <a:t>mengganti</a:t>
             </a:r>
             <a:r>
-              <a:rPr lang="en-US" dirty="0" smtClean="0"/>
-              <a:t> </a:t>
-            </a:r>
-            <a:r>
-              <a:rPr lang="en-US" dirty="0" err="1" smtClean="0"/>
+              <a:rPr lang="en-US" dirty="0"/>
+              <a:t> </a:t>
+            </a:r>
+            <a:r>
+              <a:rPr lang="en-US" dirty="0" err="1"/>
               <a:t>dosen</a:t>
             </a:r>
             <a:r>
-              <a:rPr lang="en-US" dirty="0" smtClean="0"/>
-              <a:t> </a:t>
-            </a:r>
-            <a:r>
-              <a:rPr lang="en-US" dirty="0" err="1" smtClean="0"/>
+              <a:rPr lang="en-US" dirty="0"/>
+              <a:t> </a:t>
+            </a:r>
+            <a:r>
+              <a:rPr lang="en-US" dirty="0" err="1"/>
               <a:t>pembimbing</a:t>
             </a:r>
             <a:r>
-              <a:rPr lang="en-US" dirty="0" smtClean="0"/>
+              <a:rPr lang="en-US" dirty="0"/>
               <a:t> 2 </a:t>
             </a:r>
             <a:r>
-              <a:rPr lang="en-US" dirty="0" err="1" smtClean="0"/>
+              <a:rPr lang="en-US" dirty="0" err="1"/>
               <a:t>dan</a:t>
             </a:r>
             <a:r>
-              <a:rPr lang="en-US" dirty="0" smtClean="0"/>
-              <a:t> </a:t>
-            </a:r>
-            <a:r>
-              <a:rPr lang="en-US" dirty="0" err="1" smtClean="0"/>
+              <a:rPr lang="en-US" dirty="0"/>
+              <a:t> </a:t>
+            </a:r>
+            <a:r>
+              <a:rPr lang="en-US" dirty="0" err="1"/>
               <a:t>atau</a:t>
             </a:r>
             <a:r>
-              <a:rPr lang="en-US" dirty="0" smtClean="0"/>
-              <a:t> </a:t>
-            </a:r>
-            <a:r>
-              <a:rPr lang="en-US" dirty="0" err="1" smtClean="0"/>
+              <a:rPr lang="en-US" dirty="0"/>
+              <a:t> </a:t>
+            </a:r>
+            <a:r>
+              <a:rPr lang="en-US" dirty="0" err="1"/>
               <a:t>memberikan</a:t>
             </a:r>
             <a:r>
-              <a:rPr lang="en-US" dirty="0" smtClean="0"/>
-              <a:t> </a:t>
-            </a:r>
-            <a:r>
-              <a:rPr lang="en-US" dirty="0" err="1" smtClean="0"/>
+              <a:rPr lang="en-US" dirty="0"/>
+              <a:t> </a:t>
+            </a:r>
+            <a:r>
+              <a:rPr lang="en-US" dirty="0" err="1"/>
               <a:t>revisi</a:t>
             </a:r>
             <a:r>
-              <a:rPr lang="en-US" dirty="0" smtClean="0"/>
+              <a:rPr lang="en-US" dirty="0"/>
               <a:t>.</a:t>
             </a:r>
-            <a:endParaRPr lang="en-US" dirty="0"/>
           </a:p>
         </p:txBody>
       </p:sp>
@@ -6541,11 +6419,11 @@
           <a:lstStyle/>
           <a:p>
             <a:r>
-              <a:rPr lang="en-US" sz="1400" b="1" dirty="0" smtClean="0"/>
+              <a:rPr lang="en-US" sz="1400" b="1" dirty="0"/>
               <a:t>Edit   </a:t>
             </a:r>
             <a:r>
-              <a:rPr lang="en-US" sz="1400" b="1" dirty="0" err="1" smtClean="0"/>
+              <a:rPr lang="en-US" sz="1400" b="1" dirty="0" err="1"/>
               <a:t>Setujui</a:t>
             </a:r>
             <a:endParaRPr lang="en-US" sz="1400" b="1" dirty="0"/>
@@ -6597,13 +6475,6 @@
   <p:clrMapOvr>
     <a:masterClrMapping/>
   </p:clrMapOvr>
-  <p:timing>
-    <p:tnLst>
-      <p:par>
-        <p:cTn id="1" dur="indefinite" restart="never" nodeType="tmRoot"/>
-      </p:par>
-    </p:tnLst>
-  </p:timing>
 </p:sld>
 </file>
 
@@ -6640,22 +6511,21 @@
           <a:lstStyle/>
           <a:p>
             <a:r>
-              <a:rPr lang="en-US" dirty="0" err="1" smtClean="0"/>
+              <a:rPr lang="en-US" dirty="0" err="1"/>
               <a:t>Tampilan</a:t>
             </a:r>
             <a:r>
-              <a:rPr lang="en-US" dirty="0" smtClean="0"/>
-              <a:t> </a:t>
-            </a:r>
-            <a:r>
-              <a:rPr lang="en-US" dirty="0" err="1" smtClean="0"/>
+              <a:rPr lang="en-US" dirty="0"/>
+              <a:t> </a:t>
+            </a:r>
+            <a:r>
+              <a:rPr lang="en-US" dirty="0" err="1"/>
               <a:t>awal</a:t>
             </a:r>
             <a:r>
-              <a:rPr lang="en-US" dirty="0" smtClean="0"/>
+              <a:rPr lang="en-US" dirty="0"/>
               <a:t> website (login page)</a:t>
             </a:r>
-            <a:endParaRPr lang="en-US" dirty="0"/>
           </a:p>
         </p:txBody>
       </p:sp>
@@ -6794,7 +6664,7 @@
         </p:spPr>
         <p:txBody>
           <a:bodyPr vert="horz" lIns="91440" tIns="45720" rIns="91440" bIns="45720" rtlCol="0" anchor="ctr">
-            <a:normAutofit fontScale="92500"/>
+            <a:normAutofit lnSpcReduction="10000"/>
           </a:bodyPr>
           <a:lstStyle>
             <a:lvl1pPr algn="l" defTabSz="914400" rtl="0" eaLnBrk="1" latinLnBrk="0" hangingPunct="1">
@@ -6824,63 +6694,63 @@
               <a:buChar char="•"/>
             </a:pPr>
             <a:r>
-              <a:rPr lang="en-US" sz="2400" dirty="0" err="1" smtClean="0"/>
-              <a:t>Dosen</a:t>
-            </a:r>
-            <a:r>
-              <a:rPr lang="en-US" sz="2400" dirty="0" smtClean="0"/>
-              <a:t> </a:t>
-            </a:r>
-            <a:r>
-              <a:rPr lang="en-US" sz="2400" dirty="0" err="1" smtClean="0"/>
+              <a:rPr lang="id-ID" sz="2400" dirty="0"/>
+              <a:t>Admin</a:t>
+            </a:r>
+            <a:r>
+              <a:rPr lang="en-US" sz="2400" dirty="0"/>
+              <a:t> </a:t>
+            </a:r>
+            <a:r>
+              <a:rPr lang="en-US" sz="2400" dirty="0" err="1"/>
               <a:t>masukan</a:t>
             </a:r>
             <a:r>
-              <a:rPr lang="en-US" sz="2400" dirty="0" smtClean="0"/>
-              <a:t> </a:t>
-            </a:r>
-            <a:r>
-              <a:rPr lang="en-US" sz="2400" dirty="0" err="1" smtClean="0"/>
+              <a:rPr lang="en-US" sz="2400" dirty="0"/>
+              <a:t> </a:t>
+            </a:r>
+            <a:r>
+              <a:rPr lang="en-US" sz="2400" dirty="0" err="1"/>
               <a:t>jadwal</a:t>
             </a:r>
             <a:r>
-              <a:rPr lang="en-US" sz="2400" dirty="0" smtClean="0"/>
-              <a:t> </a:t>
-            </a:r>
-            <a:r>
-              <a:rPr lang="en-US" sz="2400" dirty="0" err="1" smtClean="0"/>
+              <a:rPr lang="en-US" sz="2400" dirty="0"/>
+              <a:t> </a:t>
+            </a:r>
+            <a:r>
+              <a:rPr lang="en-US" sz="2400" dirty="0" err="1"/>
               <a:t>sidang</a:t>
             </a:r>
             <a:r>
-              <a:rPr lang="en-US" sz="2400" dirty="0" smtClean="0"/>
-              <a:t> </a:t>
-            </a:r>
-            <a:r>
-              <a:rPr lang="en-US" sz="2400" dirty="0" err="1" smtClean="0"/>
+              <a:rPr lang="en-US" sz="2400" dirty="0"/>
+              <a:t> </a:t>
+            </a:r>
+            <a:r>
+              <a:rPr lang="en-US" sz="2400" dirty="0" err="1"/>
               <a:t>mahasiswa</a:t>
             </a:r>
             <a:r>
-              <a:rPr lang="en-US" sz="2400" dirty="0" smtClean="0"/>
-              <a:t> </a:t>
-            </a:r>
-            <a:r>
-              <a:rPr lang="en-US" sz="2400" dirty="0" err="1" smtClean="0"/>
+              <a:rPr lang="en-US" sz="2400" dirty="0"/>
+              <a:t> </a:t>
+            </a:r>
+            <a:r>
+              <a:rPr lang="en-US" sz="2400" dirty="0" err="1"/>
               <a:t>dalam</a:t>
             </a:r>
             <a:r>
-              <a:rPr lang="en-US" sz="2400" dirty="0" smtClean="0"/>
+              <a:rPr lang="en-US" sz="2400" dirty="0"/>
               <a:t> form </a:t>
             </a:r>
             <a:r>
-              <a:rPr lang="en-US" sz="2400" dirty="0" err="1" smtClean="0"/>
+              <a:rPr lang="en-US" sz="2400" dirty="0" err="1"/>
               <a:t>tambah</a:t>
             </a:r>
             <a:r>
-              <a:rPr lang="en-US" sz="2400" dirty="0" smtClean="0"/>
-              <a:t> </a:t>
-            </a:r>
-            <a:r>
-              <a:rPr lang="en-US" sz="2400" dirty="0" err="1" smtClean="0"/>
+              <a:rPr lang="en-US" sz="2400" dirty="0"/>
+              <a:t> </a:t>
+            </a:r>
+            <a:r>
+              <a:rPr lang="en-US" sz="2400" dirty="0" err="1"/>
               <a:t>jadwal</a:t>
             </a:r>
             <a:endParaRPr lang="en-US" sz="2400" dirty="0"/>
@@ -6894,67 +6764,67 @@
               <a:buChar char="•"/>
             </a:pPr>
             <a:r>
-              <a:rPr lang="en-US" sz="2400" dirty="0" err="1" smtClean="0"/>
-              <a:t>Dosen</a:t>
-            </a:r>
-            <a:r>
-              <a:rPr lang="en-US" sz="2400" dirty="0" smtClean="0"/>
-              <a:t> </a:t>
-            </a:r>
-            <a:r>
-              <a:rPr lang="en-US" sz="2400" dirty="0" err="1" smtClean="0"/>
+              <a:rPr lang="id-ID" sz="2400" dirty="0"/>
+              <a:t>Admin</a:t>
+            </a:r>
+            <a:r>
+              <a:rPr lang="en-US" sz="2400" dirty="0"/>
+              <a:t> </a:t>
+            </a:r>
+            <a:r>
+              <a:rPr lang="en-US" sz="2400" dirty="0" err="1"/>
               <a:t>dapat</a:t>
             </a:r>
             <a:r>
-              <a:rPr lang="en-US" sz="2400" dirty="0" smtClean="0"/>
-              <a:t> </a:t>
-            </a:r>
-            <a:r>
-              <a:rPr lang="en-US" sz="2400" dirty="0" err="1" smtClean="0"/>
+              <a:rPr lang="en-US" sz="2400" dirty="0"/>
+              <a:t> </a:t>
+            </a:r>
+            <a:r>
+              <a:rPr lang="en-US" sz="2400" dirty="0" err="1"/>
               <a:t>melihat</a:t>
             </a:r>
             <a:r>
-              <a:rPr lang="en-US" sz="2400" dirty="0" smtClean="0"/>
-              <a:t> </a:t>
-            </a:r>
-            <a:r>
-              <a:rPr lang="en-US" sz="2400" dirty="0" err="1" smtClean="0"/>
+              <a:rPr lang="en-US" sz="2400" dirty="0"/>
+              <a:t> </a:t>
+            </a:r>
+            <a:r>
+              <a:rPr lang="en-US" sz="2400" dirty="0" err="1"/>
               <a:t>riwayat</a:t>
             </a:r>
             <a:r>
-              <a:rPr lang="en-US" sz="2400" dirty="0" smtClean="0"/>
-              <a:t> </a:t>
-            </a:r>
-            <a:r>
-              <a:rPr lang="en-US" sz="2400" dirty="0" err="1" smtClean="0"/>
+              <a:rPr lang="en-US" sz="2400" dirty="0"/>
+              <a:t> </a:t>
+            </a:r>
+            <a:r>
+              <a:rPr lang="en-US" sz="2400" dirty="0" err="1"/>
               <a:t>jadwal</a:t>
             </a:r>
             <a:r>
-              <a:rPr lang="en-US" sz="2400" dirty="0" smtClean="0"/>
-              <a:t> </a:t>
-            </a:r>
-            <a:r>
-              <a:rPr lang="en-US" sz="2400" dirty="0" err="1" smtClean="0"/>
+              <a:rPr lang="en-US" sz="2400" dirty="0"/>
+              <a:t> </a:t>
+            </a:r>
+            <a:r>
+              <a:rPr lang="en-US" sz="2400" dirty="0" err="1"/>
               <a:t>sidang</a:t>
             </a:r>
             <a:r>
-              <a:rPr lang="en-US" sz="2400" dirty="0" smtClean="0"/>
+              <a:rPr lang="en-US" sz="2400" dirty="0"/>
               <a:t> (</a:t>
             </a:r>
             <a:r>
-              <a:rPr lang="en-US" sz="2400" dirty="0" err="1" smtClean="0"/>
+              <a:rPr lang="en-US" sz="2400" dirty="0" err="1"/>
               <a:t>dapat</a:t>
             </a:r>
             <a:r>
-              <a:rPr lang="en-US" sz="2400" dirty="0" smtClean="0"/>
-              <a:t> </a:t>
-            </a:r>
-            <a:r>
-              <a:rPr lang="en-US" sz="2400" dirty="0" err="1" smtClean="0"/>
+              <a:rPr lang="en-US" sz="2400" dirty="0"/>
+              <a:t> </a:t>
+            </a:r>
+            <a:r>
+              <a:rPr lang="en-US" sz="2400" dirty="0" err="1"/>
               <a:t>dihapus</a:t>
             </a:r>
             <a:r>
-              <a:rPr lang="en-US" sz="2400" dirty="0" smtClean="0"/>
+              <a:rPr lang="en-US" sz="2400" dirty="0"/>
               <a:t>)</a:t>
             </a:r>
           </a:p>
@@ -7001,38 +6871,38 @@
             </a:lvl1pPr>
           </a:lstStyle>
           <a:p>
-            <a:pPr>
+            <a:pPr algn="ctr">
               <a:lnSpc>
                 <a:spcPct val="150000"/>
               </a:lnSpc>
             </a:pPr>
             <a:r>
-              <a:rPr lang="en-US" sz="4000" dirty="0" err="1" smtClean="0"/>
+              <a:rPr lang="en-US" sz="4000" dirty="0" err="1"/>
               <a:t>Tampilan</a:t>
             </a:r>
             <a:r>
-              <a:rPr lang="en-US" sz="4000" dirty="0" smtClean="0"/>
-              <a:t> </a:t>
-            </a:r>
-            <a:r>
-              <a:rPr lang="en-US" sz="4000" dirty="0" err="1" smtClean="0"/>
+              <a:rPr lang="en-US" sz="4000" dirty="0"/>
+              <a:t> </a:t>
+            </a:r>
+            <a:r>
+              <a:rPr lang="en-US" sz="4000" dirty="0" err="1"/>
               <a:t>Jadwal</a:t>
             </a:r>
             <a:r>
-              <a:rPr lang="en-US" sz="4000" dirty="0" smtClean="0"/>
-              <a:t> </a:t>
-            </a:r>
-            <a:r>
-              <a:rPr lang="en-US" sz="4000" dirty="0" err="1" smtClean="0"/>
+              <a:rPr lang="en-US" sz="4000" dirty="0"/>
+              <a:t> </a:t>
+            </a:r>
+            <a:r>
+              <a:rPr lang="en-US" sz="4000" dirty="0" err="1"/>
               <a:t>Sidang</a:t>
             </a:r>
             <a:r>
-              <a:rPr lang="en-US" sz="4000" dirty="0" smtClean="0"/>
-              <a:t> </a:t>
-            </a:r>
-            <a:r>
-              <a:rPr lang="en-US" sz="4000" dirty="0" err="1" smtClean="0"/>
-              <a:t>Dosen</a:t>
+              <a:rPr lang="en-US" sz="4000" dirty="0"/>
+              <a:t> </a:t>
+            </a:r>
+            <a:r>
+              <a:rPr lang="id-ID" sz="4000" dirty="0"/>
+              <a:t>Admin</a:t>
             </a:r>
             <a:endParaRPr lang="en-US" sz="4000" dirty="0"/>
           </a:p>
@@ -7048,13 +6918,6 @@
   <p:clrMapOvr>
     <a:masterClrMapping/>
   </p:clrMapOvr>
-  <p:timing>
-    <p:tnLst>
-      <p:par>
-        <p:cTn id="1" dur="indefinite" restart="never" nodeType="tmRoot"/>
-      </p:par>
-    </p:tnLst>
-  </p:timing>
 </p:sld>
 </file>
 
@@ -7125,22 +6988,21 @@
           <a:lstStyle/>
           <a:p>
             <a:r>
-              <a:rPr lang="en-US" dirty="0" err="1" smtClean="0"/>
+              <a:rPr lang="en-US" dirty="0" err="1"/>
               <a:t>Tampilan</a:t>
             </a:r>
             <a:r>
-              <a:rPr lang="en-US" dirty="0" smtClean="0"/>
-              <a:t> </a:t>
-            </a:r>
-            <a:r>
-              <a:rPr lang="en-US" dirty="0" err="1" smtClean="0"/>
+              <a:rPr lang="en-US" dirty="0"/>
+              <a:t> </a:t>
+            </a:r>
+            <a:r>
+              <a:rPr lang="en-US" dirty="0" err="1"/>
               <a:t>Tambah</a:t>
             </a:r>
             <a:r>
-              <a:rPr lang="en-US" dirty="0" smtClean="0"/>
+              <a:rPr lang="en-US" dirty="0"/>
               <a:t> User Admin</a:t>
             </a:r>
-            <a:endParaRPr lang="en-US" dirty="0"/>
           </a:p>
         </p:txBody>
       </p:sp>
@@ -7193,58 +7055,57 @@
               <a:buChar char="•"/>
             </a:pPr>
             <a:r>
-              <a:rPr lang="en-US" sz="2400" dirty="0" smtClean="0"/>
+              <a:rPr lang="en-US" sz="2400" dirty="0"/>
               <a:t>Admin </a:t>
             </a:r>
             <a:r>
-              <a:rPr lang="en-US" sz="2400" dirty="0" err="1" smtClean="0"/>
+              <a:rPr lang="en-US" sz="2400" dirty="0" err="1"/>
               <a:t>dapat</a:t>
             </a:r>
             <a:r>
-              <a:rPr lang="en-US" sz="2400" dirty="0" smtClean="0"/>
-              <a:t> </a:t>
-            </a:r>
-            <a:r>
-              <a:rPr lang="en-US" sz="2400" dirty="0" err="1" smtClean="0"/>
+              <a:rPr lang="en-US" sz="2400" dirty="0"/>
+              <a:t> </a:t>
+            </a:r>
+            <a:r>
+              <a:rPr lang="en-US" sz="2400" dirty="0" err="1"/>
               <a:t>menambah</a:t>
             </a:r>
             <a:r>
-              <a:rPr lang="en-US" sz="2400" dirty="0" smtClean="0"/>
+              <a:rPr lang="en-US" sz="2400" dirty="0"/>
               <a:t> user </a:t>
             </a:r>
             <a:r>
-              <a:rPr lang="en-US" sz="2400" dirty="0" err="1" smtClean="0"/>
+              <a:rPr lang="en-US" sz="2400" dirty="0" err="1"/>
               <a:t>baru</a:t>
             </a:r>
             <a:r>
-              <a:rPr lang="en-US" sz="2400" dirty="0" smtClean="0"/>
-              <a:t> </a:t>
-            </a:r>
-            <a:r>
-              <a:rPr lang="en-US" sz="2400" dirty="0" err="1" smtClean="0"/>
+              <a:rPr lang="en-US" sz="2400" dirty="0"/>
+              <a:t> </a:t>
+            </a:r>
+            <a:r>
+              <a:rPr lang="en-US" sz="2400" dirty="0" err="1"/>
               <a:t>melalui</a:t>
             </a:r>
             <a:r>
-              <a:rPr lang="en-US" sz="2400" dirty="0" smtClean="0"/>
-              <a:t> </a:t>
-            </a:r>
-            <a:r>
-              <a:rPr lang="en-US" sz="2400" dirty="0" err="1" smtClean="0"/>
+              <a:rPr lang="en-US" sz="2400" dirty="0"/>
+              <a:t> </a:t>
+            </a:r>
+            <a:r>
+              <a:rPr lang="en-US" sz="2400" dirty="0" err="1"/>
               <a:t>halaman</a:t>
             </a:r>
             <a:r>
-              <a:rPr lang="en-US" sz="2400" dirty="0" smtClean="0"/>
-              <a:t> </a:t>
-            </a:r>
-            <a:r>
-              <a:rPr lang="en-US" sz="2400" dirty="0" err="1" smtClean="0"/>
+              <a:rPr lang="en-US" sz="2400" dirty="0"/>
+              <a:t> </a:t>
+            </a:r>
+            <a:r>
+              <a:rPr lang="en-US" sz="2400" dirty="0" err="1"/>
               <a:t>tambah</a:t>
             </a:r>
             <a:r>
-              <a:rPr lang="en-US" sz="2400" dirty="0" smtClean="0"/>
+              <a:rPr lang="en-US" sz="2400" dirty="0"/>
               <a:t> user.</a:t>
             </a:r>
-            <a:endParaRPr lang="en-US" sz="2400" dirty="0"/>
           </a:p>
         </p:txBody>
       </p:sp>
@@ -7258,13 +7119,6 @@
   <p:clrMapOvr>
     <a:masterClrMapping/>
   </p:clrMapOvr>
-  <p:timing>
-    <p:tnLst>
-      <p:par>
-        <p:cTn id="1" dur="indefinite" restart="never" nodeType="tmRoot"/>
-      </p:par>
-    </p:tnLst>
-  </p:timing>
 </p:sld>
 </file>
 
@@ -7335,22 +7189,21 @@
           <a:lstStyle/>
           <a:p>
             <a:r>
-              <a:rPr lang="en-US" dirty="0" err="1" smtClean="0"/>
+              <a:rPr lang="en-US" dirty="0" err="1"/>
               <a:t>Tampilan</a:t>
             </a:r>
             <a:r>
-              <a:rPr lang="en-US" dirty="0" smtClean="0"/>
-              <a:t> </a:t>
-            </a:r>
-            <a:r>
-              <a:rPr lang="en-US" dirty="0" err="1" smtClean="0"/>
+              <a:rPr lang="en-US" dirty="0"/>
+              <a:t> </a:t>
+            </a:r>
+            <a:r>
+              <a:rPr lang="en-US" dirty="0" err="1"/>
               <a:t>Nilai</a:t>
             </a:r>
             <a:r>
-              <a:rPr lang="en-US" dirty="0" smtClean="0"/>
+              <a:rPr lang="en-US" dirty="0"/>
               <a:t> Admin</a:t>
             </a:r>
-            <a:endParaRPr lang="en-US" dirty="0"/>
           </a:p>
         </p:txBody>
       </p:sp>
@@ -7403,58 +7256,57 @@
               <a:buChar char="•"/>
             </a:pPr>
             <a:r>
-              <a:rPr lang="en-US" sz="2400" dirty="0" smtClean="0"/>
+              <a:rPr lang="en-US" sz="2400" dirty="0"/>
               <a:t>Admin </a:t>
             </a:r>
             <a:r>
-              <a:rPr lang="en-US" sz="2400" dirty="0" err="1" smtClean="0"/>
+              <a:rPr lang="en-US" sz="2400" dirty="0" err="1"/>
               <a:t>dapat</a:t>
             </a:r>
             <a:r>
-              <a:rPr lang="en-US" sz="2400" dirty="0" smtClean="0"/>
-              <a:t> </a:t>
-            </a:r>
-            <a:r>
-              <a:rPr lang="en-US" sz="2400" dirty="0" err="1" smtClean="0"/>
+              <a:rPr lang="en-US" sz="2400" dirty="0"/>
+              <a:t> </a:t>
+            </a:r>
+            <a:r>
+              <a:rPr lang="en-US" sz="2400" dirty="0" err="1"/>
               <a:t>melihat</a:t>
             </a:r>
             <a:r>
-              <a:rPr lang="en-US" sz="2400" dirty="0" smtClean="0"/>
-              <a:t> </a:t>
-            </a:r>
-            <a:r>
-              <a:rPr lang="en-US" sz="2400" dirty="0" err="1" smtClean="0"/>
+              <a:rPr lang="en-US" sz="2400" dirty="0"/>
+              <a:t> </a:t>
+            </a:r>
+            <a:r>
+              <a:rPr lang="en-US" sz="2400" dirty="0" err="1"/>
               <a:t>nilai</a:t>
             </a:r>
             <a:r>
-              <a:rPr lang="en-US" sz="2400" dirty="0" smtClean="0"/>
+              <a:rPr lang="en-US" sz="2400" dirty="0"/>
               <a:t> yang </a:t>
             </a:r>
             <a:r>
-              <a:rPr lang="en-US" sz="2400" dirty="0" err="1" smtClean="0"/>
+              <a:rPr lang="en-US" sz="2400" dirty="0" err="1"/>
               <a:t>telah</a:t>
             </a:r>
             <a:r>
-              <a:rPr lang="en-US" sz="2400" dirty="0" smtClean="0"/>
+              <a:rPr lang="en-US" sz="2400" dirty="0"/>
               <a:t> di input </a:t>
             </a:r>
             <a:r>
-              <a:rPr lang="en-US" sz="2400" dirty="0" err="1" smtClean="0"/>
+              <a:rPr lang="en-US" sz="2400" dirty="0" err="1"/>
               <a:t>oleh</a:t>
             </a:r>
             <a:r>
-              <a:rPr lang="en-US" sz="2400" dirty="0" smtClean="0"/>
-              <a:t> </a:t>
-            </a:r>
-            <a:r>
-              <a:rPr lang="en-US" sz="2400" dirty="0" err="1" smtClean="0"/>
+              <a:rPr lang="en-US" sz="2400" dirty="0"/>
+              <a:t> </a:t>
+            </a:r>
+            <a:r>
+              <a:rPr lang="en-US" sz="2400" dirty="0" err="1"/>
               <a:t>dosen</a:t>
             </a:r>
             <a:r>
-              <a:rPr lang="en-US" sz="2400" dirty="0" smtClean="0"/>
+              <a:rPr lang="en-US" sz="2400" dirty="0"/>
               <a:t>.</a:t>
             </a:r>
-            <a:endParaRPr lang="en-US" sz="2400" dirty="0"/>
           </a:p>
         </p:txBody>
       </p:sp>
@@ -7468,13 +7320,6 @@
   <p:clrMapOvr>
     <a:masterClrMapping/>
   </p:clrMapOvr>
-  <p:timing>
-    <p:tnLst>
-      <p:par>
-        <p:cTn id="1" dur="indefinite" restart="never" nodeType="tmRoot"/>
-      </p:par>
-    </p:tnLst>
-  </p:timing>
 </p:sld>
 </file>
 
@@ -7511,14 +7356,17 @@
           <a:lstStyle/>
           <a:p>
             <a:r>
-              <a:rPr lang="en-US" dirty="0" smtClean="0"/>
+              <a:rPr lang="en-US" dirty="0"/>
               <a:t>PANDUAN WEBSITE FIT UNTUK </a:t>
             </a:r>
             <a:r>
-              <a:rPr lang="en-US" dirty="0" smtClean="0"/>
-              <a:t>DOSEN LUAR IT</a:t>
-            </a:r>
-            <a:endParaRPr lang="en-US" dirty="0"/>
+              <a:rPr lang="id-ID" dirty="0"/>
+              <a:t>USER</a:t>
+            </a:r>
+            <a:r>
+              <a:rPr lang="en-US" dirty="0"/>
+              <a:t> LUAR IT</a:t>
+            </a:r>
           </a:p>
         </p:txBody>
       </p:sp>
@@ -7538,55 +7386,55 @@
           <a:lstStyle/>
           <a:p>
             <a:r>
-              <a:rPr lang="en-US" dirty="0" err="1" smtClean="0"/>
+              <a:rPr lang="en-US" dirty="0" err="1"/>
               <a:t>Dibuat</a:t>
             </a:r>
             <a:r>
-              <a:rPr lang="en-US" dirty="0" smtClean="0"/>
-              <a:t> </a:t>
-            </a:r>
-            <a:r>
-              <a:rPr lang="en-US" dirty="0" err="1" smtClean="0"/>
+              <a:rPr lang="en-US" dirty="0"/>
+              <a:t> </a:t>
+            </a:r>
+            <a:r>
+              <a:rPr lang="en-US" dirty="0" err="1"/>
               <a:t>Oleh</a:t>
             </a:r>
             <a:r>
-              <a:rPr lang="en-US" dirty="0" smtClean="0"/>
+              <a:rPr lang="en-US" dirty="0"/>
               <a:t> Tim </a:t>
             </a:r>
             <a:r>
-              <a:rPr lang="en-US" dirty="0" err="1" smtClean="0"/>
+              <a:rPr lang="en-US" dirty="0" err="1"/>
               <a:t>Kerja</a:t>
             </a:r>
             <a:r>
-              <a:rPr lang="en-US" dirty="0" smtClean="0"/>
-              <a:t> </a:t>
-            </a:r>
-            <a:r>
-              <a:rPr lang="en-US" dirty="0" err="1" smtClean="0"/>
+              <a:rPr lang="en-US" dirty="0"/>
+              <a:t> </a:t>
+            </a:r>
+            <a:r>
+              <a:rPr lang="en-US" dirty="0" err="1"/>
               <a:t>Praktek</a:t>
             </a:r>
             <a:r>
-              <a:rPr lang="en-US" dirty="0" smtClean="0"/>
+              <a:rPr lang="en-US" dirty="0"/>
               <a:t> 3 </a:t>
             </a:r>
             <a:r>
-              <a:rPr lang="en-US" dirty="0" err="1" smtClean="0"/>
+              <a:rPr lang="en-US" dirty="0" err="1"/>
               <a:t>Departemen</a:t>
             </a:r>
             <a:r>
-              <a:rPr lang="en-US" dirty="0" smtClean="0"/>
-              <a:t> </a:t>
-            </a:r>
-            <a:r>
-              <a:rPr lang="en-US" dirty="0" err="1" smtClean="0"/>
+              <a:rPr lang="en-US" dirty="0"/>
+              <a:t> </a:t>
+            </a:r>
+            <a:r>
+              <a:rPr lang="en-US" dirty="0" err="1"/>
               <a:t>Teknologi</a:t>
             </a:r>
             <a:r>
-              <a:rPr lang="en-US" dirty="0" smtClean="0"/>
-              <a:t> </a:t>
-            </a:r>
-            <a:r>
-              <a:rPr lang="en-US" dirty="0" err="1" smtClean="0"/>
+              <a:rPr lang="en-US" dirty="0"/>
+              <a:t> </a:t>
+            </a:r>
+            <a:r>
+              <a:rPr lang="en-US" dirty="0" err="1"/>
               <a:t>Informasi</a:t>
             </a:r>
             <a:endParaRPr lang="en-US" dirty="0"/>
@@ -7679,34 +7527,33 @@
           <a:lstStyle/>
           <a:p>
             <a:r>
-              <a:rPr lang="en-US" dirty="0" smtClean="0"/>
+              <a:rPr lang="en-US" dirty="0"/>
               <a:t>Navigation Bar </a:t>
             </a:r>
             <a:r>
-              <a:rPr lang="en-US" dirty="0" err="1" smtClean="0"/>
+              <a:rPr lang="en-US" dirty="0" err="1"/>
               <a:t>untuk</a:t>
             </a:r>
             <a:r>
-              <a:rPr lang="en-US" dirty="0" smtClean="0"/>
-              <a:t> </a:t>
-            </a:r>
-            <a:r>
-              <a:rPr lang="en-US" dirty="0" err="1" smtClean="0"/>
-              <a:t>Dosen</a:t>
-            </a:r>
-            <a:r>
-              <a:rPr lang="en-US" dirty="0" smtClean="0"/>
-              <a:t> </a:t>
-            </a:r>
-            <a:r>
-              <a:rPr lang="en-US" dirty="0" err="1" smtClean="0"/>
+              <a:rPr lang="en-US" dirty="0"/>
+              <a:t> </a:t>
+            </a:r>
+            <a:r>
+              <a:rPr lang="id-ID" dirty="0"/>
+              <a:t>User</a:t>
+            </a:r>
+            <a:r>
+              <a:rPr lang="en-US" dirty="0"/>
+              <a:t> </a:t>
+            </a:r>
+            <a:r>
+              <a:rPr lang="en-US" dirty="0" err="1"/>
               <a:t>Luar</a:t>
             </a:r>
             <a:r>
-              <a:rPr lang="en-US" dirty="0" smtClean="0"/>
+              <a:rPr lang="en-US" dirty="0"/>
               <a:t> IT</a:t>
             </a:r>
-            <a:endParaRPr lang="en-US" dirty="0"/>
           </a:p>
         </p:txBody>
       </p:sp>
@@ -7733,236 +7580,229 @@
           <a:lstStyle/>
           <a:p>
             <a:r>
-              <a:rPr lang="en-US" sz="2600" dirty="0" smtClean="0"/>
+              <a:rPr lang="en-US" sz="2600" dirty="0"/>
               <a:t>Dashboard, </a:t>
             </a:r>
             <a:r>
-              <a:rPr lang="en-US" sz="2600" dirty="0" err="1" smtClean="0"/>
+              <a:rPr lang="en-US" sz="2600" dirty="0" err="1"/>
               <a:t>halaman</a:t>
             </a:r>
             <a:r>
-              <a:rPr lang="en-US" sz="2600" dirty="0" smtClean="0"/>
+              <a:rPr lang="en-US" sz="2600" dirty="0"/>
               <a:t> yang </a:t>
             </a:r>
             <a:r>
-              <a:rPr lang="en-US" sz="2600" dirty="0" err="1" smtClean="0"/>
+              <a:rPr lang="en-US" sz="2600" dirty="0" err="1"/>
               <a:t>akan</a:t>
             </a:r>
             <a:r>
-              <a:rPr lang="en-US" sz="2600" dirty="0" smtClean="0"/>
-              <a:t> </a:t>
-            </a:r>
-            <a:r>
-              <a:rPr lang="en-US" sz="2600" dirty="0" err="1" smtClean="0"/>
+              <a:rPr lang="en-US" sz="2600" dirty="0"/>
+              <a:t> </a:t>
+            </a:r>
+            <a:r>
+              <a:rPr lang="en-US" sz="2600" dirty="0" err="1"/>
               <a:t>menunjukan</a:t>
             </a:r>
             <a:r>
-              <a:rPr lang="en-US" sz="2600" dirty="0" smtClean="0"/>
+              <a:rPr lang="en-US" sz="2600" dirty="0"/>
               <a:t> list </a:t>
             </a:r>
             <a:r>
-              <a:rPr lang="en-US" sz="2600" dirty="0" err="1" smtClean="0"/>
+              <a:rPr lang="en-US" sz="2600" dirty="0" err="1"/>
               <a:t>tawaran</a:t>
             </a:r>
             <a:r>
-              <a:rPr lang="en-US" sz="2600" dirty="0" smtClean="0"/>
-              <a:t> </a:t>
-            </a:r>
-            <a:r>
-              <a:rPr lang="en-US" sz="2600" dirty="0" err="1" smtClean="0"/>
+              <a:rPr lang="en-US" sz="2600" dirty="0"/>
+              <a:t> </a:t>
+            </a:r>
+            <a:r>
+              <a:rPr lang="en-US" sz="2600" dirty="0" err="1"/>
               <a:t>judul</a:t>
             </a:r>
             <a:r>
-              <a:rPr lang="en-US" sz="2600" dirty="0" smtClean="0"/>
-              <a:t> </a:t>
-            </a:r>
-            <a:r>
-              <a:rPr lang="en-US" sz="2600" dirty="0" err="1" smtClean="0"/>
+              <a:rPr lang="en-US" sz="2600" dirty="0"/>
+              <a:t> </a:t>
+            </a:r>
+            <a:r>
+              <a:rPr lang="en-US" sz="2600" dirty="0" err="1"/>
               <a:t>dari</a:t>
             </a:r>
             <a:r>
-              <a:rPr lang="en-US" sz="2600" dirty="0" smtClean="0"/>
-              <a:t> </a:t>
-            </a:r>
-            <a:r>
-              <a:rPr lang="en-US" sz="2600" dirty="0" err="1" smtClean="0"/>
+              <a:rPr lang="en-US" sz="2600" dirty="0"/>
+              <a:t> </a:t>
+            </a:r>
+            <a:r>
+              <a:rPr lang="en-US" sz="2600" dirty="0" err="1"/>
               <a:t>dosen</a:t>
             </a:r>
             <a:r>
-              <a:rPr lang="en-US" sz="2600" dirty="0" smtClean="0"/>
-              <a:t> </a:t>
-            </a:r>
-            <a:r>
-              <a:rPr lang="en-US" sz="2600" dirty="0" err="1" smtClean="0"/>
+              <a:rPr lang="en-US" sz="2600" dirty="0"/>
+              <a:t> </a:t>
+            </a:r>
+            <a:r>
+              <a:rPr lang="en-US" sz="2600" dirty="0" err="1"/>
               <a:t>dan</a:t>
             </a:r>
             <a:r>
-              <a:rPr lang="en-US" sz="2600" dirty="0" smtClean="0"/>
-              <a:t> </a:t>
-            </a:r>
-            <a:r>
-              <a:rPr lang="en-US" sz="2600" dirty="0" err="1" smtClean="0"/>
+              <a:rPr lang="en-US" sz="2600" dirty="0"/>
+              <a:t> </a:t>
+            </a:r>
+            <a:r>
+              <a:rPr lang="en-US" sz="2600" dirty="0" err="1"/>
               <a:t>jadwal</a:t>
             </a:r>
             <a:r>
-              <a:rPr lang="en-US" sz="2600" dirty="0" smtClean="0"/>
-              <a:t> </a:t>
-            </a:r>
-            <a:r>
-              <a:rPr lang="en-US" sz="2600" dirty="0" err="1" smtClean="0"/>
+              <a:rPr lang="en-US" sz="2600" dirty="0"/>
+              <a:t> </a:t>
+            </a:r>
+            <a:r>
+              <a:rPr lang="en-US" sz="2600" dirty="0" err="1"/>
               <a:t>sidang</a:t>
             </a:r>
             <a:r>
-              <a:rPr lang="en-US" sz="2600" dirty="0" smtClean="0"/>
+              <a:rPr lang="en-US" sz="2600" dirty="0"/>
               <a:t>.</a:t>
             </a:r>
-            <a:endParaRPr lang="en-US" sz="2600" dirty="0" smtClean="0"/>
-          </a:p>
-          <a:p>
-            <a:r>
-              <a:rPr lang="en-US" sz="2600" dirty="0" err="1" smtClean="0"/>
+          </a:p>
+          <a:p>
+            <a:r>
+              <a:rPr lang="en-US" sz="2600" dirty="0" err="1"/>
               <a:t>Lobi</a:t>
             </a:r>
             <a:r>
-              <a:rPr lang="en-US" sz="2600" dirty="0" smtClean="0"/>
+              <a:rPr lang="en-US" sz="2600" dirty="0"/>
               <a:t>, </a:t>
             </a:r>
             <a:r>
-              <a:rPr lang="en-US" sz="2600" dirty="0" err="1" smtClean="0"/>
+              <a:rPr lang="en-US" sz="2600" dirty="0" err="1"/>
               <a:t>halaman</a:t>
             </a:r>
             <a:r>
-              <a:rPr lang="en-US" sz="2600" dirty="0" smtClean="0"/>
-              <a:t> </a:t>
-            </a:r>
-            <a:r>
-              <a:rPr lang="en-US" sz="2600" dirty="0" err="1" smtClean="0"/>
+              <a:rPr lang="en-US" sz="2600" dirty="0"/>
+              <a:t> </a:t>
+            </a:r>
+            <a:r>
+              <a:rPr lang="en-US" sz="2600" dirty="0" err="1"/>
               <a:t>melihat</a:t>
             </a:r>
             <a:r>
-              <a:rPr lang="en-US" sz="2600" dirty="0" smtClean="0"/>
-              <a:t> </a:t>
-            </a:r>
-            <a:r>
-              <a:rPr lang="en-US" sz="2600" dirty="0" smtClean="0"/>
-              <a:t>logbook </a:t>
-            </a:r>
-            <a:r>
-              <a:rPr lang="en-US" sz="2600" dirty="0" err="1" smtClean="0"/>
+              <a:rPr lang="en-US" sz="2600" dirty="0"/>
+              <a:t> logbook </a:t>
+            </a:r>
+            <a:r>
+              <a:rPr lang="en-US" sz="2600" dirty="0" err="1"/>
               <a:t>bimbingan</a:t>
             </a:r>
             <a:r>
-              <a:rPr lang="en-US" sz="2600" dirty="0" smtClean="0"/>
-              <a:t> </a:t>
-            </a:r>
-            <a:r>
-              <a:rPr lang="en-US" sz="2600" dirty="0" err="1" smtClean="0"/>
+              <a:rPr lang="en-US" sz="2600" dirty="0"/>
+              <a:t> </a:t>
+            </a:r>
+            <a:r>
+              <a:rPr lang="en-US" sz="2600" dirty="0" err="1"/>
               <a:t>mahasiswa</a:t>
             </a:r>
             <a:r>
-              <a:rPr lang="en-US" sz="2600" dirty="0" smtClean="0"/>
+              <a:rPr lang="en-US" sz="2600" dirty="0"/>
               <a:t> yang </a:t>
             </a:r>
             <a:r>
-              <a:rPr lang="en-US" sz="2600" dirty="0" err="1" smtClean="0"/>
+              <a:rPr lang="en-US" sz="2600" dirty="0" err="1"/>
               <a:t>jadi</a:t>
             </a:r>
             <a:r>
-              <a:rPr lang="en-US" sz="2600" dirty="0" smtClean="0"/>
-              <a:t> </a:t>
-            </a:r>
-            <a:r>
-              <a:rPr lang="en-US" sz="2600" dirty="0" err="1" smtClean="0"/>
+              <a:rPr lang="en-US" sz="2600" dirty="0"/>
+              <a:t> </a:t>
+            </a:r>
+            <a:r>
+              <a:rPr lang="en-US" sz="2600" dirty="0" err="1"/>
               <a:t>bimbingannya</a:t>
             </a:r>
             <a:r>
-              <a:rPr lang="en-US" sz="2600" dirty="0" smtClean="0"/>
+              <a:rPr lang="en-US" sz="2600" dirty="0"/>
               <a:t>.</a:t>
             </a:r>
-            <a:endParaRPr lang="en-US" sz="2600" dirty="0" smtClean="0"/>
-          </a:p>
-          <a:p>
-            <a:r>
-              <a:rPr lang="en-US" sz="2600" dirty="0" err="1" smtClean="0"/>
+          </a:p>
+          <a:p>
+            <a:r>
+              <a:rPr lang="en-US" sz="2600" dirty="0" err="1"/>
               <a:t>Penilaian</a:t>
             </a:r>
             <a:r>
-              <a:rPr lang="en-US" sz="2600" dirty="0" smtClean="0"/>
+              <a:rPr lang="en-US" sz="2600" dirty="0"/>
               <a:t>, </a:t>
             </a:r>
             <a:r>
-              <a:rPr lang="en-US" sz="2600" dirty="0" err="1" smtClean="0"/>
+              <a:rPr lang="en-US" sz="2600" dirty="0" err="1"/>
               <a:t>halaman</a:t>
             </a:r>
             <a:r>
-              <a:rPr lang="en-US" sz="2600" dirty="0" smtClean="0"/>
-              <a:t> </a:t>
-            </a:r>
-            <a:r>
-              <a:rPr lang="en-US" sz="2600" dirty="0" err="1" smtClean="0"/>
+              <a:rPr lang="en-US" sz="2600" dirty="0"/>
+              <a:t> </a:t>
+            </a:r>
+            <a:r>
+              <a:rPr lang="en-US" sz="2600" dirty="0" err="1"/>
               <a:t>untuk</a:t>
             </a:r>
             <a:r>
-              <a:rPr lang="en-US" sz="2600" dirty="0" smtClean="0"/>
-              <a:t> </a:t>
-            </a:r>
-            <a:r>
-              <a:rPr lang="en-US" sz="2600" dirty="0" err="1" smtClean="0"/>
+              <a:rPr lang="en-US" sz="2600" dirty="0"/>
+              <a:t> </a:t>
+            </a:r>
+            <a:r>
+              <a:rPr lang="en-US" sz="2600" dirty="0" err="1"/>
               <a:t>bisa</a:t>
             </a:r>
             <a:r>
-              <a:rPr lang="en-US" sz="2600" dirty="0" smtClean="0"/>
-              <a:t> </a:t>
-            </a:r>
-            <a:r>
-              <a:rPr lang="en-US" sz="2600" dirty="0" err="1" smtClean="0"/>
+              <a:rPr lang="en-US" sz="2600" dirty="0"/>
+              <a:t> </a:t>
+            </a:r>
+            <a:r>
+              <a:rPr lang="en-US" sz="2600" dirty="0" err="1"/>
               <a:t>menilai</a:t>
             </a:r>
             <a:r>
-              <a:rPr lang="en-US" sz="2600" dirty="0" smtClean="0"/>
-              <a:t> </a:t>
-            </a:r>
-            <a:r>
-              <a:rPr lang="en-US" sz="2600" dirty="0" err="1" smtClean="0"/>
+              <a:rPr lang="en-US" sz="2600" dirty="0"/>
+              <a:t> </a:t>
+            </a:r>
+            <a:r>
+              <a:rPr lang="en-US" sz="2600" dirty="0" err="1"/>
               <a:t>sebagai</a:t>
             </a:r>
             <a:r>
-              <a:rPr lang="en-US" sz="2600" dirty="0" smtClean="0"/>
-              <a:t> </a:t>
-            </a:r>
-            <a:r>
-              <a:rPr lang="en-US" sz="2600" dirty="0" err="1" smtClean="0"/>
+              <a:rPr lang="en-US" sz="2600" dirty="0"/>
+              <a:t> </a:t>
+            </a:r>
+            <a:r>
+              <a:rPr lang="en-US" sz="2600" dirty="0" err="1"/>
               <a:t>Pembimbing</a:t>
             </a:r>
             <a:r>
-              <a:rPr lang="en-US" sz="2600" dirty="0" smtClean="0"/>
+              <a:rPr lang="en-US" sz="2600" dirty="0"/>
               <a:t>/</a:t>
             </a:r>
             <a:r>
-              <a:rPr lang="en-US" sz="2600" dirty="0" err="1" smtClean="0"/>
+              <a:rPr lang="en-US" sz="2600" dirty="0" err="1"/>
               <a:t>penguji</a:t>
             </a:r>
             <a:r>
-              <a:rPr lang="en-US" sz="2600" dirty="0" smtClean="0"/>
-              <a:t> </a:t>
-            </a:r>
-            <a:r>
-              <a:rPr lang="en-US" sz="2600" dirty="0" err="1" smtClean="0"/>
+              <a:rPr lang="en-US" sz="2600" dirty="0"/>
+              <a:t> </a:t>
+            </a:r>
+            <a:r>
+              <a:rPr lang="en-US" sz="2600" dirty="0" err="1"/>
               <a:t>saat</a:t>
             </a:r>
             <a:r>
-              <a:rPr lang="en-US" sz="2600" dirty="0" smtClean="0"/>
-              <a:t> </a:t>
-            </a:r>
-            <a:r>
-              <a:rPr lang="en-US" sz="2600" dirty="0" err="1" smtClean="0"/>
+              <a:rPr lang="en-US" sz="2600" dirty="0"/>
+              <a:t> </a:t>
+            </a:r>
+            <a:r>
+              <a:rPr lang="en-US" sz="2600" dirty="0" err="1"/>
               <a:t>sidang</a:t>
             </a:r>
             <a:r>
-              <a:rPr lang="en-US" sz="2600" dirty="0" smtClean="0"/>
+              <a:rPr lang="en-US" sz="2600" dirty="0"/>
               <a:t>.</a:t>
             </a:r>
-            <a:endParaRPr lang="en-US" sz="2600" dirty="0" smtClean="0"/>
           </a:p>
         </p:txBody>
       </p:sp>
@@ -8075,13 +7915,6 @@
   <p:clrMapOvr>
     <a:masterClrMapping/>
   </p:clrMapOvr>
-  <p:timing>
-    <p:tnLst>
-      <p:par>
-        <p:cTn id="1" dur="indefinite" restart="never" nodeType="tmRoot"/>
-      </p:par>
-    </p:tnLst>
-  </p:timing>
 </p:sld>
 </file>
 
@@ -8152,18 +7985,13 @@
           <a:lstStyle/>
           <a:p>
             <a:r>
-              <a:rPr lang="en-US" dirty="0" err="1" smtClean="0"/>
+              <a:rPr lang="en-US" dirty="0" err="1"/>
               <a:t>Tampilan</a:t>
             </a:r>
             <a:r>
-              <a:rPr lang="en-US" dirty="0" smtClean="0"/>
-              <a:t> </a:t>
-            </a:r>
-            <a:r>
-              <a:rPr lang="en-US" dirty="0" smtClean="0"/>
-              <a:t>Dashboard User External</a:t>
-            </a:r>
-            <a:endParaRPr lang="en-US" dirty="0"/>
+              <a:rPr lang="en-US" dirty="0"/>
+              <a:t> Dashboard User External</a:t>
+            </a:r>
           </a:p>
         </p:txBody>
       </p:sp>
@@ -8216,51 +8044,47 @@
               <a:buChar char="•"/>
             </a:pPr>
             <a:r>
-              <a:rPr lang="en-US" sz="2400" dirty="0" smtClean="0"/>
+              <a:rPr lang="en-US" sz="2400" dirty="0"/>
               <a:t>User External </a:t>
             </a:r>
             <a:r>
-              <a:rPr lang="en-US" sz="2400" dirty="0" err="1" smtClean="0"/>
+              <a:rPr lang="en-US" sz="2400" dirty="0" err="1"/>
               <a:t>dapat</a:t>
             </a:r>
             <a:r>
               <a:rPr lang="en-US" sz="2400" dirty="0"/>
-              <a:t> </a:t>
-            </a:r>
-            <a:r>
-              <a:rPr lang="en-US" sz="2400" dirty="0" smtClean="0"/>
-              <a:t>input </a:t>
-            </a:r>
-            <a:r>
-              <a:rPr lang="en-US" sz="2400" dirty="0" err="1" smtClean="0"/>
+              <a:t> input </a:t>
+            </a:r>
+            <a:r>
+              <a:rPr lang="en-US" sz="2400" dirty="0" err="1"/>
               <a:t>tawaran</a:t>
             </a:r>
             <a:r>
-              <a:rPr lang="en-US" sz="2400" dirty="0" smtClean="0"/>
-              <a:t> </a:t>
-            </a:r>
-            <a:r>
-              <a:rPr lang="en-US" sz="2400" dirty="0" err="1" smtClean="0"/>
+              <a:rPr lang="en-US" sz="2400" dirty="0"/>
+              <a:t> </a:t>
+            </a:r>
+            <a:r>
+              <a:rPr lang="en-US" sz="2400" dirty="0" err="1"/>
               <a:t>judul</a:t>
             </a:r>
             <a:r>
-              <a:rPr lang="en-US" sz="2400" dirty="0" smtClean="0"/>
-              <a:t> </a:t>
-            </a:r>
-            <a:r>
-              <a:rPr lang="en-US" sz="2400" dirty="0" err="1" smtClean="0"/>
+              <a:rPr lang="en-US" sz="2400" dirty="0"/>
+              <a:t> </a:t>
+            </a:r>
+            <a:r>
+              <a:rPr lang="en-US" sz="2400" dirty="0" err="1"/>
               <a:t>tugas</a:t>
             </a:r>
             <a:r>
-              <a:rPr lang="en-US" sz="2400" dirty="0" smtClean="0"/>
-              <a:t> </a:t>
-            </a:r>
-            <a:r>
-              <a:rPr lang="en-US" sz="2400" dirty="0" err="1" smtClean="0"/>
+              <a:rPr lang="en-US" sz="2400" dirty="0"/>
+              <a:t> </a:t>
+            </a:r>
+            <a:r>
+              <a:rPr lang="en-US" sz="2400" dirty="0" err="1"/>
               <a:t>akhir</a:t>
             </a:r>
             <a:r>
-              <a:rPr lang="en-US" sz="2400" dirty="0" smtClean="0"/>
+              <a:rPr lang="en-US" sz="2400" dirty="0"/>
               <a:t>.</a:t>
             </a:r>
           </a:p>
@@ -8273,42 +8097,41 @@
               <a:buChar char="•"/>
             </a:pPr>
             <a:r>
-              <a:rPr lang="en-US" sz="2400" dirty="0" smtClean="0"/>
+              <a:rPr lang="en-US" sz="2400" dirty="0"/>
               <a:t>User External </a:t>
             </a:r>
             <a:r>
-              <a:rPr lang="en-US" sz="2400" dirty="0" err="1" smtClean="0"/>
+              <a:rPr lang="en-US" sz="2400" dirty="0" err="1"/>
               <a:t>dapat</a:t>
             </a:r>
             <a:r>
-              <a:rPr lang="en-US" sz="2400" dirty="0" smtClean="0"/>
-              <a:t> </a:t>
-            </a:r>
-            <a:r>
-              <a:rPr lang="en-US" sz="2400" dirty="0" err="1" smtClean="0"/>
+              <a:rPr lang="en-US" sz="2400" dirty="0"/>
+              <a:t> </a:t>
+            </a:r>
+            <a:r>
+              <a:rPr lang="en-US" sz="2400" dirty="0" err="1"/>
               <a:t>melihat</a:t>
             </a:r>
             <a:r>
-              <a:rPr lang="en-US" sz="2400" dirty="0" smtClean="0"/>
-              <a:t> </a:t>
-            </a:r>
-            <a:r>
-              <a:rPr lang="en-US" sz="2400" dirty="0" err="1" smtClean="0"/>
+              <a:rPr lang="en-US" sz="2400" dirty="0"/>
+              <a:t> </a:t>
+            </a:r>
+            <a:r>
+              <a:rPr lang="en-US" sz="2400" dirty="0" err="1"/>
               <a:t>jadwal</a:t>
             </a:r>
             <a:r>
-              <a:rPr lang="en-US" sz="2400" dirty="0" smtClean="0"/>
-              <a:t> </a:t>
-            </a:r>
-            <a:r>
-              <a:rPr lang="en-US" sz="2400" dirty="0" err="1" smtClean="0"/>
+              <a:rPr lang="en-US" sz="2400" dirty="0"/>
+              <a:t> </a:t>
+            </a:r>
+            <a:r>
+              <a:rPr lang="en-US" sz="2400" dirty="0" err="1"/>
               <a:t>sidang</a:t>
             </a:r>
             <a:r>
-              <a:rPr lang="en-US" sz="2400" dirty="0" smtClean="0"/>
+              <a:rPr lang="en-US" sz="2400" dirty="0"/>
               <a:t>.</a:t>
             </a:r>
-            <a:endParaRPr lang="en-US" sz="2400" dirty="0"/>
           </a:p>
         </p:txBody>
       </p:sp>
@@ -8322,13 +8145,6 @@
   <p:clrMapOvr>
     <a:masterClrMapping/>
   </p:clrMapOvr>
-  <p:timing>
-    <p:tnLst>
-      <p:par>
-        <p:cTn id="1" dur="indefinite" restart="never" nodeType="tmRoot"/>
-      </p:par>
-    </p:tnLst>
-  </p:timing>
 </p:sld>
 </file>
 
@@ -8399,18 +8215,13 @@
           <a:lstStyle/>
           <a:p>
             <a:r>
-              <a:rPr lang="en-US" dirty="0" err="1" smtClean="0"/>
+              <a:rPr lang="en-US" dirty="0" err="1"/>
               <a:t>Tampilan</a:t>
             </a:r>
             <a:r>
-              <a:rPr lang="en-US" dirty="0" smtClean="0"/>
-              <a:t> </a:t>
-            </a:r>
-            <a:r>
-              <a:rPr lang="en-US" dirty="0" smtClean="0"/>
-              <a:t>Dashboard User External</a:t>
-            </a:r>
-            <a:endParaRPr lang="en-US" dirty="0"/>
+              <a:rPr lang="en-US" dirty="0"/>
+              <a:t> Dashboard User External</a:t>
+            </a:r>
           </a:p>
         </p:txBody>
       </p:sp>
@@ -8463,11 +8274,11 @@
               <a:buChar char="•"/>
             </a:pPr>
             <a:r>
-              <a:rPr lang="en-US" sz="2400" dirty="0" smtClean="0"/>
+              <a:rPr lang="en-US" sz="2400" dirty="0"/>
               <a:t>User External </a:t>
             </a:r>
             <a:r>
-              <a:rPr lang="en-US" sz="2400" dirty="0" err="1" smtClean="0"/>
+              <a:rPr lang="en-US" sz="2400" dirty="0" err="1"/>
               <a:t>dapat</a:t>
             </a:r>
             <a:r>
@@ -8475,27 +8286,27 @@
               <a:t> </a:t>
             </a:r>
             <a:r>
-              <a:rPr lang="en-US" sz="2400" dirty="0" err="1" smtClean="0"/>
+              <a:rPr lang="en-US" sz="2400" dirty="0" err="1"/>
               <a:t>malihat</a:t>
             </a:r>
             <a:r>
-              <a:rPr lang="en-US" sz="2400" dirty="0" smtClean="0"/>
+              <a:rPr lang="en-US" sz="2400" dirty="0"/>
               <a:t> log book </a:t>
             </a:r>
             <a:r>
-              <a:rPr lang="en-US" sz="2400" dirty="0" err="1" smtClean="0"/>
+              <a:rPr lang="en-US" sz="2400" dirty="0" err="1"/>
               <a:t>mahasiswa</a:t>
             </a:r>
             <a:r>
-              <a:rPr lang="en-US" sz="2400" dirty="0" smtClean="0"/>
-              <a:t> </a:t>
-            </a:r>
-            <a:r>
-              <a:rPr lang="en-US" sz="2400" dirty="0" err="1" smtClean="0"/>
+              <a:rPr lang="en-US" sz="2400" dirty="0"/>
+              <a:t> </a:t>
+            </a:r>
+            <a:r>
+              <a:rPr lang="en-US" sz="2400" dirty="0" err="1"/>
               <a:t>bimbingan</a:t>
             </a:r>
             <a:r>
-              <a:rPr lang="en-US" sz="2400" dirty="0" smtClean="0"/>
+              <a:rPr lang="en-US" sz="2400" dirty="0"/>
               <a:t>.</a:t>
             </a:r>
           </a:p>
@@ -8511,13 +8322,6 @@
   <p:clrMapOvr>
     <a:masterClrMapping/>
   </p:clrMapOvr>
-  <p:timing>
-    <p:tnLst>
-      <p:par>
-        <p:cTn id="1" dur="indefinite" restart="never" nodeType="tmRoot"/>
-      </p:par>
-    </p:tnLst>
-  </p:timing>
 </p:sld>
 </file>
 
@@ -8660,51 +8464,51 @@
               <a:buChar char="•"/>
             </a:pPr>
             <a:r>
-              <a:rPr lang="en-US" sz="2400" dirty="0" smtClean="0"/>
+              <a:rPr lang="en-US" sz="2400" dirty="0"/>
               <a:t>User External </a:t>
             </a:r>
             <a:r>
-              <a:rPr lang="en-US" sz="2400" dirty="0" err="1" smtClean="0"/>
+              <a:rPr lang="en-US" sz="2400" dirty="0" err="1"/>
               <a:t>masukan</a:t>
             </a:r>
             <a:r>
-              <a:rPr lang="en-US" sz="2400" dirty="0" smtClean="0"/>
-              <a:t> </a:t>
-            </a:r>
-            <a:r>
-              <a:rPr lang="en-US" sz="2400" dirty="0" err="1" smtClean="0"/>
+              <a:rPr lang="en-US" sz="2400" dirty="0"/>
+              <a:t> </a:t>
+            </a:r>
+            <a:r>
+              <a:rPr lang="en-US" sz="2400" dirty="0" err="1"/>
               <a:t>nilai</a:t>
             </a:r>
             <a:r>
-              <a:rPr lang="en-US" sz="2400" dirty="0" smtClean="0"/>
-              <a:t> </a:t>
-            </a:r>
-            <a:r>
-              <a:rPr lang="en-US" sz="2400" dirty="0" err="1" smtClean="0"/>
+              <a:rPr lang="en-US" sz="2400" dirty="0"/>
+              <a:t> </a:t>
+            </a:r>
+            <a:r>
+              <a:rPr lang="en-US" sz="2400" dirty="0" err="1"/>
               <a:t>sidang</a:t>
             </a:r>
             <a:r>
-              <a:rPr lang="en-US" sz="2400" dirty="0" smtClean="0"/>
-              <a:t> </a:t>
-            </a:r>
-            <a:r>
-              <a:rPr lang="en-US" sz="2400" dirty="0" err="1" smtClean="0"/>
+              <a:rPr lang="en-US" sz="2400" dirty="0"/>
+              <a:t> </a:t>
+            </a:r>
+            <a:r>
+              <a:rPr lang="en-US" sz="2400" dirty="0" err="1"/>
               <a:t>mahasiswa</a:t>
             </a:r>
             <a:r>
-              <a:rPr lang="en-US" sz="2400" dirty="0" smtClean="0"/>
-              <a:t> </a:t>
-            </a:r>
-            <a:r>
-              <a:rPr lang="en-US" sz="2400" dirty="0" err="1" smtClean="0"/>
+              <a:rPr lang="en-US" sz="2400" dirty="0"/>
+              <a:t> </a:t>
+            </a:r>
+            <a:r>
+              <a:rPr lang="en-US" sz="2400" dirty="0" err="1"/>
               <a:t>dalam</a:t>
             </a:r>
             <a:r>
-              <a:rPr lang="en-US" sz="2400" dirty="0" smtClean="0"/>
+              <a:rPr lang="en-US" sz="2400" dirty="0"/>
               <a:t> form </a:t>
             </a:r>
             <a:r>
-              <a:rPr lang="en-US" sz="2400" dirty="0" err="1" smtClean="0"/>
+              <a:rPr lang="en-US" sz="2400" dirty="0" err="1"/>
               <a:t>penilaian</a:t>
             </a:r>
             <a:endParaRPr lang="en-US" sz="2400" dirty="0"/>
@@ -8722,59 +8526,59 @@
               <a:t>User External </a:t>
             </a:r>
             <a:r>
-              <a:rPr lang="en-US" sz="2400" dirty="0" err="1" smtClean="0"/>
+              <a:rPr lang="en-US" sz="2400" dirty="0" err="1"/>
               <a:t>dapat</a:t>
             </a:r>
             <a:r>
-              <a:rPr lang="en-US" sz="2400" dirty="0" smtClean="0"/>
-              <a:t> </a:t>
-            </a:r>
-            <a:r>
-              <a:rPr lang="en-US" sz="2400" dirty="0" err="1" smtClean="0"/>
+              <a:rPr lang="en-US" sz="2400" dirty="0"/>
+              <a:t> </a:t>
+            </a:r>
+            <a:r>
+              <a:rPr lang="en-US" sz="2400" dirty="0" err="1"/>
               <a:t>melihat</a:t>
             </a:r>
             <a:r>
-              <a:rPr lang="en-US" sz="2400" dirty="0" smtClean="0"/>
-              <a:t> </a:t>
-            </a:r>
-            <a:r>
-              <a:rPr lang="en-US" sz="2400" dirty="0" err="1" smtClean="0"/>
+              <a:rPr lang="en-US" sz="2400" dirty="0"/>
+              <a:t> </a:t>
+            </a:r>
+            <a:r>
+              <a:rPr lang="en-US" sz="2400" dirty="0" err="1"/>
               <a:t>riwayat</a:t>
             </a:r>
             <a:r>
-              <a:rPr lang="en-US" sz="2400" dirty="0" smtClean="0"/>
-              <a:t> </a:t>
-            </a:r>
-            <a:r>
-              <a:rPr lang="en-US" sz="2400" dirty="0" err="1" smtClean="0"/>
+              <a:rPr lang="en-US" sz="2400" dirty="0"/>
+              <a:t> </a:t>
+            </a:r>
+            <a:r>
+              <a:rPr lang="en-US" sz="2400" dirty="0" err="1"/>
               <a:t>penilaian</a:t>
             </a:r>
             <a:r>
-              <a:rPr lang="en-US" sz="2400" dirty="0" smtClean="0"/>
+              <a:rPr lang="en-US" sz="2400" dirty="0"/>
               <a:t> (</a:t>
             </a:r>
             <a:r>
-              <a:rPr lang="en-US" sz="2400" dirty="0" err="1" smtClean="0"/>
+              <a:rPr lang="en-US" sz="2400" dirty="0" err="1"/>
               <a:t>tidak</a:t>
             </a:r>
             <a:r>
-              <a:rPr lang="en-US" sz="2400" dirty="0" smtClean="0"/>
-              <a:t> </a:t>
-            </a:r>
-            <a:r>
-              <a:rPr lang="en-US" sz="2400" dirty="0" err="1" smtClean="0"/>
+              <a:rPr lang="en-US" sz="2400" dirty="0"/>
+              <a:t> </a:t>
+            </a:r>
+            <a:r>
+              <a:rPr lang="en-US" sz="2400" dirty="0" err="1"/>
               <a:t>dapat</a:t>
             </a:r>
             <a:r>
-              <a:rPr lang="en-US" sz="2400" dirty="0" smtClean="0"/>
-              <a:t> </a:t>
-            </a:r>
-            <a:r>
-              <a:rPr lang="en-US" sz="2400" dirty="0" err="1" smtClean="0"/>
+              <a:rPr lang="en-US" sz="2400" dirty="0"/>
+              <a:t> </a:t>
+            </a:r>
+            <a:r>
+              <a:rPr lang="en-US" sz="2400" dirty="0" err="1"/>
               <a:t>diubah</a:t>
             </a:r>
             <a:r>
-              <a:rPr lang="en-US" sz="2400" dirty="0" smtClean="0"/>
+              <a:rPr lang="en-US" sz="2400" dirty="0"/>
               <a:t>)</a:t>
             </a:r>
           </a:p>
@@ -8827,18 +8631,18 @@
               </a:lnSpc>
             </a:pPr>
             <a:r>
-              <a:rPr lang="en-US" sz="4000" dirty="0" err="1" smtClean="0"/>
+              <a:rPr lang="en-US" sz="4000" dirty="0" err="1"/>
               <a:t>Tampilan</a:t>
             </a:r>
             <a:r>
-              <a:rPr lang="en-US" sz="4000" dirty="0" smtClean="0"/>
-              <a:t> </a:t>
-            </a:r>
-            <a:r>
-              <a:rPr lang="en-US" sz="4000" dirty="0" err="1" smtClean="0"/>
+              <a:rPr lang="en-US" sz="4000" dirty="0"/>
+              <a:t> </a:t>
+            </a:r>
+            <a:r>
+              <a:rPr lang="en-US" sz="4000" dirty="0" err="1"/>
               <a:t>Penilaian</a:t>
             </a:r>
-            <a:endParaRPr lang="en-US" sz="4000" dirty="0" smtClean="0"/>
+            <a:endParaRPr lang="en-US" sz="4000" dirty="0"/>
           </a:p>
           <a:p>
             <a:pPr>
@@ -8847,10 +8651,9 @@
               </a:lnSpc>
             </a:pPr>
             <a:r>
-              <a:rPr lang="en-US" sz="4000" dirty="0" smtClean="0"/>
+              <a:rPr lang="en-US" sz="4000" dirty="0"/>
               <a:t>User External</a:t>
             </a:r>
-            <a:endParaRPr lang="en-US" sz="4000" dirty="0"/>
           </a:p>
         </p:txBody>
       </p:sp>
@@ -8864,13 +8667,6 @@
   <p:clrMapOvr>
     <a:masterClrMapping/>
   </p:clrMapOvr>
-  <p:timing>
-    <p:tnLst>
-      <p:par>
-        <p:cTn id="1" dur="indefinite" restart="never" nodeType="tmRoot"/>
-      </p:par>
-    </p:tnLst>
-  </p:timing>
 </p:sld>
 </file>
 
@@ -8907,10 +8703,9 @@
           <a:lstStyle/>
           <a:p>
             <a:r>
-              <a:rPr lang="en-US" dirty="0" smtClean="0"/>
+              <a:rPr lang="en-US" dirty="0"/>
               <a:t>PANDUAN WEBSITE FIT UNTUK MAHASISWA</a:t>
             </a:r>
-            <a:endParaRPr lang="en-US" dirty="0"/>
           </a:p>
         </p:txBody>
       </p:sp>
@@ -8930,55 +8725,55 @@
           <a:lstStyle/>
           <a:p>
             <a:r>
-              <a:rPr lang="en-US" dirty="0" err="1" smtClean="0"/>
+              <a:rPr lang="en-US" dirty="0" err="1"/>
               <a:t>Dibuat</a:t>
             </a:r>
             <a:r>
-              <a:rPr lang="en-US" dirty="0" smtClean="0"/>
-              <a:t> </a:t>
-            </a:r>
-            <a:r>
-              <a:rPr lang="en-US" dirty="0" err="1" smtClean="0"/>
+              <a:rPr lang="en-US" dirty="0"/>
+              <a:t> </a:t>
+            </a:r>
+            <a:r>
+              <a:rPr lang="en-US" dirty="0" err="1"/>
               <a:t>Oleh</a:t>
             </a:r>
             <a:r>
-              <a:rPr lang="en-US" dirty="0" smtClean="0"/>
+              <a:rPr lang="en-US" dirty="0"/>
               <a:t> Tim </a:t>
             </a:r>
             <a:r>
-              <a:rPr lang="en-US" dirty="0" err="1" smtClean="0"/>
+              <a:rPr lang="en-US" dirty="0" err="1"/>
               <a:t>Kerja</a:t>
             </a:r>
             <a:r>
-              <a:rPr lang="en-US" dirty="0" smtClean="0"/>
-              <a:t> </a:t>
-            </a:r>
-            <a:r>
-              <a:rPr lang="en-US" dirty="0" err="1" smtClean="0"/>
+              <a:rPr lang="en-US" dirty="0"/>
+              <a:t> </a:t>
+            </a:r>
+            <a:r>
+              <a:rPr lang="en-US" dirty="0" err="1"/>
               <a:t>Praktek</a:t>
             </a:r>
             <a:r>
-              <a:rPr lang="en-US" dirty="0" smtClean="0"/>
+              <a:rPr lang="en-US" dirty="0"/>
               <a:t> 3 </a:t>
             </a:r>
             <a:r>
-              <a:rPr lang="en-US" dirty="0" err="1" smtClean="0"/>
+              <a:rPr lang="en-US" dirty="0" err="1"/>
               <a:t>Departemen</a:t>
             </a:r>
             <a:r>
-              <a:rPr lang="en-US" dirty="0" smtClean="0"/>
-              <a:t> </a:t>
-            </a:r>
-            <a:r>
-              <a:rPr lang="en-US" dirty="0" err="1" smtClean="0"/>
+              <a:rPr lang="en-US" dirty="0"/>
+              <a:t> </a:t>
+            </a:r>
+            <a:r>
+              <a:rPr lang="en-US" dirty="0" err="1"/>
               <a:t>Teknologi</a:t>
             </a:r>
             <a:r>
-              <a:rPr lang="en-US" dirty="0" smtClean="0"/>
-              <a:t> </a:t>
-            </a:r>
-            <a:r>
-              <a:rPr lang="en-US" dirty="0" err="1" smtClean="0"/>
+              <a:rPr lang="en-US" dirty="0"/>
+              <a:t> </a:t>
+            </a:r>
+            <a:r>
+              <a:rPr lang="en-US" dirty="0" err="1"/>
               <a:t>Informasi</a:t>
             </a:r>
             <a:endParaRPr lang="en-US" dirty="0"/>
@@ -9141,19 +8936,19 @@
           <a:lstStyle/>
           <a:p>
             <a:r>
-              <a:rPr lang="en-US" dirty="0" smtClean="0"/>
+              <a:rPr lang="en-US" dirty="0"/>
               <a:t>Navigation Bar </a:t>
             </a:r>
             <a:r>
-              <a:rPr lang="en-US" dirty="0" err="1" smtClean="0"/>
+              <a:rPr lang="en-US" dirty="0" err="1"/>
               <a:t>untuk</a:t>
             </a:r>
             <a:r>
-              <a:rPr lang="en-US" dirty="0" smtClean="0"/>
-              <a:t> </a:t>
-            </a:r>
-            <a:r>
-              <a:rPr lang="en-US" dirty="0" err="1" smtClean="0"/>
+              <a:rPr lang="en-US" dirty="0"/>
+              <a:t> </a:t>
+            </a:r>
+            <a:r>
+              <a:rPr lang="en-US" dirty="0" err="1"/>
               <a:t>Mahasiswa</a:t>
             </a:r>
             <a:endParaRPr lang="en-US" dirty="0"/>
@@ -9183,257 +8978,257 @@
           <a:lstStyle/>
           <a:p>
             <a:r>
-              <a:rPr lang="en-US" dirty="0" smtClean="0"/>
+              <a:rPr lang="en-US" dirty="0"/>
               <a:t>Dashboard, </a:t>
             </a:r>
             <a:r>
-              <a:rPr lang="en-US" dirty="0" err="1" smtClean="0"/>
+              <a:rPr lang="en-US" dirty="0" err="1"/>
               <a:t>halaman</a:t>
             </a:r>
             <a:r>
-              <a:rPr lang="en-US" dirty="0" smtClean="0"/>
+              <a:rPr lang="en-US" dirty="0"/>
               <a:t> yang </a:t>
             </a:r>
             <a:r>
-              <a:rPr lang="en-US" dirty="0" err="1" smtClean="0"/>
+              <a:rPr lang="en-US" dirty="0" err="1"/>
               <a:t>akan</a:t>
             </a:r>
             <a:r>
-              <a:rPr lang="en-US" dirty="0" smtClean="0"/>
-              <a:t> </a:t>
-            </a:r>
-            <a:r>
-              <a:rPr lang="en-US" dirty="0" err="1" smtClean="0"/>
+              <a:rPr lang="en-US" dirty="0"/>
+              <a:t> </a:t>
+            </a:r>
+            <a:r>
+              <a:rPr lang="en-US" dirty="0" err="1"/>
               <a:t>menunjukan</a:t>
             </a:r>
             <a:r>
-              <a:rPr lang="en-US" dirty="0" smtClean="0"/>
+              <a:rPr lang="en-US" dirty="0"/>
               <a:t> list </a:t>
             </a:r>
             <a:r>
-              <a:rPr lang="en-US" dirty="0" err="1" smtClean="0"/>
+              <a:rPr lang="en-US" dirty="0" err="1"/>
               <a:t>tawaran</a:t>
             </a:r>
             <a:r>
-              <a:rPr lang="en-US" dirty="0" smtClean="0"/>
-              <a:t> </a:t>
-            </a:r>
-            <a:r>
-              <a:rPr lang="en-US" dirty="0" err="1" smtClean="0"/>
+              <a:rPr lang="en-US" dirty="0"/>
+              <a:t> </a:t>
+            </a:r>
+            <a:r>
+              <a:rPr lang="en-US" dirty="0" err="1"/>
               <a:t>judul</a:t>
             </a:r>
             <a:r>
-              <a:rPr lang="en-US" dirty="0" smtClean="0"/>
-              <a:t> </a:t>
-            </a:r>
-            <a:r>
-              <a:rPr lang="en-US" dirty="0" err="1" smtClean="0"/>
+              <a:rPr lang="en-US" dirty="0"/>
+              <a:t> </a:t>
+            </a:r>
+            <a:r>
+              <a:rPr lang="en-US" dirty="0" err="1"/>
               <a:t>dari</a:t>
             </a:r>
             <a:r>
-              <a:rPr lang="en-US" dirty="0" smtClean="0"/>
-              <a:t> </a:t>
-            </a:r>
-            <a:r>
-              <a:rPr lang="en-US" dirty="0" err="1" smtClean="0"/>
+              <a:rPr lang="en-US" dirty="0"/>
+              <a:t> </a:t>
+            </a:r>
+            <a:r>
+              <a:rPr lang="en-US" dirty="0" err="1"/>
               <a:t>dosen</a:t>
             </a:r>
             <a:r>
-              <a:rPr lang="en-US" dirty="0" smtClean="0"/>
-              <a:t> </a:t>
-            </a:r>
-            <a:r>
-              <a:rPr lang="en-US" dirty="0" err="1" smtClean="0"/>
+              <a:rPr lang="en-US" dirty="0"/>
+              <a:t> </a:t>
+            </a:r>
+            <a:r>
+              <a:rPr lang="en-US" dirty="0" err="1"/>
               <a:t>serta</a:t>
             </a:r>
             <a:r>
-              <a:rPr lang="en-US" dirty="0" smtClean="0"/>
+              <a:rPr lang="en-US" dirty="0"/>
               <a:t> profile </a:t>
             </a:r>
             <a:r>
-              <a:rPr lang="en-US" dirty="0" err="1" smtClean="0"/>
+              <a:rPr lang="en-US" dirty="0" err="1"/>
               <a:t>dari</a:t>
             </a:r>
             <a:r>
-              <a:rPr lang="en-US" dirty="0" smtClean="0"/>
-              <a:t> </a:t>
-            </a:r>
-            <a:r>
-              <a:rPr lang="en-US" dirty="0" err="1" smtClean="0"/>
+              <a:rPr lang="en-US" dirty="0"/>
+              <a:t> </a:t>
+            </a:r>
+            <a:r>
+              <a:rPr lang="en-US" dirty="0" err="1"/>
               <a:t>pengguna</a:t>
             </a:r>
             <a:r>
-              <a:rPr lang="en-US" dirty="0" smtClean="0"/>
+              <a:rPr lang="en-US" dirty="0"/>
               <a:t>.</a:t>
             </a:r>
           </a:p>
           <a:p>
             <a:r>
-              <a:rPr lang="en-US" dirty="0" err="1" smtClean="0"/>
+              <a:rPr lang="en-US" dirty="0" err="1"/>
               <a:t>Pengajuan</a:t>
             </a:r>
             <a:r>
-              <a:rPr lang="en-US" dirty="0" smtClean="0"/>
+              <a:rPr lang="en-US" dirty="0"/>
               <a:t>, </a:t>
             </a:r>
             <a:r>
-              <a:rPr lang="en-US" dirty="0" err="1" smtClean="0"/>
+              <a:rPr lang="en-US" dirty="0" err="1"/>
               <a:t>halaman</a:t>
             </a:r>
             <a:r>
-              <a:rPr lang="en-US" dirty="0" smtClean="0"/>
-              <a:t> </a:t>
-            </a:r>
-            <a:r>
-              <a:rPr lang="en-US" dirty="0" err="1" smtClean="0"/>
+              <a:rPr lang="en-US" dirty="0"/>
+              <a:t> </a:t>
+            </a:r>
+            <a:r>
+              <a:rPr lang="en-US" dirty="0" err="1"/>
               <a:t>anda</a:t>
             </a:r>
             <a:r>
-              <a:rPr lang="en-US" dirty="0" smtClean="0"/>
-              <a:t> </a:t>
-            </a:r>
-            <a:r>
-              <a:rPr lang="en-US" dirty="0" err="1" smtClean="0"/>
+              <a:rPr lang="en-US" dirty="0"/>
+              <a:t> </a:t>
+            </a:r>
+            <a:r>
+              <a:rPr lang="en-US" dirty="0" err="1"/>
               <a:t>untuk</a:t>
             </a:r>
             <a:r>
-              <a:rPr lang="en-US" dirty="0" smtClean="0"/>
-              <a:t> </a:t>
-            </a:r>
-            <a:r>
-              <a:rPr lang="en-US" dirty="0" err="1" smtClean="0"/>
+              <a:rPr lang="en-US" dirty="0"/>
+              <a:t> </a:t>
+            </a:r>
+            <a:r>
+              <a:rPr lang="en-US" dirty="0" err="1"/>
               <a:t>melakukan</a:t>
             </a:r>
             <a:r>
-              <a:rPr lang="en-US" dirty="0" smtClean="0"/>
-              <a:t> </a:t>
-            </a:r>
-            <a:r>
-              <a:rPr lang="en-US" dirty="0" err="1" smtClean="0"/>
+              <a:rPr lang="en-US" dirty="0"/>
+              <a:t> </a:t>
+            </a:r>
+            <a:r>
+              <a:rPr lang="en-US" dirty="0" err="1"/>
               <a:t>pengajuan</a:t>
             </a:r>
             <a:r>
-              <a:rPr lang="en-US" dirty="0" smtClean="0"/>
+              <a:rPr lang="en-US" dirty="0"/>
               <a:t> proposal </a:t>
             </a:r>
             <a:r>
-              <a:rPr lang="en-US" dirty="0" err="1" smtClean="0"/>
+              <a:rPr lang="en-US" dirty="0" err="1"/>
               <a:t>tugas</a:t>
             </a:r>
             <a:r>
-              <a:rPr lang="en-US" dirty="0" smtClean="0"/>
-              <a:t> </a:t>
-            </a:r>
-            <a:r>
-              <a:rPr lang="en-US" dirty="0" err="1" smtClean="0"/>
+              <a:rPr lang="en-US" dirty="0"/>
+              <a:t> </a:t>
+            </a:r>
+            <a:r>
+              <a:rPr lang="en-US" dirty="0" err="1"/>
               <a:t>akhir</a:t>
             </a:r>
             <a:r>
-              <a:rPr lang="en-US" dirty="0" smtClean="0"/>
+              <a:rPr lang="en-US" dirty="0"/>
               <a:t>.</a:t>
             </a:r>
           </a:p>
           <a:p>
             <a:r>
-              <a:rPr lang="en-US" dirty="0" err="1" smtClean="0"/>
+              <a:rPr lang="en-US" dirty="0" err="1"/>
               <a:t>Lobi</a:t>
             </a:r>
             <a:r>
-              <a:rPr lang="en-US" dirty="0" smtClean="0"/>
+              <a:rPr lang="en-US" dirty="0"/>
               <a:t>, </a:t>
             </a:r>
             <a:r>
-              <a:rPr lang="en-US" dirty="0" err="1" smtClean="0"/>
+              <a:rPr lang="en-US" dirty="0" err="1"/>
               <a:t>halaman</a:t>
             </a:r>
             <a:r>
-              <a:rPr lang="en-US" dirty="0" smtClean="0"/>
+              <a:rPr lang="en-US" dirty="0"/>
               <a:t> logbook </a:t>
             </a:r>
             <a:r>
-              <a:rPr lang="en-US" dirty="0" err="1" smtClean="0"/>
+              <a:rPr lang="en-US" dirty="0" err="1"/>
               <a:t>bimbingan</a:t>
             </a:r>
             <a:r>
-              <a:rPr lang="en-US" dirty="0" smtClean="0"/>
-              <a:t> </a:t>
-            </a:r>
-            <a:r>
-              <a:rPr lang="en-US" dirty="0" err="1" smtClean="0"/>
+              <a:rPr lang="en-US" dirty="0"/>
+              <a:t> </a:t>
+            </a:r>
+            <a:r>
+              <a:rPr lang="en-US" dirty="0" err="1"/>
               <a:t>untuk</a:t>
             </a:r>
             <a:r>
-              <a:rPr lang="en-US" dirty="0" smtClean="0"/>
+              <a:rPr lang="en-US" dirty="0"/>
               <a:t> input logbook.</a:t>
             </a:r>
           </a:p>
           <a:p>
             <a:r>
-              <a:rPr lang="en-US" dirty="0" err="1" smtClean="0"/>
+              <a:rPr lang="en-US" dirty="0" err="1"/>
               <a:t>Nilai</a:t>
             </a:r>
             <a:r>
-              <a:rPr lang="en-US" dirty="0" smtClean="0"/>
+              <a:rPr lang="en-US" dirty="0"/>
               <a:t>, </a:t>
             </a:r>
             <a:r>
-              <a:rPr lang="en-US" dirty="0" err="1" smtClean="0"/>
+              <a:rPr lang="en-US" dirty="0" err="1"/>
               <a:t>halaman</a:t>
             </a:r>
             <a:r>
-              <a:rPr lang="en-US" dirty="0" smtClean="0"/>
-              <a:t> </a:t>
-            </a:r>
-            <a:r>
-              <a:rPr lang="en-US" dirty="0" err="1" smtClean="0"/>
+              <a:rPr lang="en-US" dirty="0"/>
+              <a:t> </a:t>
+            </a:r>
+            <a:r>
+              <a:rPr lang="en-US" dirty="0" err="1"/>
               <a:t>untuk</a:t>
             </a:r>
             <a:r>
-              <a:rPr lang="en-US" dirty="0" smtClean="0"/>
-              <a:t> </a:t>
-            </a:r>
-            <a:r>
-              <a:rPr lang="en-US" dirty="0" err="1" smtClean="0"/>
+              <a:rPr lang="en-US" dirty="0"/>
+              <a:t> </a:t>
+            </a:r>
+            <a:r>
+              <a:rPr lang="en-US" dirty="0" err="1"/>
               <a:t>bisa</a:t>
             </a:r>
             <a:r>
-              <a:rPr lang="en-US" dirty="0" smtClean="0"/>
-              <a:t> </a:t>
-            </a:r>
-            <a:r>
-              <a:rPr lang="en-US" dirty="0" err="1" smtClean="0"/>
+              <a:rPr lang="en-US" dirty="0"/>
+              <a:t> </a:t>
+            </a:r>
+            <a:r>
+              <a:rPr lang="en-US" dirty="0" err="1"/>
               <a:t>melihat</a:t>
             </a:r>
             <a:r>
-              <a:rPr lang="en-US" dirty="0" smtClean="0"/>
-              <a:t> </a:t>
-            </a:r>
-            <a:r>
-              <a:rPr lang="en-US" dirty="0" err="1" smtClean="0"/>
+              <a:rPr lang="en-US" dirty="0"/>
+              <a:t> </a:t>
+            </a:r>
+            <a:r>
+              <a:rPr lang="en-US" dirty="0" err="1"/>
               <a:t>nilai</a:t>
             </a:r>
             <a:r>
-              <a:rPr lang="en-US" dirty="0" smtClean="0"/>
-              <a:t> </a:t>
-            </a:r>
-            <a:r>
-              <a:rPr lang="en-US" dirty="0" err="1" smtClean="0"/>
+              <a:rPr lang="en-US" dirty="0"/>
+              <a:t> </a:t>
+            </a:r>
+            <a:r>
+              <a:rPr lang="en-US" dirty="0" err="1"/>
               <a:t>dari</a:t>
             </a:r>
             <a:r>
-              <a:rPr lang="en-US" dirty="0" smtClean="0"/>
-              <a:t> </a:t>
-            </a:r>
-            <a:r>
-              <a:rPr lang="en-US" dirty="0" err="1" smtClean="0"/>
+              <a:rPr lang="en-US" dirty="0"/>
+              <a:t> </a:t>
+            </a:r>
+            <a:r>
+              <a:rPr lang="en-US" dirty="0" err="1"/>
               <a:t>penilai</a:t>
             </a:r>
             <a:r>
-              <a:rPr lang="en-US" dirty="0" smtClean="0"/>
+              <a:rPr lang="en-US" dirty="0"/>
               <a:t>/</a:t>
             </a:r>
             <a:r>
-              <a:rPr lang="en-US" dirty="0" err="1" smtClean="0"/>
+              <a:rPr lang="en-US" dirty="0" err="1"/>
               <a:t>penguji</a:t>
             </a:r>
             <a:r>
@@ -9441,100 +9236,99 @@
               <a:t> </a:t>
             </a:r>
             <a:r>
-              <a:rPr lang="en-US" dirty="0" err="1" smtClean="0"/>
+              <a:rPr lang="en-US" dirty="0" err="1"/>
               <a:t>saat</a:t>
             </a:r>
             <a:r>
-              <a:rPr lang="en-US" dirty="0" smtClean="0"/>
-              <a:t> </a:t>
-            </a:r>
-            <a:r>
-              <a:rPr lang="en-US" dirty="0" err="1" smtClean="0"/>
+              <a:rPr lang="en-US" dirty="0"/>
+              <a:t> </a:t>
+            </a:r>
+            <a:r>
+              <a:rPr lang="en-US" dirty="0" err="1"/>
               <a:t>sidang</a:t>
             </a:r>
             <a:r>
-              <a:rPr lang="en-US" dirty="0" smtClean="0"/>
+              <a:rPr lang="en-US" dirty="0"/>
               <a:t>.</a:t>
             </a:r>
           </a:p>
           <a:p>
             <a:r>
-              <a:rPr lang="en-US" dirty="0" smtClean="0"/>
+              <a:rPr lang="en-US" dirty="0"/>
               <a:t>Repository, </a:t>
             </a:r>
             <a:r>
-              <a:rPr lang="en-US" dirty="0" err="1" smtClean="0"/>
+              <a:rPr lang="en-US" dirty="0" err="1"/>
               <a:t>halaman</a:t>
             </a:r>
             <a:r>
-              <a:rPr lang="en-US" dirty="0" smtClean="0"/>
-              <a:t> </a:t>
-            </a:r>
-            <a:r>
-              <a:rPr lang="en-US" dirty="0" err="1" smtClean="0"/>
+              <a:rPr lang="en-US" dirty="0"/>
+              <a:t> </a:t>
+            </a:r>
+            <a:r>
+              <a:rPr lang="en-US" dirty="0" err="1"/>
               <a:t>terkumpulnya</a:t>
             </a:r>
             <a:r>
-              <a:rPr lang="en-US" dirty="0" smtClean="0"/>
-              <a:t> </a:t>
-            </a:r>
-            <a:r>
-              <a:rPr lang="en-US" dirty="0" err="1" smtClean="0"/>
+              <a:rPr lang="en-US" dirty="0"/>
+              <a:t> </a:t>
+            </a:r>
+            <a:r>
+              <a:rPr lang="en-US" dirty="0" err="1"/>
               <a:t>seluruh</a:t>
             </a:r>
             <a:r>
-              <a:rPr lang="en-US" dirty="0" smtClean="0"/>
-              <a:t> </a:t>
-            </a:r>
-            <a:r>
-              <a:rPr lang="en-US" dirty="0" err="1" smtClean="0"/>
+              <a:rPr lang="en-US" dirty="0"/>
+              <a:t> </a:t>
+            </a:r>
+            <a:r>
+              <a:rPr lang="en-US" dirty="0" err="1"/>
               <a:t>tugas</a:t>
             </a:r>
             <a:r>
-              <a:rPr lang="en-US" dirty="0" smtClean="0"/>
-              <a:t> </a:t>
-            </a:r>
-            <a:r>
-              <a:rPr lang="en-US" dirty="0" err="1" smtClean="0"/>
+              <a:rPr lang="en-US" dirty="0"/>
+              <a:t> </a:t>
+            </a:r>
+            <a:r>
+              <a:rPr lang="en-US" dirty="0" err="1"/>
               <a:t>akhir</a:t>
             </a:r>
             <a:r>
-              <a:rPr lang="en-US" dirty="0" smtClean="0"/>
+              <a:rPr lang="en-US" dirty="0"/>
               <a:t> yang </a:t>
             </a:r>
             <a:r>
-              <a:rPr lang="en-US" dirty="0" err="1" smtClean="0"/>
+              <a:rPr lang="en-US" dirty="0" err="1"/>
               <a:t>sudah</a:t>
             </a:r>
             <a:r>
-              <a:rPr lang="en-US" dirty="0" smtClean="0"/>
-              <a:t> </a:t>
-            </a:r>
-            <a:r>
-              <a:rPr lang="en-US" dirty="0" err="1" smtClean="0"/>
+              <a:rPr lang="en-US" dirty="0"/>
+              <a:t> </a:t>
+            </a:r>
+            <a:r>
+              <a:rPr lang="en-US" dirty="0" err="1"/>
               <a:t>dilakuan</a:t>
             </a:r>
             <a:r>
-              <a:rPr lang="en-US" dirty="0" smtClean="0"/>
-              <a:t> </a:t>
-            </a:r>
-            <a:r>
-              <a:rPr lang="en-US" dirty="0" err="1" smtClean="0"/>
+              <a:rPr lang="en-US" dirty="0"/>
+              <a:t> </a:t>
+            </a:r>
+            <a:r>
+              <a:rPr lang="en-US" dirty="0" err="1"/>
               <a:t>oleh</a:t>
             </a:r>
             <a:r>
-              <a:rPr lang="en-US" dirty="0" smtClean="0"/>
-              <a:t> </a:t>
-            </a:r>
-            <a:r>
-              <a:rPr lang="en-US" dirty="0" err="1" smtClean="0"/>
+              <a:rPr lang="en-US" dirty="0"/>
+              <a:t> </a:t>
+            </a:r>
+            <a:r>
+              <a:rPr lang="en-US" dirty="0" err="1"/>
               <a:t>departemen</a:t>
             </a:r>
             <a:r>
-              <a:rPr lang="en-US" dirty="0" smtClean="0"/>
+              <a:rPr lang="en-US" dirty="0"/>
               <a:t> IT ITS.</a:t>
             </a:r>
-            <a:endParaRPr lang="en-US" dirty="0"/>
           </a:p>
         </p:txBody>
       </p:sp>
@@ -9647,13 +9441,6 @@
   <p:clrMapOvr>
     <a:masterClrMapping/>
   </p:clrMapOvr>
-  <p:timing>
-    <p:tnLst>
-      <p:par>
-        <p:cTn id="1" dur="indefinite" restart="never" nodeType="tmRoot"/>
-      </p:par>
-    </p:tnLst>
-  </p:timing>
 </p:sld>
 </file>
 
@@ -9724,15 +9511,15 @@
           <a:lstStyle/>
           <a:p>
             <a:r>
-              <a:rPr lang="en-US" dirty="0" err="1" smtClean="0"/>
+              <a:rPr lang="en-US" dirty="0" err="1"/>
               <a:t>Tampilan</a:t>
             </a:r>
             <a:r>
-              <a:rPr lang="en-US" dirty="0" smtClean="0"/>
+              <a:rPr lang="en-US" dirty="0"/>
               <a:t> Dashboard </a:t>
             </a:r>
             <a:r>
-              <a:rPr lang="en-US" dirty="0" err="1" smtClean="0"/>
+              <a:rPr lang="en-US" dirty="0" err="1"/>
               <a:t>Mahasiswa</a:t>
             </a:r>
             <a:endParaRPr lang="en-US" dirty="0"/>
@@ -9788,58 +9575,58 @@
               <a:buChar char="•"/>
             </a:pPr>
             <a:r>
-              <a:rPr lang="en-US" sz="2400" dirty="0" err="1" smtClean="0"/>
+              <a:rPr lang="en-US" sz="2400" dirty="0" err="1"/>
               <a:t>Mahasiswa</a:t>
             </a:r>
             <a:r>
-              <a:rPr lang="en-US" sz="2400" dirty="0" smtClean="0"/>
-              <a:t> </a:t>
-            </a:r>
-            <a:r>
-              <a:rPr lang="en-US" sz="2400" dirty="0" err="1" smtClean="0"/>
+              <a:rPr lang="en-US" sz="2400" dirty="0"/>
+              <a:t> </a:t>
+            </a:r>
+            <a:r>
+              <a:rPr lang="en-US" sz="2400" dirty="0" err="1"/>
               <a:t>dapat</a:t>
             </a:r>
             <a:r>
-              <a:rPr lang="en-US" sz="2400" dirty="0" smtClean="0"/>
-              <a:t> </a:t>
-            </a:r>
-            <a:r>
-              <a:rPr lang="en-US" sz="2400" dirty="0" err="1" smtClean="0"/>
+              <a:rPr lang="en-US" sz="2400" dirty="0"/>
+              <a:t> </a:t>
+            </a:r>
+            <a:r>
+              <a:rPr lang="en-US" sz="2400" dirty="0" err="1"/>
               <a:t>melihat</a:t>
             </a:r>
             <a:r>
-              <a:rPr lang="en-US" sz="2400" dirty="0" smtClean="0"/>
-              <a:t> </a:t>
-            </a:r>
-            <a:r>
-              <a:rPr lang="en-US" sz="2400" dirty="0" err="1" smtClean="0"/>
+              <a:rPr lang="en-US" sz="2400" dirty="0"/>
+              <a:t> </a:t>
+            </a:r>
+            <a:r>
+              <a:rPr lang="en-US" sz="2400" dirty="0" err="1"/>
               <a:t>tawaran</a:t>
             </a:r>
             <a:r>
-              <a:rPr lang="en-US" sz="2400" dirty="0" smtClean="0"/>
-              <a:t> </a:t>
-            </a:r>
-            <a:r>
-              <a:rPr lang="en-US" sz="2400" dirty="0" err="1" smtClean="0"/>
+              <a:rPr lang="en-US" sz="2400" dirty="0"/>
+              <a:t> </a:t>
+            </a:r>
+            <a:r>
+              <a:rPr lang="en-US" sz="2400" dirty="0" err="1"/>
               <a:t>judul</a:t>
             </a:r>
             <a:r>
-              <a:rPr lang="en-US" sz="2400" dirty="0" smtClean="0"/>
-              <a:t> </a:t>
-            </a:r>
-            <a:r>
-              <a:rPr lang="en-US" sz="2400" dirty="0" err="1" smtClean="0"/>
+              <a:rPr lang="en-US" sz="2400" dirty="0"/>
+              <a:t> </a:t>
+            </a:r>
+            <a:r>
+              <a:rPr lang="en-US" sz="2400" dirty="0" err="1"/>
               <a:t>dari</a:t>
             </a:r>
             <a:r>
-              <a:rPr lang="en-US" sz="2400" dirty="0" smtClean="0"/>
-              <a:t> </a:t>
-            </a:r>
-            <a:r>
-              <a:rPr lang="en-US" sz="2400" dirty="0" err="1" smtClean="0"/>
+              <a:rPr lang="en-US" sz="2400" dirty="0"/>
+              <a:t> </a:t>
+            </a:r>
+            <a:r>
+              <a:rPr lang="en-US" sz="2400" dirty="0" err="1"/>
               <a:t>dosen</a:t>
             </a:r>
-            <a:endParaRPr lang="en-US" sz="2400" dirty="0" smtClean="0"/>
+            <a:endParaRPr lang="en-US" sz="2400" dirty="0"/>
           </a:p>
           <a:p>
             <a:pPr marL="342900" indent="-342900">
@@ -9850,54 +9637,53 @@
               <a:buChar char="•"/>
             </a:pPr>
             <a:r>
-              <a:rPr lang="en-US" sz="2400" dirty="0" err="1" smtClean="0"/>
+              <a:rPr lang="en-US" sz="2400" dirty="0" err="1"/>
               <a:t>Mahasiswa</a:t>
             </a:r>
             <a:r>
-              <a:rPr lang="en-US" sz="2400" dirty="0" smtClean="0"/>
-              <a:t> </a:t>
-            </a:r>
-            <a:r>
-              <a:rPr lang="en-US" sz="2400" dirty="0" err="1" smtClean="0"/>
+              <a:rPr lang="en-US" sz="2400" dirty="0"/>
+              <a:t> </a:t>
+            </a:r>
+            <a:r>
+              <a:rPr lang="en-US" sz="2400" dirty="0" err="1"/>
               <a:t>dapat</a:t>
             </a:r>
             <a:r>
-              <a:rPr lang="en-US" sz="2400" dirty="0" smtClean="0"/>
-              <a:t> </a:t>
-            </a:r>
-            <a:r>
-              <a:rPr lang="en-US" sz="2400" dirty="0" err="1" smtClean="0"/>
+              <a:rPr lang="en-US" sz="2400" dirty="0"/>
+              <a:t> </a:t>
+            </a:r>
+            <a:r>
+              <a:rPr lang="en-US" sz="2400" dirty="0" err="1"/>
               <a:t>melihat</a:t>
             </a:r>
             <a:r>
-              <a:rPr lang="en-US" sz="2400" dirty="0" smtClean="0"/>
+              <a:rPr lang="en-US" sz="2400" dirty="0"/>
               <a:t> profile </a:t>
             </a:r>
             <a:r>
-              <a:rPr lang="en-US" sz="2400" dirty="0" err="1" smtClean="0"/>
+              <a:rPr lang="en-US" sz="2400" dirty="0" err="1"/>
               <a:t>diri</a:t>
             </a:r>
             <a:r>
-              <a:rPr lang="en-US" sz="2400" dirty="0" smtClean="0"/>
+              <a:rPr lang="en-US" sz="2400" dirty="0"/>
               <a:t> di </a:t>
             </a:r>
             <a:r>
-              <a:rPr lang="en-US" sz="2400" dirty="0" err="1" smtClean="0"/>
+              <a:rPr lang="en-US" sz="2400" dirty="0" err="1"/>
               <a:t>sebelah</a:t>
             </a:r>
             <a:r>
-              <a:rPr lang="en-US" sz="2400" dirty="0" smtClean="0"/>
-              <a:t> </a:t>
-            </a:r>
-            <a:r>
-              <a:rPr lang="en-US" sz="2400" dirty="0" err="1" smtClean="0"/>
+              <a:rPr lang="en-US" sz="2400" dirty="0"/>
+              <a:t> </a:t>
+            </a:r>
+            <a:r>
+              <a:rPr lang="en-US" sz="2400" dirty="0" err="1"/>
               <a:t>kanan</a:t>
             </a:r>
             <a:r>
-              <a:rPr lang="en-US" sz="2400" dirty="0" smtClean="0"/>
+              <a:rPr lang="en-US" sz="2400" dirty="0"/>
               <a:t>.</a:t>
             </a:r>
-            <a:endParaRPr lang="en-US" sz="2400" dirty="0"/>
           </a:p>
         </p:txBody>
       </p:sp>
@@ -9924,110 +9710,109 @@
           <a:lstStyle/>
           <a:p>
             <a:r>
-              <a:rPr lang="en-US" b="1" dirty="0" err="1" smtClean="0"/>
+              <a:rPr lang="en-US" b="1" dirty="0" err="1"/>
               <a:t>Bila</a:t>
             </a:r>
             <a:r>
-              <a:rPr lang="en-US" b="1" dirty="0" smtClean="0"/>
-              <a:t> </a:t>
-            </a:r>
-            <a:r>
-              <a:rPr lang="en-US" b="1" dirty="0" err="1" smtClean="0"/>
+              <a:rPr lang="en-US" b="1" dirty="0"/>
+              <a:t> </a:t>
+            </a:r>
+            <a:r>
+              <a:rPr lang="en-US" b="1" dirty="0" err="1"/>
               <a:t>sudah</a:t>
             </a:r>
             <a:r>
-              <a:rPr lang="en-US" b="1" dirty="0" smtClean="0"/>
+              <a:rPr lang="en-US" b="1" dirty="0"/>
               <a:t> di </a:t>
             </a:r>
             <a:r>
-              <a:rPr lang="en-US" b="1" dirty="0" err="1" smtClean="0"/>
+              <a:rPr lang="en-US" b="1" dirty="0" err="1"/>
               <a:t>acc</a:t>
             </a:r>
             <a:r>
-              <a:rPr lang="en-US" b="1" dirty="0" smtClean="0"/>
-              <a:t> </a:t>
-            </a:r>
-            <a:r>
-              <a:rPr lang="en-US" b="1" dirty="0" err="1" smtClean="0"/>
+              <a:rPr lang="en-US" b="1" dirty="0"/>
+              <a:t> </a:t>
+            </a:r>
+            <a:r>
+              <a:rPr lang="en-US" b="1" dirty="0" err="1"/>
               <a:t>pengajuan</a:t>
             </a:r>
             <a:r>
-              <a:rPr lang="en-US" b="1" dirty="0" smtClean="0"/>
-              <a:t> </a:t>
-            </a:r>
-            <a:r>
-              <a:rPr lang="en-US" b="1" dirty="0" err="1" smtClean="0"/>
+              <a:rPr lang="en-US" b="1" dirty="0"/>
+              <a:t> </a:t>
+            </a:r>
+            <a:r>
+              <a:rPr lang="en-US" b="1" dirty="0" err="1"/>
               <a:t>proposalnya</a:t>
             </a:r>
             <a:r>
-              <a:rPr lang="en-US" b="1" dirty="0" smtClean="0"/>
+              <a:rPr lang="en-US" b="1" dirty="0"/>
               <a:t>, </a:t>
             </a:r>
             <a:r>
-              <a:rPr lang="en-US" b="1" dirty="0" err="1" smtClean="0"/>
+              <a:rPr lang="en-US" b="1" dirty="0" err="1"/>
               <a:t>maka</a:t>
             </a:r>
             <a:r>
-              <a:rPr lang="en-US" b="1" dirty="0" smtClean="0"/>
-              <a:t> </a:t>
-            </a:r>
-            <a:r>
-              <a:rPr lang="en-US" b="1" dirty="0" err="1" smtClean="0"/>
+              <a:rPr lang="en-US" b="1" dirty="0"/>
+              <a:t> </a:t>
+            </a:r>
+            <a:r>
+              <a:rPr lang="en-US" b="1" dirty="0" err="1"/>
               <a:t>akan</a:t>
             </a:r>
             <a:r>
-              <a:rPr lang="en-US" b="1" dirty="0" smtClean="0"/>
-              <a:t> </a:t>
-            </a:r>
-            <a:r>
-              <a:rPr lang="en-US" b="1" dirty="0" err="1" smtClean="0"/>
+              <a:rPr lang="en-US" b="1" dirty="0"/>
+              <a:t> </a:t>
+            </a:r>
+            <a:r>
+              <a:rPr lang="en-US" b="1" dirty="0" err="1"/>
               <a:t>pembimbing</a:t>
             </a:r>
             <a:r>
-              <a:rPr lang="en-US" b="1" dirty="0" smtClean="0"/>
-              <a:t> </a:t>
-            </a:r>
-            <a:r>
-              <a:rPr lang="en-US" b="1" dirty="0" err="1" smtClean="0"/>
+              <a:rPr lang="en-US" b="1" dirty="0"/>
+              <a:t> </a:t>
+            </a:r>
+            <a:r>
+              <a:rPr lang="en-US" b="1" dirty="0" err="1"/>
               <a:t>dan</a:t>
             </a:r>
             <a:r>
-              <a:rPr lang="en-US" b="1" dirty="0" smtClean="0"/>
-              <a:t> </a:t>
-            </a:r>
-            <a:r>
-              <a:rPr lang="en-US" b="1" dirty="0" err="1" smtClean="0"/>
+              <a:rPr lang="en-US" b="1" dirty="0"/>
+              <a:t> </a:t>
+            </a:r>
+            <a:r>
+              <a:rPr lang="en-US" b="1" dirty="0" err="1"/>
               <a:t>judul</a:t>
             </a:r>
             <a:r>
-              <a:rPr lang="en-US" b="1" dirty="0" smtClean="0"/>
-              <a:t> </a:t>
-            </a:r>
-            <a:r>
-              <a:rPr lang="en-US" b="1" dirty="0" err="1" smtClean="0"/>
+              <a:rPr lang="en-US" b="1" dirty="0"/>
+              <a:t> </a:t>
+            </a:r>
+            <a:r>
+              <a:rPr lang="en-US" b="1" dirty="0" err="1"/>
               <a:t>tugas</a:t>
             </a:r>
             <a:r>
-              <a:rPr lang="en-US" b="1" dirty="0" smtClean="0"/>
-              <a:t> </a:t>
-            </a:r>
-            <a:r>
-              <a:rPr lang="en-US" b="1" dirty="0" err="1" smtClean="0"/>
+              <a:rPr lang="en-US" b="1" dirty="0"/>
+              <a:t> </a:t>
+            </a:r>
+            <a:r>
+              <a:rPr lang="en-US" b="1" dirty="0" err="1"/>
               <a:t>akhir</a:t>
             </a:r>
             <a:r>
-              <a:rPr lang="en-US" b="1" dirty="0" smtClean="0"/>
-              <a:t> </a:t>
-            </a:r>
-            <a:r>
-              <a:rPr lang="en-US" b="1" dirty="0" err="1" smtClean="0"/>
+              <a:rPr lang="en-US" b="1" dirty="0"/>
+              <a:t> </a:t>
+            </a:r>
+            <a:r>
+              <a:rPr lang="en-US" b="1" dirty="0" err="1"/>
               <a:t>mahasiswa</a:t>
             </a:r>
             <a:r>
-              <a:rPr lang="en-US" b="1" dirty="0" smtClean="0"/>
+              <a:rPr lang="en-US" b="1" dirty="0"/>
               <a:t>.</a:t>
             </a:r>
-            <a:endParaRPr lang="en-US" b="1" dirty="0"/>
           </a:p>
         </p:txBody>
       </p:sp>
@@ -10041,13 +9826,6 @@
   <p:clrMapOvr>
     <a:masterClrMapping/>
   </p:clrMapOvr>
-  <p:timing>
-    <p:tnLst>
-      <p:par>
-        <p:cTn id="1" dur="indefinite" restart="never" nodeType="tmRoot"/>
-      </p:par>
-    </p:tnLst>
-  </p:timing>
 </p:sld>
 </file>
 
@@ -10090,29 +9868,29 @@
           </a:bodyPr>
           <a:lstStyle/>
           <a:p>
-            <a:pPr>
+            <a:pPr algn="ctr">
               <a:lnSpc>
                 <a:spcPct val="150000"/>
               </a:lnSpc>
             </a:pPr>
             <a:r>
-              <a:rPr lang="en-US" sz="4000" dirty="0" err="1" smtClean="0"/>
+              <a:rPr lang="en-US" sz="4000" dirty="0" err="1"/>
               <a:t>Tampilan</a:t>
             </a:r>
             <a:r>
-              <a:rPr lang="en-US" sz="4000" dirty="0" smtClean="0"/>
-              <a:t> </a:t>
-            </a:r>
-            <a:r>
-              <a:rPr lang="en-US" sz="4000" dirty="0" err="1" smtClean="0"/>
+              <a:rPr lang="en-US" sz="4000" dirty="0"/>
+              <a:t> </a:t>
+            </a:r>
+            <a:r>
+              <a:rPr lang="en-US" sz="4000" dirty="0" err="1"/>
               <a:t>Pengajuan</a:t>
             </a:r>
             <a:r>
-              <a:rPr lang="en-US" sz="4000" dirty="0" smtClean="0"/>
-              <a:t> </a:t>
-            </a:r>
-            <a:r>
-              <a:rPr lang="en-US" sz="4000" dirty="0" err="1" smtClean="0"/>
+              <a:rPr lang="en-US" sz="4000" dirty="0"/>
+              <a:t> </a:t>
+            </a:r>
+            <a:r>
+              <a:rPr lang="en-US" sz="4000" dirty="0" err="1"/>
               <a:t>Mahasiswa</a:t>
             </a:r>
             <a:endParaRPr lang="en-US" sz="4000" dirty="0"/>
@@ -10241,123 +10019,123 @@
               <a:buChar char="•"/>
             </a:pPr>
             <a:r>
-              <a:rPr lang="en-US" sz="2400" dirty="0" err="1" smtClean="0"/>
+              <a:rPr lang="en-US" sz="2400" dirty="0" err="1"/>
               <a:t>Mahasiswa</a:t>
             </a:r>
             <a:r>
-              <a:rPr lang="en-US" sz="2400" dirty="0" smtClean="0"/>
+              <a:rPr lang="en-US" sz="2400" dirty="0"/>
               <a:t> input </a:t>
             </a:r>
             <a:r>
-              <a:rPr lang="en-US" sz="2400" dirty="0" err="1" smtClean="0"/>
+              <a:rPr lang="en-US" sz="2400" dirty="0" err="1"/>
               <a:t>pengajuan</a:t>
             </a:r>
             <a:r>
-              <a:rPr lang="en-US" sz="2400" dirty="0" smtClean="0"/>
-              <a:t> </a:t>
-            </a:r>
-            <a:r>
-              <a:rPr lang="en-US" sz="2400" dirty="0" err="1" smtClean="0"/>
+              <a:rPr lang="en-US" sz="2400" dirty="0"/>
+              <a:t> </a:t>
+            </a:r>
+            <a:r>
+              <a:rPr lang="en-US" sz="2400" dirty="0" err="1"/>
               <a:t>melalui</a:t>
             </a:r>
             <a:r>
-              <a:rPr lang="en-US" sz="2400" dirty="0" smtClean="0"/>
+              <a:rPr lang="en-US" sz="2400" dirty="0"/>
               <a:t> form </a:t>
             </a:r>
             <a:r>
-              <a:rPr lang="en-US" sz="2400" dirty="0" err="1" smtClean="0"/>
+              <a:rPr lang="en-US" sz="2400" dirty="0" err="1"/>
               <a:t>pengajuan</a:t>
             </a:r>
             <a:r>
-              <a:rPr lang="en-US" sz="2400" dirty="0" smtClean="0"/>
+              <a:rPr lang="en-US" sz="2400" dirty="0"/>
               <a:t> proposal </a:t>
             </a:r>
             <a:r>
-              <a:rPr lang="en-US" sz="2400" dirty="0" err="1" smtClean="0"/>
+              <a:rPr lang="en-US" sz="2400" dirty="0" err="1"/>
               <a:t>dan</a:t>
             </a:r>
             <a:r>
-              <a:rPr lang="en-US" sz="2400" dirty="0" smtClean="0"/>
-              <a:t> </a:t>
-            </a:r>
-            <a:r>
-              <a:rPr lang="en-US" sz="2400" dirty="0" err="1" smtClean="0"/>
+              <a:rPr lang="en-US" sz="2400" dirty="0"/>
+              <a:t> </a:t>
+            </a:r>
+            <a:r>
+              <a:rPr lang="en-US" sz="2400" dirty="0" err="1"/>
               <a:t>menunggu</a:t>
             </a:r>
             <a:r>
-              <a:rPr lang="en-US" sz="2400" dirty="0" smtClean="0"/>
+              <a:rPr lang="en-US" sz="2400" dirty="0"/>
               <a:t> feedback </a:t>
             </a:r>
             <a:r>
-              <a:rPr lang="en-US" sz="2400" dirty="0" err="1" smtClean="0"/>
+              <a:rPr lang="en-US" sz="2400" dirty="0" err="1"/>
               <a:t>dari</a:t>
             </a:r>
             <a:r>
-              <a:rPr lang="en-US" sz="2400" dirty="0" smtClean="0"/>
+              <a:rPr lang="en-US" sz="2400" dirty="0"/>
               <a:t> admin/</a:t>
             </a:r>
             <a:r>
-              <a:rPr lang="en-US" sz="2400" dirty="0" err="1" smtClean="0"/>
+              <a:rPr lang="en-US" sz="2400" dirty="0" err="1"/>
               <a:t>kepala</a:t>
             </a:r>
             <a:r>
-              <a:rPr lang="en-US" sz="2400" dirty="0" smtClean="0"/>
-              <a:t> </a:t>
-            </a:r>
-            <a:r>
-              <a:rPr lang="en-US" sz="2400" dirty="0" err="1" smtClean="0"/>
+              <a:rPr lang="en-US" sz="2400" dirty="0"/>
+              <a:t> </a:t>
+            </a:r>
+            <a:r>
+              <a:rPr lang="en-US" sz="2400" dirty="0" err="1"/>
               <a:t>laboratorium</a:t>
             </a:r>
             <a:r>
-              <a:rPr lang="en-US" sz="2400" dirty="0" smtClean="0"/>
+              <a:rPr lang="en-US" sz="2400" dirty="0"/>
               <a:t> (</a:t>
             </a:r>
             <a:r>
-              <a:rPr lang="en-US" sz="2400" dirty="0" err="1" smtClean="0"/>
+              <a:rPr lang="en-US" sz="2400" dirty="0" err="1"/>
               <a:t>bila</a:t>
             </a:r>
             <a:r>
-              <a:rPr lang="en-US" sz="2400" dirty="0" smtClean="0"/>
+              <a:rPr lang="en-US" sz="2400" dirty="0"/>
               <a:t> di ACC </a:t>
             </a:r>
             <a:r>
-              <a:rPr lang="en-US" sz="2400" dirty="0" err="1" smtClean="0"/>
+              <a:rPr lang="en-US" sz="2400" dirty="0" err="1"/>
               <a:t>maka</a:t>
             </a:r>
             <a:r>
-              <a:rPr lang="en-US" sz="2400" dirty="0" smtClean="0"/>
-              <a:t> </a:t>
-            </a:r>
-            <a:r>
-              <a:rPr lang="en-US" sz="2400" dirty="0" err="1" smtClean="0"/>
+              <a:rPr lang="en-US" sz="2400" dirty="0"/>
+              <a:t> </a:t>
+            </a:r>
+            <a:r>
+              <a:rPr lang="en-US" sz="2400" dirty="0" err="1"/>
               <a:t>Dosen</a:t>
             </a:r>
             <a:r>
-              <a:rPr lang="en-US" sz="2400" dirty="0" smtClean="0"/>
-              <a:t> </a:t>
-            </a:r>
-            <a:r>
-              <a:rPr lang="en-US" sz="2400" dirty="0" err="1" smtClean="0"/>
+              <a:rPr lang="en-US" sz="2400" dirty="0"/>
+              <a:t> </a:t>
+            </a:r>
+            <a:r>
+              <a:rPr lang="en-US" sz="2400" dirty="0" err="1"/>
               <a:t>Pembimbing</a:t>
             </a:r>
             <a:r>
-              <a:rPr lang="en-US" sz="2400" dirty="0" smtClean="0"/>
-              <a:t> </a:t>
-            </a:r>
-            <a:r>
-              <a:rPr lang="en-US" sz="2400" dirty="0" err="1" smtClean="0"/>
+              <a:rPr lang="en-US" sz="2400" dirty="0"/>
+              <a:t> </a:t>
+            </a:r>
+            <a:r>
+              <a:rPr lang="en-US" sz="2400" dirty="0" err="1"/>
               <a:t>akan</a:t>
             </a:r>
             <a:r>
-              <a:rPr lang="en-US" sz="2400" dirty="0" smtClean="0"/>
-              <a:t> </a:t>
-            </a:r>
-            <a:r>
-              <a:rPr lang="en-US" sz="2400" dirty="0" err="1" smtClean="0"/>
+              <a:rPr lang="en-US" sz="2400" dirty="0"/>
+              <a:t> </a:t>
+            </a:r>
+            <a:r>
+              <a:rPr lang="en-US" sz="2400" dirty="0" err="1"/>
               <a:t>ditetapkan</a:t>
             </a:r>
             <a:r>
-              <a:rPr lang="en-US" sz="2400" dirty="0" smtClean="0"/>
+              <a:rPr lang="en-US" sz="2400" dirty="0"/>
               <a:t>)</a:t>
             </a:r>
           </a:p>
@@ -10370,46 +10148,45 @@
               <a:buChar char="•"/>
             </a:pPr>
             <a:r>
-              <a:rPr lang="en-US" sz="2400" dirty="0" err="1" smtClean="0"/>
+              <a:rPr lang="en-US" sz="2400" dirty="0" err="1"/>
               <a:t>Tabel</a:t>
             </a:r>
             <a:r>
-              <a:rPr lang="en-US" sz="2400" dirty="0" smtClean="0"/>
+              <a:rPr lang="en-US" sz="2400" dirty="0"/>
               <a:t> Logging </a:t>
             </a:r>
             <a:r>
-              <a:rPr lang="en-US" sz="2400" dirty="0" err="1" smtClean="0"/>
+              <a:rPr lang="en-US" sz="2400" dirty="0" err="1"/>
               <a:t>berisi</a:t>
             </a:r>
             <a:r>
-              <a:rPr lang="en-US" sz="2400" dirty="0" smtClean="0"/>
-              <a:t> </a:t>
-            </a:r>
-            <a:r>
-              <a:rPr lang="en-US" sz="2400" dirty="0" err="1" smtClean="0"/>
+              <a:rPr lang="en-US" sz="2400" dirty="0"/>
+              <a:t> </a:t>
+            </a:r>
+            <a:r>
+              <a:rPr lang="en-US" sz="2400" dirty="0" err="1"/>
               <a:t>riwayat</a:t>
             </a:r>
             <a:r>
-              <a:rPr lang="en-US" sz="2400" dirty="0" smtClean="0"/>
-              <a:t> </a:t>
-            </a:r>
-            <a:r>
-              <a:rPr lang="en-US" sz="2400" dirty="0" err="1" smtClean="0"/>
+              <a:rPr lang="en-US" sz="2400" dirty="0"/>
+              <a:t> </a:t>
+            </a:r>
+            <a:r>
+              <a:rPr lang="en-US" sz="2400" dirty="0" err="1"/>
               <a:t>Pengajuan</a:t>
             </a:r>
             <a:r>
-              <a:rPr lang="en-US" sz="2400" dirty="0" smtClean="0"/>
-              <a:t> </a:t>
-            </a:r>
-            <a:r>
-              <a:rPr lang="en-US" sz="2400" dirty="0" err="1" smtClean="0"/>
+              <a:rPr lang="en-US" sz="2400" dirty="0"/>
+              <a:t> </a:t>
+            </a:r>
+            <a:r>
+              <a:rPr lang="en-US" sz="2400" dirty="0" err="1"/>
               <a:t>Mahasiswa</a:t>
             </a:r>
             <a:r>
               <a:rPr lang="en-US" sz="2400" dirty="0"/>
               <a:t>.</a:t>
             </a:r>
-            <a:endParaRPr lang="en-US" sz="2400" dirty="0" smtClean="0"/>
           </a:p>
           <a:p>
             <a:pPr marL="342900" indent="-342900">
@@ -10433,13 +10210,6 @@
   <p:clrMapOvr>
     <a:masterClrMapping/>
   </p:clrMapOvr>
-  <p:timing>
-    <p:tnLst>
-      <p:par>
-        <p:cTn id="1" dur="indefinite" restart="never" nodeType="tmRoot"/>
-      </p:par>
-    </p:tnLst>
-  </p:timing>
 </p:sld>
 </file>
 
@@ -10555,32 +10325,28 @@
           </a:bodyPr>
           <a:lstStyle/>
           <a:p>
-            <a:pPr>
+            <a:pPr algn="ctr">
               <a:lnSpc>
                 <a:spcPct val="150000"/>
               </a:lnSpc>
             </a:pPr>
             <a:r>
-              <a:rPr lang="en-US" sz="4000" dirty="0" err="1" smtClean="0"/>
+              <a:rPr lang="en-US" sz="4000" dirty="0" err="1"/>
               <a:t>Tampilan</a:t>
             </a:r>
             <a:r>
-              <a:rPr lang="en-US" sz="4000" dirty="0" smtClean="0"/>
-              <a:t> </a:t>
-            </a:r>
-            <a:r>
-              <a:rPr lang="en-US" sz="4000" dirty="0" err="1" smtClean="0"/>
+              <a:rPr lang="en-US" sz="4000" dirty="0"/>
+              <a:t> </a:t>
+            </a:r>
+            <a:r>
+              <a:rPr lang="en-US" sz="4000" dirty="0" err="1"/>
               <a:t>Lobi</a:t>
             </a:r>
-            <a:r>
-              <a:rPr lang="en-US" sz="4000" dirty="0" smtClean="0"/>
-              <a:t/>
-            </a:r>
             <a:br>
-              <a:rPr lang="en-US" sz="4000" dirty="0" smtClean="0"/>
+              <a:rPr lang="en-US" sz="4000" dirty="0"/>
             </a:br>
             <a:r>
-              <a:rPr lang="en-US" sz="4000" dirty="0" err="1" smtClean="0"/>
+              <a:rPr lang="en-US" sz="4000" dirty="0" err="1"/>
               <a:t>Mahasiswa</a:t>
             </a:r>
             <a:endParaRPr lang="en-US" sz="4000" dirty="0"/>
@@ -10636,83 +10402,83 @@
               <a:buChar char="•"/>
             </a:pPr>
             <a:r>
-              <a:rPr lang="en-US" sz="2400" dirty="0" err="1" smtClean="0"/>
+              <a:rPr lang="en-US" sz="2400" dirty="0" err="1"/>
               <a:t>Mahasiswa</a:t>
             </a:r>
             <a:r>
-              <a:rPr lang="en-US" sz="2400" dirty="0" smtClean="0"/>
+              <a:rPr lang="en-US" sz="2400" dirty="0"/>
               <a:t> input </a:t>
             </a:r>
             <a:r>
-              <a:rPr lang="en-US" sz="2400" dirty="0" err="1" smtClean="0"/>
+              <a:rPr lang="en-US" sz="2400" dirty="0" err="1"/>
               <a:t>Lobi</a:t>
             </a:r>
             <a:r>
-              <a:rPr lang="en-US" sz="2400" dirty="0" smtClean="0"/>
+              <a:rPr lang="en-US" sz="2400" dirty="0"/>
               <a:t> / Logbook </a:t>
             </a:r>
             <a:r>
-              <a:rPr lang="en-US" sz="2400" dirty="0" err="1" smtClean="0"/>
+              <a:rPr lang="en-US" sz="2400" dirty="0" err="1"/>
               <a:t>Bimbingan</a:t>
             </a:r>
             <a:r>
-              <a:rPr lang="en-US" sz="2400" dirty="0" smtClean="0"/>
-              <a:t> </a:t>
-            </a:r>
-            <a:r>
-              <a:rPr lang="en-US" sz="2400" dirty="0" err="1" smtClean="0"/>
+              <a:rPr lang="en-US" sz="2400" dirty="0"/>
+              <a:t> </a:t>
+            </a:r>
+            <a:r>
+              <a:rPr lang="en-US" sz="2400" dirty="0" err="1"/>
               <a:t>melalui</a:t>
             </a:r>
             <a:r>
-              <a:rPr lang="en-US" sz="2400" dirty="0" smtClean="0"/>
+              <a:rPr lang="en-US" sz="2400" dirty="0"/>
               <a:t> Form </a:t>
             </a:r>
             <a:r>
-              <a:rPr lang="en-US" sz="2400" dirty="0" err="1" smtClean="0"/>
+              <a:rPr lang="en-US" sz="2400" dirty="0" err="1"/>
               <a:t>Lobi</a:t>
             </a:r>
             <a:r>
-              <a:rPr lang="en-US" sz="2400" dirty="0" smtClean="0"/>
-              <a:t> </a:t>
-            </a:r>
-            <a:r>
-              <a:rPr lang="en-US" sz="2400" dirty="0" err="1" smtClean="0"/>
+              <a:rPr lang="en-US" sz="2400" dirty="0"/>
+              <a:t> </a:t>
+            </a:r>
+            <a:r>
+              <a:rPr lang="en-US" sz="2400" dirty="0" err="1"/>
               <a:t>dan</a:t>
             </a:r>
             <a:r>
-              <a:rPr lang="en-US" sz="2400" dirty="0" smtClean="0"/>
-              <a:t> </a:t>
-            </a:r>
-            <a:r>
-              <a:rPr lang="en-US" sz="2400" dirty="0" err="1" smtClean="0"/>
+              <a:rPr lang="en-US" sz="2400" dirty="0"/>
+              <a:t> </a:t>
+            </a:r>
+            <a:r>
+              <a:rPr lang="en-US" sz="2400" dirty="0" err="1"/>
               <a:t>menunggu</a:t>
             </a:r>
             <a:r>
-              <a:rPr lang="en-US" sz="2400" dirty="0" smtClean="0"/>
+              <a:rPr lang="en-US" sz="2400" dirty="0"/>
               <a:t> feedback </a:t>
             </a:r>
             <a:r>
-              <a:rPr lang="en-US" sz="2400" dirty="0" err="1" smtClean="0"/>
+              <a:rPr lang="en-US" sz="2400" dirty="0" err="1"/>
               <a:t>dari</a:t>
             </a:r>
             <a:r>
-              <a:rPr lang="en-US" sz="2400" dirty="0" smtClean="0"/>
-              <a:t> </a:t>
-            </a:r>
-            <a:r>
-              <a:rPr lang="en-US" sz="2400" dirty="0" err="1" smtClean="0"/>
+              <a:rPr lang="en-US" sz="2400" dirty="0"/>
+              <a:t> </a:t>
+            </a:r>
+            <a:r>
+              <a:rPr lang="en-US" sz="2400" dirty="0" err="1"/>
               <a:t>Dosen</a:t>
             </a:r>
             <a:r>
-              <a:rPr lang="en-US" sz="2400" dirty="0" smtClean="0"/>
-              <a:t> </a:t>
-            </a:r>
-            <a:r>
-              <a:rPr lang="en-US" sz="2400" dirty="0" err="1" smtClean="0"/>
+              <a:rPr lang="en-US" sz="2400" dirty="0"/>
+              <a:t> </a:t>
+            </a:r>
+            <a:r>
+              <a:rPr lang="en-US" sz="2400" dirty="0" err="1"/>
               <a:t>Pembimbing</a:t>
             </a:r>
             <a:r>
-              <a:rPr lang="en-US" sz="2400" dirty="0" smtClean="0"/>
+              <a:rPr lang="en-US" sz="2400" dirty="0"/>
               <a:t> 1.</a:t>
             </a:r>
           </a:p>
@@ -10725,46 +10491,45 @@
               <a:buChar char="•"/>
             </a:pPr>
             <a:r>
-              <a:rPr lang="en-US" sz="2400" dirty="0" err="1" smtClean="0"/>
+              <a:rPr lang="en-US" sz="2400" dirty="0" err="1"/>
               <a:t>Tabel</a:t>
             </a:r>
             <a:r>
-              <a:rPr lang="en-US" sz="2400" dirty="0" smtClean="0"/>
+              <a:rPr lang="en-US" sz="2400" dirty="0"/>
               <a:t> Logging </a:t>
             </a:r>
             <a:r>
-              <a:rPr lang="en-US" sz="2400" dirty="0" err="1" smtClean="0"/>
+              <a:rPr lang="en-US" sz="2400" dirty="0" err="1"/>
               <a:t>berisi</a:t>
             </a:r>
             <a:r>
-              <a:rPr lang="en-US" sz="2400" dirty="0" smtClean="0"/>
-              <a:t> </a:t>
-            </a:r>
-            <a:r>
-              <a:rPr lang="en-US" sz="2400" dirty="0" err="1" smtClean="0"/>
+              <a:rPr lang="en-US" sz="2400" dirty="0"/>
+              <a:t> </a:t>
+            </a:r>
+            <a:r>
+              <a:rPr lang="en-US" sz="2400" dirty="0" err="1"/>
               <a:t>riwayat</a:t>
             </a:r>
             <a:r>
-              <a:rPr lang="en-US" sz="2400" dirty="0" smtClean="0"/>
-              <a:t> </a:t>
-            </a:r>
-            <a:r>
-              <a:rPr lang="en-US" sz="2400" dirty="0" err="1" smtClean="0"/>
+              <a:rPr lang="en-US" sz="2400" dirty="0"/>
+              <a:t> </a:t>
+            </a:r>
+            <a:r>
+              <a:rPr lang="en-US" sz="2400" dirty="0" err="1"/>
               <a:t>Lobi</a:t>
             </a:r>
             <a:r>
-              <a:rPr lang="en-US" sz="2400" dirty="0" smtClean="0"/>
-              <a:t> </a:t>
-            </a:r>
-            <a:r>
-              <a:rPr lang="en-US" sz="2400" dirty="0" err="1" smtClean="0"/>
+              <a:rPr lang="en-US" sz="2400" dirty="0"/>
+              <a:t> </a:t>
+            </a:r>
+            <a:r>
+              <a:rPr lang="en-US" sz="2400" dirty="0" err="1"/>
               <a:t>Mahasiswa</a:t>
             </a:r>
             <a:r>
               <a:rPr lang="en-US" sz="2400" dirty="0"/>
               <a:t>.</a:t>
             </a:r>
-            <a:endParaRPr lang="en-US" sz="2400" dirty="0" smtClean="0"/>
           </a:p>
           <a:p>
             <a:pPr marL="342900" indent="-342900">
@@ -10788,13 +10553,6 @@
   <p:clrMapOvr>
     <a:masterClrMapping/>
   </p:clrMapOvr>
-  <p:timing>
-    <p:tnLst>
-      <p:par>
-        <p:cTn id="1" dur="indefinite" restart="never" nodeType="tmRoot"/>
-      </p:par>
-    </p:tnLst>
-  </p:timing>
 </p:sld>
 </file>
 
@@ -10909,23 +10667,23 @@
           <a:lstStyle/>
           <a:p>
             <a:r>
-              <a:rPr lang="en-US" dirty="0" err="1" smtClean="0"/>
+              <a:rPr lang="en-US" dirty="0" err="1"/>
               <a:t>Tampilan</a:t>
             </a:r>
             <a:r>
-              <a:rPr lang="en-US" dirty="0" smtClean="0"/>
-              <a:t> </a:t>
-            </a:r>
-            <a:r>
-              <a:rPr lang="en-US" dirty="0" err="1" smtClean="0"/>
+              <a:rPr lang="en-US" dirty="0"/>
+              <a:t> </a:t>
+            </a:r>
+            <a:r>
+              <a:rPr lang="en-US" dirty="0" err="1"/>
               <a:t>Nilai</a:t>
             </a:r>
             <a:r>
-              <a:rPr lang="en-US" dirty="0" smtClean="0"/>
-              <a:t> </a:t>
-            </a:r>
-            <a:r>
-              <a:rPr lang="en-US" dirty="0" err="1" smtClean="0"/>
+              <a:rPr lang="en-US" dirty="0"/>
+              <a:t> </a:t>
+            </a:r>
+            <a:r>
+              <a:rPr lang="en-US" dirty="0" err="1"/>
               <a:t>Mahasiswa</a:t>
             </a:r>
             <a:endParaRPr lang="en-US" dirty="0"/>
@@ -10981,62 +10739,61 @@
               <a:buChar char="•"/>
             </a:pPr>
             <a:r>
-              <a:rPr lang="en-US" sz="2400" dirty="0" err="1" smtClean="0"/>
+              <a:rPr lang="en-US" sz="2400" dirty="0" err="1"/>
               <a:t>Mahasiswa</a:t>
             </a:r>
             <a:r>
-              <a:rPr lang="en-US" sz="2400" dirty="0" smtClean="0"/>
-              <a:t> </a:t>
-            </a:r>
-            <a:r>
-              <a:rPr lang="en-US" sz="2400" dirty="0" err="1" smtClean="0"/>
+              <a:rPr lang="en-US" sz="2400" dirty="0"/>
+              <a:t> </a:t>
+            </a:r>
+            <a:r>
+              <a:rPr lang="en-US" sz="2400" dirty="0" err="1"/>
               <a:t>dapat</a:t>
             </a:r>
             <a:r>
-              <a:rPr lang="en-US" sz="2400" dirty="0" smtClean="0"/>
-              <a:t> </a:t>
-            </a:r>
-            <a:r>
-              <a:rPr lang="en-US" sz="2400" dirty="0" err="1" smtClean="0"/>
+              <a:rPr lang="en-US" sz="2400" dirty="0"/>
+              <a:t> </a:t>
+            </a:r>
+            <a:r>
+              <a:rPr lang="en-US" sz="2400" dirty="0" err="1"/>
               <a:t>melihat</a:t>
             </a:r>
             <a:r>
-              <a:rPr lang="en-US" sz="2400" dirty="0" smtClean="0"/>
-              <a:t> </a:t>
-            </a:r>
-            <a:r>
-              <a:rPr lang="en-US" sz="2400" dirty="0" err="1" smtClean="0"/>
+              <a:rPr lang="en-US" sz="2400" dirty="0"/>
+              <a:t> </a:t>
+            </a:r>
+            <a:r>
+              <a:rPr lang="en-US" sz="2400" dirty="0" err="1"/>
               <a:t>nilai</a:t>
             </a:r>
             <a:r>
-              <a:rPr lang="en-US" sz="2400" dirty="0" smtClean="0"/>
-              <a:t> </a:t>
-            </a:r>
-            <a:r>
-              <a:rPr lang="en-US" sz="2400" dirty="0" err="1" smtClean="0"/>
+              <a:rPr lang="en-US" sz="2400" dirty="0"/>
+              <a:t> </a:t>
+            </a:r>
+            <a:r>
+              <a:rPr lang="en-US" sz="2400" dirty="0" err="1"/>
               <a:t>sidang</a:t>
             </a:r>
             <a:r>
-              <a:rPr lang="en-US" sz="2400" dirty="0" smtClean="0"/>
+              <a:rPr lang="en-US" sz="2400" dirty="0"/>
               <a:t> di </a:t>
             </a:r>
             <a:r>
-              <a:rPr lang="en-US" sz="2400" dirty="0" err="1" smtClean="0"/>
+              <a:rPr lang="en-US" sz="2400" dirty="0" err="1"/>
               <a:t>halaman</a:t>
             </a:r>
             <a:r>
-              <a:rPr lang="en-US" sz="2400" dirty="0" smtClean="0"/>
-              <a:t> </a:t>
-            </a:r>
-            <a:r>
-              <a:rPr lang="en-US" sz="2400" dirty="0" err="1" smtClean="0"/>
+              <a:rPr lang="en-US" sz="2400" dirty="0"/>
+              <a:t> </a:t>
+            </a:r>
+            <a:r>
+              <a:rPr lang="en-US" sz="2400" dirty="0" err="1"/>
               <a:t>nilai</a:t>
             </a:r>
             <a:r>
-              <a:rPr lang="en-US" sz="2400" dirty="0" smtClean="0"/>
+              <a:rPr lang="en-US" sz="2400" dirty="0"/>
               <a:t>.</a:t>
             </a:r>
-            <a:endParaRPr lang="en-US" sz="2400" dirty="0"/>
           </a:p>
         </p:txBody>
       </p:sp>
@@ -11063,47 +10820,47 @@
           <a:lstStyle/>
           <a:p>
             <a:r>
-              <a:rPr lang="en-US" b="1" dirty="0" err="1" smtClean="0"/>
+              <a:rPr lang="en-US" b="1" dirty="0" err="1"/>
               <a:t>Bila</a:t>
             </a:r>
             <a:r>
-              <a:rPr lang="en-US" b="1" dirty="0" smtClean="0"/>
-              <a:t> </a:t>
-            </a:r>
-            <a:r>
-              <a:rPr lang="en-US" b="1" dirty="0" err="1" smtClean="0"/>
+              <a:rPr lang="en-US" b="1" dirty="0"/>
+              <a:t> </a:t>
+            </a:r>
+            <a:r>
+              <a:rPr lang="en-US" b="1" dirty="0" err="1"/>
               <a:t>Belum</a:t>
             </a:r>
             <a:r>
-              <a:rPr lang="en-US" b="1" dirty="0" smtClean="0"/>
-              <a:t> </a:t>
-            </a:r>
-            <a:r>
-              <a:rPr lang="en-US" b="1" dirty="0" err="1" smtClean="0"/>
+              <a:rPr lang="en-US" b="1" dirty="0"/>
+              <a:t> </a:t>
+            </a:r>
+            <a:r>
+              <a:rPr lang="en-US" b="1" dirty="0" err="1"/>
               <a:t>Sidang</a:t>
             </a:r>
             <a:r>
-              <a:rPr lang="en-US" b="1" dirty="0" smtClean="0"/>
+              <a:rPr lang="en-US" b="1" dirty="0"/>
               <a:t>, </a:t>
             </a:r>
             <a:r>
-              <a:rPr lang="en-US" b="1" dirty="0" err="1" smtClean="0"/>
+              <a:rPr lang="en-US" b="1" dirty="0" err="1"/>
               <a:t>maka</a:t>
             </a:r>
             <a:r>
-              <a:rPr lang="en-US" b="1" dirty="0" smtClean="0"/>
-              <a:t> </a:t>
-            </a:r>
-            <a:r>
-              <a:rPr lang="en-US" b="1" dirty="0" err="1" smtClean="0"/>
+              <a:rPr lang="en-US" b="1" dirty="0"/>
+              <a:t> </a:t>
+            </a:r>
+            <a:r>
+              <a:rPr lang="en-US" b="1" dirty="0" err="1"/>
               <a:t>akan</a:t>
             </a:r>
             <a:r>
-              <a:rPr lang="en-US" b="1" dirty="0" smtClean="0"/>
-              <a:t> </a:t>
-            </a:r>
-            <a:r>
-              <a:rPr lang="en-US" b="1" dirty="0" err="1" smtClean="0"/>
+              <a:rPr lang="en-US" b="1" dirty="0"/>
+              <a:t> </a:t>
+            </a:r>
+            <a:r>
+              <a:rPr lang="en-US" b="1" dirty="0" err="1"/>
               <a:t>kosong</a:t>
             </a:r>
             <a:endParaRPr lang="en-US" b="1" dirty="0"/>
@@ -11133,47 +10890,47 @@
           <a:lstStyle/>
           <a:p>
             <a:r>
-              <a:rPr lang="en-US" b="1" dirty="0" err="1" smtClean="0"/>
+              <a:rPr lang="en-US" b="1" dirty="0" err="1"/>
               <a:t>Bila</a:t>
             </a:r>
             <a:r>
-              <a:rPr lang="en-US" b="1" dirty="0" smtClean="0"/>
-              <a:t> </a:t>
-            </a:r>
-            <a:r>
-              <a:rPr lang="en-US" b="1" dirty="0" err="1" smtClean="0"/>
+              <a:rPr lang="en-US" b="1" dirty="0"/>
+              <a:t> </a:t>
+            </a:r>
+            <a:r>
+              <a:rPr lang="en-US" b="1" dirty="0" err="1"/>
               <a:t>sudah</a:t>
             </a:r>
             <a:r>
-              <a:rPr lang="en-US" b="1" dirty="0" smtClean="0"/>
-              <a:t> </a:t>
-            </a:r>
-            <a:r>
-              <a:rPr lang="en-US" b="1" dirty="0" err="1" smtClean="0"/>
+              <a:rPr lang="en-US" b="1" dirty="0"/>
+              <a:t> </a:t>
+            </a:r>
+            <a:r>
+              <a:rPr lang="en-US" b="1" dirty="0" err="1"/>
               <a:t>Sidang</a:t>
             </a:r>
             <a:r>
-              <a:rPr lang="en-US" b="1" dirty="0" smtClean="0"/>
+              <a:rPr lang="en-US" b="1" dirty="0"/>
               <a:t>, </a:t>
             </a:r>
             <a:r>
-              <a:rPr lang="en-US" b="1" dirty="0" err="1" smtClean="0"/>
+              <a:rPr lang="en-US" b="1" dirty="0" err="1"/>
               <a:t>maka</a:t>
             </a:r>
             <a:r>
-              <a:rPr lang="en-US" b="1" dirty="0" smtClean="0"/>
-              <a:t> </a:t>
-            </a:r>
-            <a:r>
-              <a:rPr lang="en-US" b="1" dirty="0" err="1" smtClean="0"/>
+              <a:rPr lang="en-US" b="1" dirty="0"/>
+              <a:t> </a:t>
+            </a:r>
+            <a:r>
+              <a:rPr lang="en-US" b="1" dirty="0" err="1"/>
               <a:t>akan</a:t>
             </a:r>
             <a:r>
-              <a:rPr lang="en-US" b="1" dirty="0" smtClean="0"/>
-              <a:t> </a:t>
-            </a:r>
-            <a:r>
-              <a:rPr lang="en-US" b="1" dirty="0" err="1" smtClean="0"/>
+              <a:rPr lang="en-US" b="1" dirty="0"/>
+              <a:t> </a:t>
+            </a:r>
+            <a:r>
+              <a:rPr lang="en-US" b="1" dirty="0" err="1"/>
               <a:t>terisi</a:t>
             </a:r>
             <a:endParaRPr lang="en-US" b="1" dirty="0"/>
@@ -11190,13 +10947,6 @@
   <p:clrMapOvr>
     <a:masterClrMapping/>
   </p:clrMapOvr>
-  <p:timing>
-    <p:tnLst>
-      <p:par>
-        <p:cTn id="1" dur="indefinite" restart="never" nodeType="tmRoot"/>
-      </p:par>
-    </p:tnLst>
-  </p:timing>
 </p:sld>
 </file>
 
@@ -11267,18 +11017,13 @@
           <a:lstStyle/>
           <a:p>
             <a:r>
-              <a:rPr lang="en-US" dirty="0" err="1" smtClean="0"/>
+              <a:rPr lang="en-US" dirty="0" err="1"/>
               <a:t>Tampilan</a:t>
             </a:r>
             <a:r>
-              <a:rPr lang="en-US" dirty="0" smtClean="0"/>
-              <a:t> </a:t>
-            </a:r>
-            <a:r>
-              <a:rPr lang="en-US" dirty="0" smtClean="0"/>
-              <a:t>Repository</a:t>
-            </a:r>
-            <a:endParaRPr lang="en-US" dirty="0"/>
+              <a:rPr lang="en-US" dirty="0"/>
+              <a:t> Repository</a:t>
+            </a:r>
           </a:p>
         </p:txBody>
       </p:sp>
@@ -11331,70 +11076,69 @@
               <a:buChar char="•"/>
             </a:pPr>
             <a:r>
-              <a:rPr lang="en-US" sz="2400" dirty="0" err="1" smtClean="0"/>
+              <a:rPr lang="en-US" sz="2400" dirty="0" err="1"/>
               <a:t>Mahasiswa</a:t>
             </a:r>
             <a:r>
-              <a:rPr lang="en-US" sz="2400" dirty="0" smtClean="0"/>
-              <a:t> </a:t>
-            </a:r>
-            <a:r>
-              <a:rPr lang="en-US" sz="2400" dirty="0" err="1" smtClean="0"/>
+              <a:rPr lang="en-US" sz="2400" dirty="0"/>
+              <a:t> </a:t>
+            </a:r>
+            <a:r>
+              <a:rPr lang="en-US" sz="2400" dirty="0" err="1"/>
               <a:t>dapat</a:t>
             </a:r>
             <a:r>
-              <a:rPr lang="en-US" sz="2400" dirty="0" smtClean="0"/>
-              <a:t> </a:t>
-            </a:r>
-            <a:r>
-              <a:rPr lang="en-US" sz="2400" dirty="0" err="1" smtClean="0"/>
+              <a:rPr lang="en-US" sz="2400" dirty="0"/>
+              <a:t> </a:t>
+            </a:r>
+            <a:r>
+              <a:rPr lang="en-US" sz="2400" dirty="0" err="1"/>
               <a:t>melihat</a:t>
             </a:r>
             <a:r>
-              <a:rPr lang="en-US" sz="2400" dirty="0" smtClean="0"/>
-              <a:t> </a:t>
-            </a:r>
-            <a:r>
-              <a:rPr lang="en-US" sz="2400" dirty="0" err="1" smtClean="0"/>
+              <a:rPr lang="en-US" sz="2400" dirty="0"/>
+              <a:t> </a:t>
+            </a:r>
+            <a:r>
+              <a:rPr lang="en-US" sz="2400" dirty="0" err="1"/>
               <a:t>Tugas</a:t>
             </a:r>
             <a:r>
-              <a:rPr lang="en-US" sz="2400" dirty="0" smtClean="0"/>
-              <a:t> </a:t>
-            </a:r>
-            <a:r>
-              <a:rPr lang="en-US" sz="2400" dirty="0" err="1" smtClean="0"/>
+              <a:rPr lang="en-US" sz="2400" dirty="0"/>
+              <a:t> </a:t>
+            </a:r>
+            <a:r>
+              <a:rPr lang="en-US" sz="2400" dirty="0" err="1"/>
               <a:t>Akhir</a:t>
             </a:r>
             <a:r>
-              <a:rPr lang="en-US" sz="2400" dirty="0" smtClean="0"/>
+              <a:rPr lang="en-US" sz="2400" dirty="0"/>
               <a:t> yang </a:t>
             </a:r>
             <a:r>
-              <a:rPr lang="en-US" sz="2400" dirty="0" err="1" smtClean="0"/>
+              <a:rPr lang="en-US" sz="2400" dirty="0" err="1"/>
               <a:t>pernah</a:t>
             </a:r>
             <a:r>
-              <a:rPr lang="en-US" sz="2400" dirty="0" smtClean="0"/>
-              <a:t> </a:t>
-            </a:r>
-            <a:r>
-              <a:rPr lang="en-US" sz="2400" dirty="0" err="1" smtClean="0"/>
+              <a:rPr lang="en-US" sz="2400" dirty="0"/>
+              <a:t> </a:t>
+            </a:r>
+            <a:r>
+              <a:rPr lang="en-US" sz="2400" dirty="0" err="1"/>
               <a:t>diambil</a:t>
             </a:r>
             <a:r>
-              <a:rPr lang="en-US" sz="2400" dirty="0" smtClean="0"/>
-              <a:t> </a:t>
-            </a:r>
-            <a:r>
-              <a:rPr lang="en-US" sz="2400" dirty="0" err="1" smtClean="0"/>
+              <a:rPr lang="en-US" sz="2400" dirty="0"/>
+              <a:t> </a:t>
+            </a:r>
+            <a:r>
+              <a:rPr lang="en-US" sz="2400" dirty="0" err="1"/>
               <a:t>sebelumnya</a:t>
             </a:r>
             <a:r>
-              <a:rPr lang="en-US" sz="2400" dirty="0" smtClean="0"/>
+              <a:rPr lang="en-US" sz="2400" dirty="0"/>
               <a:t>.</a:t>
             </a:r>
-            <a:endParaRPr lang="en-US" sz="2400" dirty="0"/>
           </a:p>
         </p:txBody>
       </p:sp>
@@ -11408,13 +11152,6 @@
   <p:clrMapOvr>
     <a:masterClrMapping/>
   </p:clrMapOvr>
-  <p:timing>
-    <p:tnLst>
-      <p:par>
-        <p:cTn id="1" dur="indefinite" restart="never" nodeType="tmRoot"/>
-      </p:par>
-    </p:tnLst>
-  </p:timing>
 </p:sld>
 </file>
 
